--- a/ppt/0310_2조_나현희_신원철.pptx
+++ b/ppt/0310_2조_나현희_신원철.pptx
@@ -5,23 +5,25 @@
     <p:sldMasterId id="2147483648" r:id="rId1"/>
   </p:sldMasterIdLst>
   <p:notesMasterIdLst>
-    <p:notesMasterId r:id="rId16"/>
+    <p:notesMasterId r:id="rId18"/>
   </p:notesMasterIdLst>
   <p:sldIdLst>
     <p:sldId id="257" r:id="rId2"/>
-    <p:sldId id="259" r:id="rId3"/>
-    <p:sldId id="289" r:id="rId4"/>
-    <p:sldId id="290" r:id="rId5"/>
-    <p:sldId id="293" r:id="rId6"/>
-    <p:sldId id="297" r:id="rId7"/>
-    <p:sldId id="298" r:id="rId8"/>
-    <p:sldId id="299" r:id="rId9"/>
-    <p:sldId id="300" r:id="rId10"/>
-    <p:sldId id="301" r:id="rId11"/>
-    <p:sldId id="296" r:id="rId12"/>
-    <p:sldId id="302" r:id="rId13"/>
-    <p:sldId id="303" r:id="rId14"/>
-    <p:sldId id="304" r:id="rId15"/>
+    <p:sldId id="306" r:id="rId3"/>
+    <p:sldId id="259" r:id="rId4"/>
+    <p:sldId id="289" r:id="rId5"/>
+    <p:sldId id="290" r:id="rId6"/>
+    <p:sldId id="293" r:id="rId7"/>
+    <p:sldId id="297" r:id="rId8"/>
+    <p:sldId id="298" r:id="rId9"/>
+    <p:sldId id="299" r:id="rId10"/>
+    <p:sldId id="300" r:id="rId11"/>
+    <p:sldId id="301" r:id="rId12"/>
+    <p:sldId id="296" r:id="rId13"/>
+    <p:sldId id="302" r:id="rId14"/>
+    <p:sldId id="303" r:id="rId15"/>
+    <p:sldId id="304" r:id="rId16"/>
+    <p:sldId id="305" r:id="rId17"/>
   </p:sldIdLst>
   <p:sldSz cx="9245600" cy="6840538"/>
   <p:notesSz cx="6858000" cy="9144000"/>
@@ -231,7 +233,7 @@
             <a:fld id="{01015650-063C-455C-8B59-3D8A2C6803D6}" type="datetimeFigureOut">
               <a:rPr lang="ko-KR" altLang="en-US" smtClean="0"/>
               <a:pPr/>
-              <a:t>2023-03-09</a:t>
+              <a:t>2023-03-10</a:t>
             </a:fld>
             <a:endParaRPr lang="ko-KR" altLang="en-US"/>
           </a:p>
@@ -642,7 +644,14 @@
               <a:tabLst/>
               <a:defRPr/>
             </a:pPr>
-            <a:endParaRPr lang="en-US" altLang="ko-KR" dirty="0"/>
+            <a:r>
+              <a:rPr lang="ko-KR" altLang="en-US" dirty="0"/>
+              <a:t>이와 같이 화자별로 음성을 완전히 분리하는 것을 목표로 하고 있습니다</a:t>
+            </a:r>
+            <a:r>
+              <a:rPr lang="en-US" altLang="ko-KR" dirty="0"/>
+              <a:t>. </a:t>
+            </a:r>
           </a:p>
         </p:txBody>
       </p:sp>
@@ -673,7 +682,7 @@
     </p:spTree>
     <p:extLst>
       <p:ext uri="{BB962C8B-B14F-4D97-AF65-F5344CB8AC3E}">
-        <p14:creationId xmlns:p14="http://schemas.microsoft.com/office/powerpoint/2010/main" val="4176199323"/>
+        <p14:creationId xmlns:p14="http://schemas.microsoft.com/office/powerpoint/2010/main" val="1126164072"/>
       </p:ext>
     </p:extLst>
   </p:cSld>
@@ -745,16 +754,12 @@
               <a:defRPr/>
             </a:pPr>
             <a:r>
-              <a:rPr lang="en-US" altLang="ko-KR" dirty="0" err="1"/>
-              <a:t>Interspeech</a:t>
-            </a:r>
-            <a:r>
               <a:rPr lang="ko-KR" altLang="en-US" dirty="0"/>
-              <a:t> </a:t>
+              <a:t>저희의 음성 신호를 나누는 기준은 다음과 같이 설정하였습니다</a:t>
             </a:r>
             <a:r>
               <a:rPr lang="en-US" altLang="ko-KR" dirty="0"/>
-              <a:t>submit</a:t>
+              <a:t>. </a:t>
             </a:r>
           </a:p>
         </p:txBody>
@@ -786,7 +791,7 @@
     </p:spTree>
     <p:extLst>
       <p:ext uri="{BB962C8B-B14F-4D97-AF65-F5344CB8AC3E}">
-        <p14:creationId xmlns:p14="http://schemas.microsoft.com/office/powerpoint/2010/main" val="1194955385"/>
+        <p14:creationId xmlns:p14="http://schemas.microsoft.com/office/powerpoint/2010/main" val="4176199323"/>
       </p:ext>
     </p:extLst>
   </p:cSld>
@@ -858,24 +863,144 @@
               <a:defRPr/>
             </a:pPr>
             <a:r>
-              <a:rPr lang="en-US" altLang="ko-KR" b="0" dirty="0" err="1">
-                <a:effectLst/>
-              </a:rPr>
-              <a:t>Comments:</a:t>
-            </a:r>
-            <a:r>
-              <a:rPr lang="en-US" altLang="ko-KR" dirty="0" err="1">
-                <a:effectLst/>
-              </a:rPr>
-              <a:t>Accepted</a:t>
-            </a:r>
-            <a:r>
-              <a:rPr lang="en-US" altLang="ko-KR" dirty="0">
-                <a:effectLst/>
-              </a:rPr>
-              <a:t> to ICASSP 2021</a:t>
-            </a:r>
+              <a:rPr lang="en-US" altLang="ko-KR" dirty="0" err="1"/>
+              <a:t>Interspeech</a:t>
+            </a:r>
+            <a:r>
+              <a:rPr lang="ko-KR" altLang="en-US" dirty="0"/>
+              <a:t> </a:t>
+            </a:r>
+            <a:r>
+              <a:rPr lang="en-US" altLang="ko-KR" dirty="0"/>
+              <a:t>submit</a:t>
+            </a:r>
+          </a:p>
+          <a:p>
+            <a:pPr marL="0" marR="0" lvl="0" indent="0" algn="l" defTabSz="914400" rtl="0" eaLnBrk="1" fontAlgn="auto" latinLnBrk="1" hangingPunct="1">
+              <a:lnSpc>
+                <a:spcPct val="100000"/>
+              </a:lnSpc>
+              <a:spcBef>
+                <a:spcPts val="0"/>
+              </a:spcBef>
+              <a:spcAft>
+                <a:spcPts val="0"/>
+              </a:spcAft>
+              <a:buClrTx/>
+              <a:buSzTx/>
+              <a:buFontTx/>
+              <a:buNone/>
+              <a:tabLst/>
+              <a:defRPr/>
+            </a:pPr>
             <a:endParaRPr lang="en-US" altLang="ko-KR" dirty="0"/>
+          </a:p>
+          <a:p>
+            <a:pPr marL="0" marR="0" lvl="0" indent="0" algn="l" defTabSz="914400" rtl="0" eaLnBrk="1" fontAlgn="auto" latinLnBrk="1" hangingPunct="1">
+              <a:lnSpc>
+                <a:spcPct val="100000"/>
+              </a:lnSpc>
+              <a:spcBef>
+                <a:spcPts val="0"/>
+              </a:spcBef>
+              <a:spcAft>
+                <a:spcPts val="0"/>
+              </a:spcAft>
+              <a:buClrTx/>
+              <a:buSzTx/>
+              <a:buFontTx/>
+              <a:buNone/>
+              <a:tabLst/>
+              <a:defRPr/>
+            </a:pPr>
+            <a:r>
+              <a:rPr lang="en-US" altLang="ko-KR" dirty="0"/>
+              <a:t>2</a:t>
+            </a:r>
+            <a:r>
+              <a:rPr lang="ko-KR" altLang="en-US" dirty="0"/>
+              <a:t>개 또는 </a:t>
+            </a:r>
+            <a:r>
+              <a:rPr lang="en-US" altLang="ko-KR" dirty="0"/>
+              <a:t>3</a:t>
+            </a:r>
+            <a:r>
+              <a:rPr lang="ko-KR" altLang="en-US" dirty="0"/>
+              <a:t>개의 말뭉치를 합쳐서 만들었고 노이즈가 포함된 데이터와 중첩 비율 별로 데이터를 제공</a:t>
+            </a:r>
+            <a:endParaRPr lang="en-US" altLang="ko-KR" dirty="0"/>
+          </a:p>
+          <a:p>
+            <a:pPr marL="0" marR="0" lvl="0" indent="0" algn="l" defTabSz="914400" rtl="0" eaLnBrk="1" fontAlgn="auto" latinLnBrk="1" hangingPunct="1">
+              <a:lnSpc>
+                <a:spcPct val="100000"/>
+              </a:lnSpc>
+              <a:spcBef>
+                <a:spcPts val="0"/>
+              </a:spcBef>
+              <a:spcAft>
+                <a:spcPts val="0"/>
+              </a:spcAft>
+              <a:buClrTx/>
+              <a:buSzTx/>
+              <a:buFontTx/>
+              <a:buNone/>
+              <a:tabLst/>
+              <a:defRPr/>
+            </a:pPr>
+            <a:endParaRPr lang="en-US" altLang="ko-KR" dirty="0"/>
+          </a:p>
+          <a:p>
+            <a:pPr marL="0" marR="0" lvl="0" indent="0" algn="l" defTabSz="914400" rtl="0" eaLnBrk="1" fontAlgn="auto" latinLnBrk="1" hangingPunct="1">
+              <a:lnSpc>
+                <a:spcPct val="100000"/>
+              </a:lnSpc>
+              <a:spcBef>
+                <a:spcPts val="0"/>
+              </a:spcBef>
+              <a:spcAft>
+                <a:spcPts val="0"/>
+              </a:spcAft>
+              <a:buClrTx/>
+              <a:buSzTx/>
+              <a:buFontTx/>
+              <a:buNone/>
+              <a:tabLst/>
+              <a:defRPr/>
+            </a:pPr>
+            <a:r>
+              <a:rPr lang="ko-KR" altLang="en-US" dirty="0"/>
+              <a:t>이전에 사용되던 </a:t>
+            </a:r>
+            <a:r>
+              <a:rPr lang="en-US" altLang="ko-KR" dirty="0"/>
+              <a:t>wsj0 </a:t>
+            </a:r>
+            <a:r>
+              <a:rPr lang="ko-KR" altLang="en-US" dirty="0"/>
+              <a:t>데이터셋은 완전히 겹쳐진 데이터만 제공하는데 일반적인 상황에서는 </a:t>
+            </a:r>
+            <a:r>
+              <a:rPr lang="en-US" altLang="ko-KR" dirty="0"/>
+              <a:t>20% </a:t>
+            </a:r>
+            <a:r>
+              <a:rPr lang="ko-KR" altLang="en-US" dirty="0"/>
+              <a:t>미만으로 겹쳐지는 상황이 대부분이라 학습된 데이터 이외의 데이터에서는 상당한 성능 저하가 일어나서 고안된 데이터로 실제 해당 데이터로 학습된 모델에서 보다 더 나은 </a:t>
+            </a:r>
+            <a:r>
+              <a:rPr lang="en-US" altLang="ko-KR" dirty="0"/>
+              <a:t>generalize</a:t>
+            </a:r>
+            <a:r>
+              <a:rPr lang="ko-KR" altLang="en-US" dirty="0"/>
+              <a:t> 성능을 보였다고 나와있습니다</a:t>
+            </a:r>
+            <a:r>
+              <a:rPr lang="en-US" altLang="ko-KR" dirty="0"/>
+              <a:t>. </a:t>
+            </a:r>
           </a:p>
         </p:txBody>
       </p:sp>
@@ -906,7 +1031,7 @@
     </p:spTree>
     <p:extLst>
       <p:ext uri="{BB962C8B-B14F-4D97-AF65-F5344CB8AC3E}">
-        <p14:creationId xmlns:p14="http://schemas.microsoft.com/office/powerpoint/2010/main" val="356395189"/>
+        <p14:creationId xmlns:p14="http://schemas.microsoft.com/office/powerpoint/2010/main" val="1194955385"/>
       </p:ext>
     </p:extLst>
   </p:cSld>
@@ -977,6 +1102,83 @@
               <a:tabLst/>
               <a:defRPr/>
             </a:pPr>
+            <a:r>
+              <a:rPr lang="en-US" altLang="ko-KR" b="0" dirty="0" err="1">
+                <a:effectLst/>
+              </a:rPr>
+              <a:t>Comments:</a:t>
+            </a:r>
+            <a:r>
+              <a:rPr lang="en-US" altLang="ko-KR" dirty="0" err="1">
+                <a:effectLst/>
+              </a:rPr>
+              <a:t>Accepted</a:t>
+            </a:r>
+            <a:r>
+              <a:rPr lang="en-US" altLang="ko-KR" dirty="0">
+                <a:effectLst/>
+              </a:rPr>
+              <a:t> to ICASSP 2021</a:t>
+            </a:r>
+          </a:p>
+          <a:p>
+            <a:pPr marL="0" marR="0" lvl="0" indent="0" algn="l" defTabSz="914400" rtl="0" eaLnBrk="1" fontAlgn="auto" latinLnBrk="1" hangingPunct="1">
+              <a:lnSpc>
+                <a:spcPct val="100000"/>
+              </a:lnSpc>
+              <a:spcBef>
+                <a:spcPts val="0"/>
+              </a:spcBef>
+              <a:spcAft>
+                <a:spcPts val="0"/>
+              </a:spcAft>
+              <a:buClrTx/>
+              <a:buSzTx/>
+              <a:buFontTx/>
+              <a:buNone/>
+              <a:tabLst/>
+              <a:defRPr/>
+            </a:pPr>
+            <a:endParaRPr lang="en-US" altLang="ko-KR" dirty="0">
+              <a:effectLst/>
+            </a:endParaRPr>
+          </a:p>
+          <a:p>
+            <a:pPr marL="0" marR="0" lvl="0" indent="0" algn="l" defTabSz="914400" rtl="0" eaLnBrk="1" fontAlgn="auto" latinLnBrk="1" hangingPunct="1">
+              <a:lnSpc>
+                <a:spcPct val="100000"/>
+              </a:lnSpc>
+              <a:spcBef>
+                <a:spcPts val="0"/>
+              </a:spcBef>
+              <a:spcAft>
+                <a:spcPts val="0"/>
+              </a:spcAft>
+              <a:buClrTx/>
+              <a:buSzTx/>
+              <a:buFontTx/>
+              <a:buNone/>
+              <a:tabLst/>
+              <a:defRPr/>
+            </a:pPr>
+            <a:r>
+              <a:rPr lang="en-US" altLang="ko-KR" dirty="0">
+                <a:effectLst/>
+              </a:rPr>
+              <a:t>3</a:t>
+            </a:r>
+            <a:r>
+              <a:rPr lang="ko-KR" altLang="en-US" dirty="0">
+                <a:effectLst/>
+              </a:rPr>
+              <a:t>개의 음성이 합쳐진 </a:t>
+            </a:r>
+            <a:r>
+              <a:rPr lang="en-US" altLang="ko-KR" dirty="0" err="1">
+                <a:effectLst/>
+              </a:rPr>
+              <a:t>librimix</a:t>
+            </a:r>
             <a:endParaRPr lang="en-US" altLang="ko-KR" dirty="0"/>
           </a:p>
         </p:txBody>
@@ -1008,7 +1210,7 @@
     </p:spTree>
     <p:extLst>
       <p:ext uri="{BB962C8B-B14F-4D97-AF65-F5344CB8AC3E}">
-        <p14:creationId xmlns:p14="http://schemas.microsoft.com/office/powerpoint/2010/main" val="3815220906"/>
+        <p14:creationId xmlns:p14="http://schemas.microsoft.com/office/powerpoint/2010/main" val="356395189"/>
       </p:ext>
     </p:extLst>
   </p:cSld>
@@ -1079,7 +1281,93 @@
               <a:tabLst/>
               <a:defRPr/>
             </a:pPr>
+            <a:r>
+              <a:rPr lang="ko-KR" altLang="en-US" dirty="0"/>
+              <a:t>저희는 앞에서 말한 </a:t>
+            </a:r>
+            <a:r>
+              <a:rPr lang="ko-KR" altLang="en-US" dirty="0" err="1"/>
+              <a:t>전처리</a:t>
+            </a:r>
+            <a:r>
+              <a:rPr lang="ko-KR" altLang="en-US" dirty="0"/>
+              <a:t> 방식으로 분리된 음성 신호를 학습된 </a:t>
+            </a:r>
+            <a:r>
+              <a:rPr lang="en-US" altLang="ko-KR" dirty="0" err="1"/>
+              <a:t>sepformer</a:t>
+            </a:r>
+            <a:r>
+              <a:rPr lang="ko-KR" altLang="en-US" dirty="0"/>
+              <a:t>를 통해 화자 분리를 진행하였는데 다음과 같이 화자가 </a:t>
+            </a:r>
+            <a:r>
+              <a:rPr lang="en-US" altLang="ko-KR" dirty="0"/>
+              <a:t>3</a:t>
+            </a:r>
+            <a:r>
+              <a:rPr lang="ko-KR" altLang="en-US" dirty="0"/>
+              <a:t>명이 있는 구간에서는 정상적으로 작동을 하였지만 화자가 한명이 있는 구간에서 문제가 발생했습니다</a:t>
+            </a:r>
+            <a:r>
+              <a:rPr lang="en-US" altLang="ko-KR" dirty="0"/>
+              <a:t>. </a:t>
+            </a:r>
+            <a:r>
+              <a:rPr lang="ko-KR" altLang="en-US" dirty="0"/>
+              <a:t>다음은 발표를 위해 두개의 음성이 합쳐진 데이터로 학습된 모델로 분리한 결과를 첨부했습니다</a:t>
+            </a:r>
+            <a:r>
+              <a:rPr lang="en-US" altLang="ko-KR" dirty="0"/>
+              <a:t>.</a:t>
+            </a:r>
+          </a:p>
+          <a:p>
+            <a:pPr marL="0" marR="0" lvl="0" indent="0" algn="l" defTabSz="914400" rtl="0" eaLnBrk="1" fontAlgn="auto" latinLnBrk="1" hangingPunct="1">
+              <a:lnSpc>
+                <a:spcPct val="100000"/>
+              </a:lnSpc>
+              <a:spcBef>
+                <a:spcPts val="0"/>
+              </a:spcBef>
+              <a:spcAft>
+                <a:spcPts val="0"/>
+              </a:spcAft>
+              <a:buClrTx/>
+              <a:buSzTx/>
+              <a:buFontTx/>
+              <a:buNone/>
+              <a:tabLst/>
+              <a:defRPr/>
+            </a:pPr>
             <a:endParaRPr lang="en-US" altLang="ko-KR" dirty="0"/>
+          </a:p>
+          <a:p>
+            <a:pPr marL="0" marR="0" lvl="0" indent="0" algn="l" defTabSz="914400" rtl="0" eaLnBrk="1" fontAlgn="auto" latinLnBrk="1" hangingPunct="1">
+              <a:lnSpc>
+                <a:spcPct val="100000"/>
+              </a:lnSpc>
+              <a:spcBef>
+                <a:spcPts val="0"/>
+              </a:spcBef>
+              <a:spcAft>
+                <a:spcPts val="0"/>
+              </a:spcAft>
+              <a:buClrTx/>
+              <a:buSzTx/>
+              <a:buFontTx/>
+              <a:buNone/>
+              <a:tabLst/>
+              <a:defRPr/>
+            </a:pPr>
+            <a:r>
+              <a:rPr lang="ko-KR" altLang="en-US" dirty="0"/>
+              <a:t>위와 같이 억지로 한 명의 화자가 말한 음성 구간을 분리하다 보니 다음과 같이 부정확한 결과가 나왔습니다</a:t>
+            </a:r>
+            <a:r>
+              <a:rPr lang="en-US" altLang="ko-KR" dirty="0"/>
+              <a:t>. </a:t>
+            </a:r>
           </a:p>
         </p:txBody>
       </p:sp>
@@ -1110,7 +1398,211 @@
     </p:spTree>
     <p:extLst>
       <p:ext uri="{BB962C8B-B14F-4D97-AF65-F5344CB8AC3E}">
+        <p14:creationId xmlns:p14="http://schemas.microsoft.com/office/powerpoint/2010/main" val="3815220906"/>
+      </p:ext>
+    </p:extLst>
+  </p:cSld>
+  <p:clrMapOvr>
+    <a:masterClrMapping/>
+  </p:clrMapOvr>
+</p:notes>
+</file>
+
+<file path=ppt/notesSlides/notesSlide15.xml><?xml version="1.0" encoding="utf-8"?>
+<p:notes xmlns:a="http://schemas.openxmlformats.org/drawingml/2006/main" xmlns:r="http://schemas.openxmlformats.org/officeDocument/2006/relationships" xmlns:p="http://schemas.openxmlformats.org/presentationml/2006/main">
+  <p:cSld>
+    <p:spTree>
+      <p:nvGrpSpPr>
+        <p:cNvPr id="1" name=""/>
+        <p:cNvGrpSpPr/>
+        <p:nvPr/>
+      </p:nvGrpSpPr>
+      <p:grpSpPr>
+        <a:xfrm>
+          <a:off x="0" y="0"/>
+          <a:ext cx="0" cy="0"/>
+          <a:chOff x="0" y="0"/>
+          <a:chExt cx="0" cy="0"/>
+        </a:xfrm>
+      </p:grpSpPr>
+      <p:sp>
+        <p:nvSpPr>
+          <p:cNvPr id="2" name="슬라이드 이미지 개체 틀 1"/>
+          <p:cNvSpPr>
+            <a:spLocks noGrp="1" noRot="1" noChangeAspect="1"/>
+          </p:cNvSpPr>
+          <p:nvPr>
+            <p:ph type="sldImg"/>
+          </p:nvPr>
+        </p:nvSpPr>
+        <p:spPr/>
+      </p:sp>
+      <p:sp>
+        <p:nvSpPr>
+          <p:cNvPr id="3" name="슬라이드 노트 개체 틀 2"/>
+          <p:cNvSpPr>
+            <a:spLocks noGrp="1"/>
+          </p:cNvSpPr>
+          <p:nvPr>
+            <p:ph type="body" idx="1"/>
+          </p:nvPr>
+        </p:nvSpPr>
+        <p:spPr/>
+        <p:txBody>
+          <a:bodyPr/>
+          <a:lstStyle/>
+          <a:p>
+            <a:pPr marL="0" marR="0" lvl="0" indent="0" algn="l" defTabSz="914400" rtl="0" eaLnBrk="1" fontAlgn="auto" latinLnBrk="1" hangingPunct="1">
+              <a:lnSpc>
+                <a:spcPct val="100000"/>
+              </a:lnSpc>
+              <a:spcBef>
+                <a:spcPts val="0"/>
+              </a:spcBef>
+              <a:spcAft>
+                <a:spcPts val="0"/>
+              </a:spcAft>
+              <a:buClrTx/>
+              <a:buSzTx/>
+              <a:buFontTx/>
+              <a:buNone/>
+              <a:tabLst/>
+              <a:defRPr/>
+            </a:pPr>
+            <a:endParaRPr lang="en-US" altLang="ko-KR" dirty="0"/>
+          </a:p>
+        </p:txBody>
+      </p:sp>
+      <p:sp>
+        <p:nvSpPr>
+          <p:cNvPr id="4" name="슬라이드 번호 개체 틀 3"/>
+          <p:cNvSpPr>
+            <a:spLocks noGrp="1"/>
+          </p:cNvSpPr>
+          <p:nvPr>
+            <p:ph type="sldNum" sz="quarter" idx="5"/>
+          </p:nvPr>
+        </p:nvSpPr>
+        <p:spPr/>
+        <p:txBody>
+          <a:bodyPr/>
+          <a:lstStyle/>
+          <a:p>
+            <a:fld id="{C733FFDB-1D54-46DF-917A-5FED415D2BB6}" type="slidenum">
+              <a:rPr lang="ko-KR" altLang="en-US" smtClean="0"/>
+              <a:pPr/>
+              <a:t>15</a:t>
+            </a:fld>
+            <a:endParaRPr lang="ko-KR" altLang="en-US"/>
+          </a:p>
+        </p:txBody>
+      </p:sp>
+    </p:spTree>
+    <p:extLst>
+      <p:ext uri="{BB962C8B-B14F-4D97-AF65-F5344CB8AC3E}">
         <p14:creationId xmlns:p14="http://schemas.microsoft.com/office/powerpoint/2010/main" val="322682090"/>
+      </p:ext>
+    </p:extLst>
+  </p:cSld>
+  <p:clrMapOvr>
+    <a:masterClrMapping/>
+  </p:clrMapOvr>
+</p:notes>
+</file>
+
+<file path=ppt/notesSlides/notesSlide16.xml><?xml version="1.0" encoding="utf-8"?>
+<p:notes xmlns:a="http://schemas.openxmlformats.org/drawingml/2006/main" xmlns:r="http://schemas.openxmlformats.org/officeDocument/2006/relationships" xmlns:p="http://schemas.openxmlformats.org/presentationml/2006/main">
+  <p:cSld>
+    <p:spTree>
+      <p:nvGrpSpPr>
+        <p:cNvPr id="1" name=""/>
+        <p:cNvGrpSpPr/>
+        <p:nvPr/>
+      </p:nvGrpSpPr>
+      <p:grpSpPr>
+        <a:xfrm>
+          <a:off x="0" y="0"/>
+          <a:ext cx="0" cy="0"/>
+          <a:chOff x="0" y="0"/>
+          <a:chExt cx="0" cy="0"/>
+        </a:xfrm>
+      </p:grpSpPr>
+      <p:sp>
+        <p:nvSpPr>
+          <p:cNvPr id="2" name="슬라이드 이미지 개체 틀 1"/>
+          <p:cNvSpPr>
+            <a:spLocks noGrp="1" noRot="1" noChangeAspect="1"/>
+          </p:cNvSpPr>
+          <p:nvPr>
+            <p:ph type="sldImg"/>
+          </p:nvPr>
+        </p:nvSpPr>
+        <p:spPr/>
+      </p:sp>
+      <p:sp>
+        <p:nvSpPr>
+          <p:cNvPr id="3" name="슬라이드 노트 개체 틀 2"/>
+          <p:cNvSpPr>
+            <a:spLocks noGrp="1"/>
+          </p:cNvSpPr>
+          <p:nvPr>
+            <p:ph type="body" idx="1"/>
+          </p:nvPr>
+        </p:nvSpPr>
+        <p:spPr/>
+        <p:txBody>
+          <a:bodyPr/>
+          <a:lstStyle/>
+          <a:p>
+            <a:pPr marL="0" marR="0" lvl="0" indent="0" algn="l" defTabSz="914400" rtl="0" eaLnBrk="1" fontAlgn="auto" latinLnBrk="1" hangingPunct="1">
+              <a:lnSpc>
+                <a:spcPct val="100000"/>
+              </a:lnSpc>
+              <a:spcBef>
+                <a:spcPts val="0"/>
+              </a:spcBef>
+              <a:spcAft>
+                <a:spcPts val="0"/>
+              </a:spcAft>
+              <a:buClrTx/>
+              <a:buSzTx/>
+              <a:buFontTx/>
+              <a:buNone/>
+              <a:tabLst/>
+              <a:defRPr/>
+            </a:pPr>
+            <a:endParaRPr lang="en-US" altLang="ko-KR" dirty="0"/>
+          </a:p>
+        </p:txBody>
+      </p:sp>
+      <p:sp>
+        <p:nvSpPr>
+          <p:cNvPr id="4" name="슬라이드 번호 개체 틀 3"/>
+          <p:cNvSpPr>
+            <a:spLocks noGrp="1"/>
+          </p:cNvSpPr>
+          <p:nvPr>
+            <p:ph type="sldNum" sz="quarter" idx="5"/>
+          </p:nvPr>
+        </p:nvSpPr>
+        <p:spPr/>
+        <p:txBody>
+          <a:bodyPr/>
+          <a:lstStyle/>
+          <a:p>
+            <a:fld id="{C733FFDB-1D54-46DF-917A-5FED415D2BB6}" type="slidenum">
+              <a:rPr lang="ko-KR" altLang="en-US" smtClean="0"/>
+              <a:pPr/>
+              <a:t>16</a:t>
+            </a:fld>
+            <a:endParaRPr lang="ko-KR" altLang="en-US"/>
+          </a:p>
+        </p:txBody>
+      </p:sp>
+    </p:spTree>
+    <p:extLst>
+      <p:ext uri="{BB962C8B-B14F-4D97-AF65-F5344CB8AC3E}">
+        <p14:creationId xmlns:p14="http://schemas.microsoft.com/office/powerpoint/2010/main" val="3131958216"/>
       </p:ext>
     </p:extLst>
   </p:cSld>
@@ -1181,7 +1673,22 @@
               <a:tabLst/>
               <a:defRPr/>
             </a:pPr>
-            <a:endParaRPr lang="en-US" altLang="ko-KR" dirty="0"/>
+            <a:r>
+              <a:rPr lang="ko-KR" altLang="en-US" dirty="0"/>
+              <a:t>지난주 저희 조의 문제점은 저희가 구상하는 시스템이 제한적인 상황이 아닌 일반적인 상황에서도 사용되게 끔 시스템을 구상해야 한다는 점 이고</a:t>
+            </a:r>
+            <a:r>
+              <a:rPr lang="en-US" altLang="ko-KR" dirty="0"/>
+              <a:t>, </a:t>
+            </a:r>
+            <a:r>
+              <a:rPr lang="ko-KR" altLang="en-US" dirty="0"/>
+              <a:t>굳이 화자 분리를 하지 않은 모델과의 성능 비교가 필요하지 않다는 점 입니다</a:t>
+            </a:r>
+            <a:r>
+              <a:rPr lang="en-US" altLang="ko-KR" dirty="0"/>
+              <a:t>. </a:t>
+            </a:r>
           </a:p>
         </p:txBody>
       </p:sp>
@@ -1212,7 +1719,7 @@
     </p:spTree>
     <p:extLst>
       <p:ext uri="{BB962C8B-B14F-4D97-AF65-F5344CB8AC3E}">
-        <p14:creationId xmlns:p14="http://schemas.microsoft.com/office/powerpoint/2010/main" val="2812138827"/>
+        <p14:creationId xmlns:p14="http://schemas.microsoft.com/office/powerpoint/2010/main" val="1724813370"/>
       </p:ext>
     </p:extLst>
   </p:cSld>
@@ -1283,7 +1790,22 @@
               <a:tabLst/>
               <a:defRPr/>
             </a:pPr>
-            <a:endParaRPr lang="en-US" altLang="ko-KR" dirty="0"/>
+            <a:r>
+              <a:rPr lang="ko-KR" altLang="en-US" dirty="0"/>
+              <a:t>지난주 저희 조의 문제점은 저희가 구상하는 시스템이 제한적인 상황이 아닌 일반적인 상황에서도 사용되게 끔 시스템을 구상해야 한다는 점 이고</a:t>
+            </a:r>
+            <a:r>
+              <a:rPr lang="en-US" altLang="ko-KR" dirty="0"/>
+              <a:t>, </a:t>
+            </a:r>
+            <a:r>
+              <a:rPr lang="ko-KR" altLang="en-US" dirty="0"/>
+              <a:t>굳이 화자 분리를 하지 않은 모델과의 성능 비교가 필요하지 않다는 점 입니다</a:t>
+            </a:r>
+            <a:r>
+              <a:rPr lang="en-US" altLang="ko-KR" dirty="0"/>
+              <a:t>. </a:t>
+            </a:r>
           </a:p>
         </p:txBody>
       </p:sp>
@@ -1314,7 +1836,7 @@
     </p:spTree>
     <p:extLst>
       <p:ext uri="{BB962C8B-B14F-4D97-AF65-F5344CB8AC3E}">
-        <p14:creationId xmlns:p14="http://schemas.microsoft.com/office/powerpoint/2010/main" val="3675670858"/>
+        <p14:creationId xmlns:p14="http://schemas.microsoft.com/office/powerpoint/2010/main" val="2812138827"/>
       </p:ext>
     </p:extLst>
   </p:cSld>
@@ -1385,7 +1907,38 @@
               <a:tabLst/>
               <a:defRPr/>
             </a:pPr>
-            <a:endParaRPr lang="en-US" altLang="ko-KR" dirty="0"/>
+            <a:r>
+              <a:rPr lang="ko-KR" altLang="en-US" dirty="0"/>
+              <a:t>이 점을 개선하기 위해 음성 구간 분리 시 </a:t>
+            </a:r>
+            <a:r>
+              <a:rPr lang="en-US" altLang="ko-KR" dirty="0"/>
+              <a:t>VAD</a:t>
+            </a:r>
+            <a:r>
+              <a:rPr lang="ko-KR" altLang="en-US" dirty="0"/>
+              <a:t>알고리즘과 함께 시간 제한을 두어 음성 분리를 하기로 하였고</a:t>
+            </a:r>
+            <a:r>
+              <a:rPr lang="en-US" altLang="ko-KR" dirty="0"/>
+              <a:t>, 3</a:t>
+            </a:r>
+            <a:r>
+              <a:rPr lang="ko-KR" altLang="en-US" dirty="0"/>
+              <a:t>개의 음성이 합쳐진 </a:t>
+            </a:r>
+            <a:r>
+              <a:rPr lang="en-US" altLang="ko-KR" dirty="0"/>
+              <a:t>dataset</a:t>
+            </a:r>
+            <a:r>
+              <a:rPr lang="ko-KR" altLang="en-US" dirty="0"/>
+              <a:t>으로 학습된 모델을 사용할 예정입니다</a:t>
+            </a:r>
+            <a:r>
+              <a:rPr lang="en-US" altLang="ko-KR" dirty="0"/>
+              <a:t>. </a:t>
+            </a:r>
           </a:p>
         </p:txBody>
       </p:sp>
@@ -1416,7 +1969,7 @@
     </p:spTree>
     <p:extLst>
       <p:ext uri="{BB962C8B-B14F-4D97-AF65-F5344CB8AC3E}">
-        <p14:creationId xmlns:p14="http://schemas.microsoft.com/office/powerpoint/2010/main" val="1351074473"/>
+        <p14:creationId xmlns:p14="http://schemas.microsoft.com/office/powerpoint/2010/main" val="3675670858"/>
       </p:ext>
     </p:extLst>
   </p:cSld>
@@ -1487,7 +2040,14 @@
               <a:tabLst/>
               <a:defRPr/>
             </a:pPr>
-            <a:endParaRPr lang="en-US" altLang="ko-KR" dirty="0"/>
+            <a:r>
+              <a:rPr lang="ko-KR" altLang="en-US" dirty="0"/>
+              <a:t>진행도는 이전과 다르게 화자 분리를 하지 않은 모델과 비교가 불필요 하여 아래 부분이 삭제가 되었습니다</a:t>
+            </a:r>
+            <a:r>
+              <a:rPr lang="en-US" altLang="ko-KR" dirty="0"/>
+              <a:t>. </a:t>
+            </a:r>
           </a:p>
         </p:txBody>
       </p:sp>
@@ -1518,7 +2078,7 @@
     </p:spTree>
     <p:extLst>
       <p:ext uri="{BB962C8B-B14F-4D97-AF65-F5344CB8AC3E}">
-        <p14:creationId xmlns:p14="http://schemas.microsoft.com/office/powerpoint/2010/main" val="2749029651"/>
+        <p14:creationId xmlns:p14="http://schemas.microsoft.com/office/powerpoint/2010/main" val="1351074473"/>
       </p:ext>
     </p:extLst>
   </p:cSld>
@@ -1589,7 +2149,14 @@
               <a:tabLst/>
               <a:defRPr/>
             </a:pPr>
-            <a:endParaRPr lang="en-US" altLang="ko-KR" dirty="0"/>
+            <a:r>
+              <a:rPr lang="ko-KR" altLang="en-US" dirty="0"/>
+              <a:t>다음은 일반적인 상황에서도 사용 가능한 시스템을 구현하기 위해 기존 방식에서의 문제점을 생각해 보았는데 음성 신호 전 처리 과정에서는 다음과 같은 문제점이 있었습니다</a:t>
+            </a:r>
+            <a:r>
+              <a:rPr lang="en-US" altLang="ko-KR" dirty="0"/>
+              <a:t>. </a:t>
+            </a:r>
           </a:p>
         </p:txBody>
       </p:sp>
@@ -1620,7 +2187,7 @@
     </p:spTree>
     <p:extLst>
       <p:ext uri="{BB962C8B-B14F-4D97-AF65-F5344CB8AC3E}">
-        <p14:creationId xmlns:p14="http://schemas.microsoft.com/office/powerpoint/2010/main" val="3049743598"/>
+        <p14:creationId xmlns:p14="http://schemas.microsoft.com/office/powerpoint/2010/main" val="2749029651"/>
       </p:ext>
     </p:extLst>
   </p:cSld>
@@ -1691,7 +2258,30 @@
               <a:tabLst/>
               <a:defRPr/>
             </a:pPr>
-            <a:endParaRPr lang="en-US" altLang="ko-KR" dirty="0"/>
+            <a:r>
+              <a:rPr lang="ko-KR" altLang="en-US" dirty="0"/>
+              <a:t>저희가 생각한 </a:t>
+            </a:r>
+            <a:r>
+              <a:rPr lang="en-US" altLang="ko-KR" dirty="0"/>
+              <a:t>worst</a:t>
+            </a:r>
+            <a:r>
+              <a:rPr lang="ko-KR" altLang="en-US" dirty="0"/>
+              <a:t>케이스는 위와 같습니다</a:t>
+            </a:r>
+            <a:r>
+              <a:rPr lang="en-US" altLang="ko-KR" dirty="0"/>
+              <a:t>. </a:t>
+            </a:r>
+            <a:r>
+              <a:rPr lang="ko-KR" altLang="en-US" dirty="0"/>
+              <a:t>화자가 말을 끝내기 전에 다른 화자가 발화를 시작하고 이러한 상황이 이어지게 되면 음성 신호의 길이가 계속 길어지는 상황이 발생할 수 있습니다</a:t>
+            </a:r>
+            <a:r>
+              <a:rPr lang="en-US" altLang="ko-KR" dirty="0"/>
+              <a:t>. </a:t>
+            </a:r>
           </a:p>
         </p:txBody>
       </p:sp>
@@ -1722,7 +2312,7 @@
     </p:spTree>
     <p:extLst>
       <p:ext uri="{BB962C8B-B14F-4D97-AF65-F5344CB8AC3E}">
-        <p14:creationId xmlns:p14="http://schemas.microsoft.com/office/powerpoint/2010/main" val="2557196667"/>
+        <p14:creationId xmlns:p14="http://schemas.microsoft.com/office/powerpoint/2010/main" val="3049743598"/>
       </p:ext>
     </p:extLst>
   </p:cSld>
@@ -1793,6 +2383,73 @@
               <a:tabLst/>
               <a:defRPr/>
             </a:pPr>
+            <a:r>
+              <a:rPr lang="ko-KR" altLang="en-US" dirty="0"/>
+              <a:t>위와 같이 음성신호가 긴 경우 묵음을 기준으로 음성신호를 분리하는 </a:t>
+            </a:r>
+            <a:r>
+              <a:rPr lang="en-US" altLang="ko-KR" dirty="0"/>
+              <a:t>VAD</a:t>
+            </a:r>
+            <a:r>
+              <a:rPr lang="ko-KR" altLang="en-US" dirty="0"/>
+              <a:t>알고리즘으로는 신호가 분리가 되지 않는데</a:t>
+            </a:r>
+            <a:r>
+              <a:rPr lang="en-US" altLang="ko-KR" dirty="0"/>
+              <a:t>, </a:t>
+            </a:r>
+          </a:p>
+          <a:p>
+            <a:pPr marL="0" marR="0" lvl="0" indent="0" algn="l" defTabSz="914400" rtl="0" eaLnBrk="1" fontAlgn="auto" latinLnBrk="1" hangingPunct="1">
+              <a:lnSpc>
+                <a:spcPct val="100000"/>
+              </a:lnSpc>
+              <a:spcBef>
+                <a:spcPts val="0"/>
+              </a:spcBef>
+              <a:spcAft>
+                <a:spcPts val="0"/>
+              </a:spcAft>
+              <a:buClrTx/>
+              <a:buSzTx/>
+              <a:buFontTx/>
+              <a:buNone/>
+              <a:tabLst/>
+              <a:defRPr/>
+            </a:pPr>
+            <a:endParaRPr lang="en-US" altLang="ko-KR" dirty="0"/>
+          </a:p>
+          <a:p>
+            <a:pPr marL="0" marR="0" lvl="0" indent="0" algn="l" defTabSz="914400" rtl="0" eaLnBrk="1" fontAlgn="auto" latinLnBrk="1" hangingPunct="1">
+              <a:lnSpc>
+                <a:spcPct val="100000"/>
+              </a:lnSpc>
+              <a:spcBef>
+                <a:spcPts val="0"/>
+              </a:spcBef>
+              <a:spcAft>
+                <a:spcPts val="0"/>
+              </a:spcAft>
+              <a:buClrTx/>
+              <a:buSzTx/>
+              <a:buFontTx/>
+              <a:buNone/>
+              <a:tabLst/>
+              <a:defRPr/>
+            </a:pPr>
+            <a:r>
+              <a:rPr lang="ko-KR" altLang="en-US" dirty="0"/>
+              <a:t>이러한 문제점을 해결하기 위해 특정한 시간이상의 음성신호는 시간 기준으로 자르는 방식으로 길이를 제한하였습니다</a:t>
+            </a:r>
+            <a:r>
+              <a:rPr lang="en-US" altLang="ko-KR" dirty="0"/>
+              <a:t>. </a:t>
+            </a:r>
+            <a:r>
+              <a:rPr lang="ko-KR" altLang="en-US" dirty="0"/>
+              <a:t> </a:t>
+            </a:r>
             <a:endParaRPr lang="en-US" altLang="ko-KR" dirty="0"/>
           </a:p>
         </p:txBody>
@@ -1824,7 +2481,7 @@
     </p:spTree>
     <p:extLst>
       <p:ext uri="{BB962C8B-B14F-4D97-AF65-F5344CB8AC3E}">
-        <p14:creationId xmlns:p14="http://schemas.microsoft.com/office/powerpoint/2010/main" val="1908845910"/>
+        <p14:creationId xmlns:p14="http://schemas.microsoft.com/office/powerpoint/2010/main" val="2557196667"/>
       </p:ext>
     </p:extLst>
   </p:cSld>
@@ -1895,6 +2552,18 @@
               <a:tabLst/>
               <a:defRPr/>
             </a:pPr>
+            <a:r>
+              <a:rPr lang="ko-KR" altLang="en-US" dirty="0"/>
+              <a:t>이렇게 분리된 음성 신호는 이전 </a:t>
+            </a:r>
+            <a:r>
+              <a:rPr lang="ko-KR" altLang="en-US" dirty="0" err="1"/>
+              <a:t>발표때</a:t>
+            </a:r>
+            <a:r>
+              <a:rPr lang="ko-KR" altLang="en-US" dirty="0"/>
+              <a:t> 발표했던 것과 같이 화자 분리 모델을 통해서 화자 별로 음성 신호를 추출하고 각각의 음성 신호에서 특징을 추출하여 같은 화자끼리 음성을 분리하여</a:t>
+            </a:r>
             <a:endParaRPr lang="en-US" altLang="ko-KR" dirty="0"/>
           </a:p>
         </p:txBody>
@@ -1926,7 +2595,7 @@
     </p:spTree>
     <p:extLst>
       <p:ext uri="{BB962C8B-B14F-4D97-AF65-F5344CB8AC3E}">
-        <p14:creationId xmlns:p14="http://schemas.microsoft.com/office/powerpoint/2010/main" val="1126164072"/>
+        <p14:creationId xmlns:p14="http://schemas.microsoft.com/office/powerpoint/2010/main" val="1908845910"/>
       </p:ext>
     </p:extLst>
   </p:cSld>
@@ -2116,7 +2785,7 @@
             <a:fld id="{7C350D00-E9DF-4C32-8EF9-982D014E2409}" type="datetimeFigureOut">
               <a:rPr lang="ko-KR" altLang="en-US" smtClean="0"/>
               <a:pPr/>
-              <a:t>2023-03-09</a:t>
+              <a:t>2023-03-10</a:t>
             </a:fld>
             <a:endParaRPr lang="ko-KR" altLang="en-US"/>
           </a:p>
@@ -2281,7 +2950,7 @@
             <a:fld id="{7C350D00-E9DF-4C32-8EF9-982D014E2409}" type="datetimeFigureOut">
               <a:rPr lang="ko-KR" altLang="en-US" smtClean="0"/>
               <a:pPr/>
-              <a:t>2023-03-09</a:t>
+              <a:t>2023-03-10</a:t>
             </a:fld>
             <a:endParaRPr lang="ko-KR" altLang="en-US"/>
           </a:p>
@@ -2456,7 +3125,7 @@
             <a:fld id="{7C350D00-E9DF-4C32-8EF9-982D014E2409}" type="datetimeFigureOut">
               <a:rPr lang="ko-KR" altLang="en-US" smtClean="0"/>
               <a:pPr/>
-              <a:t>2023-03-09</a:t>
+              <a:t>2023-03-10</a:t>
             </a:fld>
             <a:endParaRPr lang="ko-KR" altLang="en-US"/>
           </a:p>
@@ -2621,7 +3290,7 @@
             <a:fld id="{7C350D00-E9DF-4C32-8EF9-982D014E2409}" type="datetimeFigureOut">
               <a:rPr lang="ko-KR" altLang="en-US" smtClean="0"/>
               <a:pPr/>
-              <a:t>2023-03-09</a:t>
+              <a:t>2023-03-10</a:t>
             </a:fld>
             <a:endParaRPr lang="ko-KR" altLang="en-US"/>
           </a:p>
@@ -2863,7 +3532,7 @@
             <a:fld id="{7C350D00-E9DF-4C32-8EF9-982D014E2409}" type="datetimeFigureOut">
               <a:rPr lang="ko-KR" altLang="en-US" smtClean="0"/>
               <a:pPr/>
-              <a:t>2023-03-09</a:t>
+              <a:t>2023-03-10</a:t>
             </a:fld>
             <a:endParaRPr lang="ko-KR" altLang="en-US"/>
           </a:p>
@@ -3145,7 +3814,7 @@
             <a:fld id="{7C350D00-E9DF-4C32-8EF9-982D014E2409}" type="datetimeFigureOut">
               <a:rPr lang="ko-KR" altLang="en-US" smtClean="0"/>
               <a:pPr/>
-              <a:t>2023-03-09</a:t>
+              <a:t>2023-03-10</a:t>
             </a:fld>
             <a:endParaRPr lang="ko-KR" altLang="en-US"/>
           </a:p>
@@ -3566,7 +4235,7 @@
             <a:fld id="{7C350D00-E9DF-4C32-8EF9-982D014E2409}" type="datetimeFigureOut">
               <a:rPr lang="ko-KR" altLang="en-US" smtClean="0"/>
               <a:pPr/>
-              <a:t>2023-03-09</a:t>
+              <a:t>2023-03-10</a:t>
             </a:fld>
             <a:endParaRPr lang="ko-KR" altLang="en-US"/>
           </a:p>
@@ -3680,7 +4349,7 @@
             <a:fld id="{7C350D00-E9DF-4C32-8EF9-982D014E2409}" type="datetimeFigureOut">
               <a:rPr lang="ko-KR" altLang="en-US" smtClean="0"/>
               <a:pPr/>
-              <a:t>2023-03-09</a:t>
+              <a:t>2023-03-10</a:t>
             </a:fld>
             <a:endParaRPr lang="ko-KR" altLang="en-US"/>
           </a:p>
@@ -3772,7 +4441,7 @@
             <a:fld id="{7C350D00-E9DF-4C32-8EF9-982D014E2409}" type="datetimeFigureOut">
               <a:rPr lang="ko-KR" altLang="en-US" smtClean="0"/>
               <a:pPr/>
-              <a:t>2023-03-09</a:t>
+              <a:t>2023-03-10</a:t>
             </a:fld>
             <a:endParaRPr lang="ko-KR" altLang="en-US"/>
           </a:p>
@@ -4044,7 +4713,7 @@
             <a:fld id="{7C350D00-E9DF-4C32-8EF9-982D014E2409}" type="datetimeFigureOut">
               <a:rPr lang="ko-KR" altLang="en-US" smtClean="0"/>
               <a:pPr/>
-              <a:t>2023-03-09</a:t>
+              <a:t>2023-03-10</a:t>
             </a:fld>
             <a:endParaRPr lang="ko-KR" altLang="en-US"/>
           </a:p>
@@ -4293,7 +4962,7 @@
             <a:fld id="{7C350D00-E9DF-4C32-8EF9-982D014E2409}" type="datetimeFigureOut">
               <a:rPr lang="ko-KR" altLang="en-US" smtClean="0"/>
               <a:pPr/>
-              <a:t>2023-03-09</a:t>
+              <a:t>2023-03-10</a:t>
             </a:fld>
             <a:endParaRPr lang="ko-KR" altLang="en-US"/>
           </a:p>
@@ -4501,7 +5170,7 @@
             <a:fld id="{7C350D00-E9DF-4C32-8EF9-982D014E2409}" type="datetimeFigureOut">
               <a:rPr lang="ko-KR" altLang="en-US" smtClean="0"/>
               <a:pPr/>
-              <a:t>2023-03-09</a:t>
+              <a:t>2023-03-10</a:t>
             </a:fld>
             <a:endParaRPr lang="ko-KR" altLang="en-US"/>
           </a:p>
@@ -5360,7 +6029,7 @@
         </p:nvGrpSpPr>
         <p:grpSpPr>
           <a:xfrm>
-            <a:off x="-41812" y="198109"/>
+            <a:off x="-41812" y="179909"/>
             <a:ext cx="9153144" cy="6318504"/>
             <a:chOff x="28575" y="464884"/>
             <a:chExt cx="9153144" cy="6318504"/>
@@ -5828,99 +6497,40 @@
           </a:p>
         </p:txBody>
       </p:sp>
-      <p:sp>
-        <p:nvSpPr>
-          <p:cNvPr id="3" name="TextBox 2">
+      <p:pic>
+        <p:nvPicPr>
+          <p:cNvPr id="4" name="그림 3">
             <a:extLst>
               <a:ext uri="{FF2B5EF4-FFF2-40B4-BE49-F238E27FC236}">
-                <a16:creationId xmlns:a16="http://schemas.microsoft.com/office/drawing/2014/main" id="{C0DA6544-0ACA-F0AE-4C23-5417FD6830D2}"/>
+                <a16:creationId xmlns:a16="http://schemas.microsoft.com/office/drawing/2014/main" id="{D1F1C609-595C-6502-3D29-7117271F1A59}"/>
               </a:ext>
             </a:extLst>
           </p:cNvPr>
-          <p:cNvSpPr txBox="1"/>
-          <p:nvPr/>
-        </p:nvSpPr>
+          <p:cNvPicPr>
+            <a:picLocks noChangeAspect="1"/>
+          </p:cNvPicPr>
+          <p:nvPr/>
+        </p:nvPicPr>
+        <p:blipFill>
+          <a:blip r:embed="rId10"/>
+          <a:stretch>
+            <a:fillRect/>
+          </a:stretch>
+        </p:blipFill>
         <p:spPr>
           <a:xfrm>
-            <a:off x="1109456" y="2628181"/>
-            <a:ext cx="5673584" cy="1477328"/>
+            <a:off x="1109456" y="2686064"/>
+            <a:ext cx="6247055" cy="2167178"/>
           </a:xfrm>
           <a:prstGeom prst="rect">
             <a:avLst/>
           </a:prstGeom>
-          <a:noFill/>
-        </p:spPr>
-        <p:txBody>
-          <a:bodyPr wrap="square" rtlCol="0">
-            <a:spAutoFit/>
-          </a:bodyPr>
-          <a:lstStyle/>
-          <a:p>
-            <a:pPr marL="342900" indent="-342900">
-              <a:buAutoNum type="arabicPeriod"/>
-            </a:pPr>
-            <a:r>
-              <a:rPr lang="ko-KR" altLang="en-US" dirty="0"/>
-              <a:t>한 음성 구간의 최소 길이 </a:t>
-            </a:r>
-            <a:r>
-              <a:rPr lang="en-US" altLang="ko-KR" dirty="0"/>
-              <a:t>0.5s, </a:t>
-            </a:r>
-            <a:r>
-              <a:rPr lang="ko-KR" altLang="en-US" dirty="0"/>
-              <a:t>최대 길이 </a:t>
-            </a:r>
-            <a:r>
-              <a:rPr lang="en-US" altLang="ko-KR" dirty="0"/>
-              <a:t>10s </a:t>
-            </a:r>
-          </a:p>
-          <a:p>
-            <a:pPr marL="342900" indent="-342900">
-              <a:buAutoNum type="arabicPeriod"/>
-            </a:pPr>
-            <a:endParaRPr lang="en-US" altLang="ko-KR" dirty="0"/>
-          </a:p>
-          <a:p>
-            <a:pPr marL="342900" indent="-342900">
-              <a:buAutoNum type="arabicPeriod"/>
-            </a:pPr>
-            <a:r>
-              <a:rPr lang="ko-KR" altLang="en-US" dirty="0"/>
-              <a:t>묵음 기준</a:t>
-            </a:r>
-            <a:r>
-              <a:rPr lang="en-US" altLang="ko-KR" dirty="0"/>
-              <a:t>: -50dBFS / 700ms</a:t>
-            </a:r>
-          </a:p>
-          <a:p>
-            <a:pPr marL="342900" indent="-342900">
-              <a:buAutoNum type="arabicPeriod"/>
-            </a:pPr>
-            <a:endParaRPr lang="en-US" altLang="ko-KR" dirty="0"/>
-          </a:p>
-          <a:p>
-            <a:pPr marL="342900" indent="-342900">
-              <a:buAutoNum type="arabicPeriod"/>
-            </a:pPr>
-            <a:r>
-              <a:rPr lang="en-US" altLang="ko-KR" dirty="0"/>
-              <a:t>3Mixed dataset</a:t>
-            </a:r>
-            <a:r>
-              <a:rPr lang="ko-KR" altLang="en-US" dirty="0"/>
-              <a:t>으로 학습된 모델 사용</a:t>
-            </a:r>
-            <a:endParaRPr lang="en-US" altLang="ko-KR" dirty="0"/>
-          </a:p>
-        </p:txBody>
-      </p:sp>
+        </p:spPr>
+      </p:pic>
     </p:spTree>
     <p:extLst>
       <p:ext uri="{BB962C8B-B14F-4D97-AF65-F5344CB8AC3E}">
-        <p14:creationId xmlns:p14="http://schemas.microsoft.com/office/powerpoint/2010/main" val="3749446810"/>
+        <p14:creationId xmlns:p14="http://schemas.microsoft.com/office/powerpoint/2010/main" val="3117088550"/>
       </p:ext>
     </p:extLst>
   </p:cSld>
@@ -5955,7 +6565,7 @@
         </p:nvGrpSpPr>
         <p:grpSpPr>
           <a:xfrm>
-            <a:off x="-41812" y="179909"/>
+            <a:off x="-41812" y="198109"/>
             <a:ext cx="9153144" cy="6318504"/>
             <a:chOff x="28575" y="464884"/>
             <a:chExt cx="9153144" cy="6318504"/>
@@ -6247,7 +6857,7 @@
         <p:spPr>
           <a:xfrm>
             <a:off x="765148" y="1358092"/>
-            <a:ext cx="1678665" cy="400110"/>
+            <a:ext cx="2544286" cy="400110"/>
           </a:xfrm>
           <a:prstGeom prst="rect">
             <a:avLst/>
@@ -6268,7 +6878,7 @@
                 <a:latin typeface="나눔고딕" pitchFamily="50" charset="-127"/>
                 <a:ea typeface="나눔고딕" pitchFamily="50" charset="-127"/>
               </a:rPr>
-              <a:t>3.2 </a:t>
+              <a:t>3.1 </a:t>
             </a:r>
             <a:r>
               <a:rPr lang="ko-KR" altLang="en-US" sz="2000" b="1" dirty="0">
@@ -6278,7 +6888,7 @@
                 <a:latin typeface="나눔고딕" pitchFamily="50" charset="-127"/>
                 <a:ea typeface="나눔고딕" pitchFamily="50" charset="-127"/>
               </a:rPr>
-              <a:t>데이터 셋</a:t>
+              <a:t>음성 신호 전 처리</a:t>
             </a:r>
           </a:p>
         </p:txBody>
@@ -6345,15 +6955,22 @@
           <a:p>
             <a:pPr algn="ctr"/>
             <a:r>
-              <a:rPr lang="en-US" altLang="ko-KR" sz="1800" b="1" dirty="0">
+              <a:rPr lang="en-US" altLang="ko-KR" b="1" dirty="0">
                 <a:solidFill>
                   <a:srgbClr val="5B4058"/>
                 </a:solidFill>
                 <a:latin typeface="나눔고딕" pitchFamily="50" charset="-127"/>
                 <a:ea typeface="나눔고딕" pitchFamily="50" charset="-127"/>
               </a:rPr>
-              <a:t>1</a:t>
-            </a:r>
+              <a:t>2</a:t>
+            </a:r>
+            <a:endParaRPr lang="en-US" altLang="ko-KR" sz="1800" b="1" dirty="0">
+              <a:solidFill>
+                <a:srgbClr val="5B4058"/>
+              </a:solidFill>
+              <a:latin typeface="나눔고딕" pitchFamily="50" charset="-127"/>
+              <a:ea typeface="나눔고딕" pitchFamily="50" charset="-127"/>
+            </a:endParaRPr>
           </a:p>
         </p:txBody>
       </p:sp>
@@ -6387,24 +7004,24 @@
           <a:p>
             <a:pPr algn="l"/>
             <a:r>
-              <a:rPr lang="en-US" altLang="ko-KR" b="1" spc="100" dirty="0">
+              <a:rPr lang="ko-KR" altLang="en-US" sz="1800" b="1" spc="100" dirty="0">
                 <a:solidFill>
                   <a:srgbClr val="5E3960"/>
                 </a:solidFill>
                 <a:latin typeface="나눔고딕" pitchFamily="50" charset="-127"/>
                 <a:ea typeface="나눔고딕" pitchFamily="50" charset="-127"/>
               </a:rPr>
-              <a:t>Sparse </a:t>
-            </a:r>
-            <a:r>
-              <a:rPr lang="en-US" altLang="ko-KR" b="1" spc="100" dirty="0" err="1">
+              <a:t>기존 음성 신호 전 처리 방식 </a:t>
+            </a:r>
+            <a:r>
+              <a:rPr lang="ko-KR" altLang="en-US" b="1" spc="100" dirty="0">
                 <a:solidFill>
                   <a:srgbClr val="5E3960"/>
                 </a:solidFill>
                 <a:latin typeface="나눔고딕" pitchFamily="50" charset="-127"/>
                 <a:ea typeface="나눔고딕" pitchFamily="50" charset="-127"/>
               </a:rPr>
-              <a:t>Librimix</a:t>
+              <a:t>개선안</a:t>
             </a:r>
             <a:endParaRPr lang="en-US" altLang="ko-KR" sz="1800" b="1" spc="100" dirty="0">
               <a:solidFill>
@@ -6416,42 +7033,12 @@
           </a:p>
         </p:txBody>
       </p:sp>
-      <p:pic>
-        <p:nvPicPr>
-          <p:cNvPr id="3" name="그림 2">
+      <p:sp>
+        <p:nvSpPr>
+          <p:cNvPr id="3" name="TextBox 2">
             <a:extLst>
               <a:ext uri="{FF2B5EF4-FFF2-40B4-BE49-F238E27FC236}">
-                <a16:creationId xmlns:a16="http://schemas.microsoft.com/office/drawing/2014/main" id="{8957F6CC-2A46-6D6F-CF55-AF359CE58715}"/>
-              </a:ext>
-            </a:extLst>
-          </p:cNvPr>
-          <p:cNvPicPr>
-            <a:picLocks noChangeAspect="1"/>
-          </p:cNvPicPr>
-          <p:nvPr/>
-        </p:nvPicPr>
-        <p:blipFill>
-          <a:blip r:embed="rId10"/>
-          <a:stretch>
-            <a:fillRect/>
-          </a:stretch>
-        </p:blipFill>
-        <p:spPr>
-          <a:xfrm>
-            <a:off x="1109456" y="2516988"/>
-            <a:ext cx="3958580" cy="2299469"/>
-          </a:xfrm>
-          <a:prstGeom prst="rect">
-            <a:avLst/>
-          </a:prstGeom>
-        </p:spPr>
-      </p:pic>
-      <p:sp>
-        <p:nvSpPr>
-          <p:cNvPr id="4" name="TextBox 3">
-            <a:extLst>
-              <a:ext uri="{FF2B5EF4-FFF2-40B4-BE49-F238E27FC236}">
-                <a16:creationId xmlns:a16="http://schemas.microsoft.com/office/drawing/2014/main" id="{F695061A-B7D8-CA9D-75A6-15AAA5BA10D0}"/>
+                <a16:creationId xmlns:a16="http://schemas.microsoft.com/office/drawing/2014/main" id="{C0DA6544-0ACA-F0AE-4C23-5417FD6830D2}"/>
               </a:ext>
             </a:extLst>
           </p:cNvPr>
@@ -6460,8 +7047,8 @@
         </p:nvSpPr>
         <p:spPr>
           <a:xfrm>
-            <a:off x="1137133" y="5148461"/>
-            <a:ext cx="5789923" cy="584775"/>
+            <a:off x="1109456" y="2628181"/>
+            <a:ext cx="5673584" cy="1477328"/>
           </a:xfrm>
           <a:prstGeom prst="rect">
             <a:avLst/>
@@ -6474,30 +7061,71 @@
           </a:bodyPr>
           <a:lstStyle/>
           <a:p>
-            <a:r>
-              <a:rPr lang="en-US" altLang="ko-KR" sz="1400" b="0" i="0" dirty="0" err="1">
-                <a:effectLst/>
-                <a:latin typeface="AppleSDGothicNeo"/>
-              </a:rPr>
-              <a:t>LibriMix</a:t>
-            </a:r>
-            <a:r>
-              <a:rPr lang="en-US" altLang="ko-KR" sz="1400" b="0" i="0" dirty="0">
-                <a:effectLst/>
-                <a:latin typeface="AppleSDGothicNeo"/>
-              </a:rPr>
-              <a:t>: An Open-Source Dataset for Generalizable Speech Separation</a:t>
-            </a:r>
-          </a:p>
-          <a:p>
-            <a:endParaRPr lang="ko-KR" altLang="en-US" dirty="0"/>
+            <a:pPr marL="342900" indent="-342900">
+              <a:buAutoNum type="arabicPeriod"/>
+            </a:pPr>
+            <a:r>
+              <a:rPr lang="ko-KR" altLang="en-US" dirty="0"/>
+              <a:t>한 음성 구간의 최소 길이 </a:t>
+            </a:r>
+            <a:r>
+              <a:rPr lang="en-US" altLang="ko-KR" dirty="0"/>
+              <a:t>0.5s, </a:t>
+            </a:r>
+            <a:r>
+              <a:rPr lang="ko-KR" altLang="en-US" dirty="0"/>
+              <a:t>최대 길이 </a:t>
+            </a:r>
+            <a:r>
+              <a:rPr lang="en-US" altLang="ko-KR" dirty="0"/>
+              <a:t>10s </a:t>
+            </a:r>
+          </a:p>
+          <a:p>
+            <a:pPr marL="342900" indent="-342900">
+              <a:buAutoNum type="arabicPeriod"/>
+            </a:pPr>
+            <a:endParaRPr lang="en-US" altLang="ko-KR" dirty="0"/>
+          </a:p>
+          <a:p>
+            <a:pPr marL="342900" indent="-342900">
+              <a:buAutoNum type="arabicPeriod"/>
+            </a:pPr>
+            <a:r>
+              <a:rPr lang="ko-KR" altLang="en-US" dirty="0"/>
+              <a:t>묵음 기준</a:t>
+            </a:r>
+            <a:r>
+              <a:rPr lang="en-US" altLang="ko-KR" dirty="0"/>
+              <a:t>: -50dBFS / 700ms</a:t>
+            </a:r>
+          </a:p>
+          <a:p>
+            <a:pPr marL="342900" indent="-342900">
+              <a:buAutoNum type="arabicPeriod"/>
+            </a:pPr>
+            <a:endParaRPr lang="en-US" altLang="ko-KR" dirty="0"/>
+          </a:p>
+          <a:p>
+            <a:pPr marL="342900" indent="-342900">
+              <a:buAutoNum type="arabicPeriod"/>
+            </a:pPr>
+            <a:r>
+              <a:rPr lang="en-US" altLang="ko-KR" dirty="0"/>
+              <a:t>3Mixed dataset</a:t>
+            </a:r>
+            <a:r>
+              <a:rPr lang="ko-KR" altLang="en-US" dirty="0"/>
+              <a:t>으로 학습된 모델 사용</a:t>
+            </a:r>
+            <a:endParaRPr lang="en-US" altLang="ko-KR" dirty="0"/>
           </a:p>
         </p:txBody>
       </p:sp>
     </p:spTree>
     <p:extLst>
       <p:ext uri="{BB962C8B-B14F-4D97-AF65-F5344CB8AC3E}">
-        <p14:creationId xmlns:p14="http://schemas.microsoft.com/office/powerpoint/2010/main" val="51083924"/>
+        <p14:creationId xmlns:p14="http://schemas.microsoft.com/office/powerpoint/2010/main" val="3749446810"/>
       </p:ext>
     </p:extLst>
   </p:cSld>
@@ -6532,7 +7160,7 @@
         </p:nvGrpSpPr>
         <p:grpSpPr>
           <a:xfrm>
-            <a:off x="-31006" y="417652"/>
+            <a:off x="-41812" y="179909"/>
             <a:ext cx="9153144" cy="6318504"/>
             <a:chOff x="28575" y="464884"/>
             <a:chExt cx="9153144" cy="6318504"/>
@@ -6824,6 +7452,602 @@
         <p:spPr>
           <a:xfrm>
             <a:off x="765148" y="1358092"/>
+            <a:ext cx="1678665" cy="400110"/>
+          </a:xfrm>
+          <a:prstGeom prst="rect">
+            <a:avLst/>
+          </a:prstGeom>
+          <a:noFill/>
+        </p:spPr>
+        <p:txBody>
+          <a:bodyPr wrap="none" rtlCol="0">
+            <a:spAutoFit/>
+          </a:bodyPr>
+          <a:lstStyle/>
+          <a:p>
+            <a:r>
+              <a:rPr lang="en-US" altLang="ko-KR" sz="2000" b="1" dirty="0">
+                <a:solidFill>
+                  <a:srgbClr val="5C431E"/>
+                </a:solidFill>
+                <a:latin typeface="나눔고딕" pitchFamily="50" charset="-127"/>
+                <a:ea typeface="나눔고딕" pitchFamily="50" charset="-127"/>
+              </a:rPr>
+              <a:t>3.2 </a:t>
+            </a:r>
+            <a:r>
+              <a:rPr lang="ko-KR" altLang="en-US" sz="2000" b="1" dirty="0">
+                <a:solidFill>
+                  <a:srgbClr val="5C431E"/>
+                </a:solidFill>
+                <a:latin typeface="나눔고딕" pitchFamily="50" charset="-127"/>
+                <a:ea typeface="나눔고딕" pitchFamily="50" charset="-127"/>
+              </a:rPr>
+              <a:t>데이터 셋</a:t>
+            </a:r>
+          </a:p>
+        </p:txBody>
+      </p:sp>
+      <p:pic>
+        <p:nvPicPr>
+          <p:cNvPr id="2" name="Picture 2" descr="C:\Users\Administrator\Desktop\인하대학교\05_템플릿\01_작업\확정\01\PNG\09.png">
+            <a:extLst>
+              <a:ext uri="{FF2B5EF4-FFF2-40B4-BE49-F238E27FC236}">
+                <a16:creationId xmlns:a16="http://schemas.microsoft.com/office/drawing/2014/main" id="{01C956C6-4DBE-1B03-B43B-51BE3CEEB105}"/>
+              </a:ext>
+            </a:extLst>
+          </p:cNvPr>
+          <p:cNvPicPr>
+            <a:picLocks noChangeAspect="1" noChangeArrowheads="1"/>
+          </p:cNvPicPr>
+          <p:nvPr/>
+        </p:nvPicPr>
+        <p:blipFill>
+          <a:blip r:embed="rId9"/>
+          <a:srcRect/>
+          <a:stretch>
+            <a:fillRect/>
+          </a:stretch>
+        </p:blipFill>
+        <p:spPr bwMode="auto">
+          <a:xfrm>
+            <a:off x="1109456" y="2026753"/>
+            <a:ext cx="356235" cy="396716"/>
+          </a:xfrm>
+          <a:prstGeom prst="rect">
+            <a:avLst/>
+          </a:prstGeom>
+          <a:noFill/>
+        </p:spPr>
+      </p:pic>
+      <p:sp>
+        <p:nvSpPr>
+          <p:cNvPr id="6" name="TextBox 5">
+            <a:extLst>
+              <a:ext uri="{FF2B5EF4-FFF2-40B4-BE49-F238E27FC236}">
+                <a16:creationId xmlns:a16="http://schemas.microsoft.com/office/drawing/2014/main" id="{FD905168-04F8-5DBA-436D-C382C0D7C2C2}"/>
+              </a:ext>
+            </a:extLst>
+          </p:cNvPr>
+          <p:cNvSpPr txBox="1"/>
+          <p:nvPr/>
+        </p:nvSpPr>
+        <p:spPr>
+          <a:xfrm>
+            <a:off x="1137133" y="2025905"/>
+            <a:ext cx="286393" cy="369332"/>
+          </a:xfrm>
+          <a:prstGeom prst="rect">
+            <a:avLst/>
+          </a:prstGeom>
+          <a:noFill/>
+        </p:spPr>
+        <p:txBody>
+          <a:bodyPr wrap="square">
+            <a:spAutoFit/>
+          </a:bodyPr>
+          <a:lstStyle/>
+          <a:p>
+            <a:pPr algn="ctr"/>
+            <a:r>
+              <a:rPr lang="en-US" altLang="ko-KR" sz="1800" b="1" dirty="0">
+                <a:solidFill>
+                  <a:srgbClr val="5B4058"/>
+                </a:solidFill>
+                <a:latin typeface="나눔고딕" pitchFamily="50" charset="-127"/>
+                <a:ea typeface="나눔고딕" pitchFamily="50" charset="-127"/>
+              </a:rPr>
+              <a:t>1</a:t>
+            </a:r>
+          </a:p>
+        </p:txBody>
+      </p:sp>
+      <p:sp>
+        <p:nvSpPr>
+          <p:cNvPr id="19" name="TextBox 18">
+            <a:extLst>
+              <a:ext uri="{FF2B5EF4-FFF2-40B4-BE49-F238E27FC236}">
+                <a16:creationId xmlns:a16="http://schemas.microsoft.com/office/drawing/2014/main" id="{4B1C32E0-5C8D-3F7F-9E9B-2DEE25DA672A}"/>
+              </a:ext>
+            </a:extLst>
+          </p:cNvPr>
+          <p:cNvSpPr txBox="1"/>
+          <p:nvPr/>
+        </p:nvSpPr>
+        <p:spPr>
+          <a:xfrm>
+            <a:off x="1500610" y="2018654"/>
+            <a:ext cx="6722589" cy="369332"/>
+          </a:xfrm>
+          <a:prstGeom prst="rect">
+            <a:avLst/>
+          </a:prstGeom>
+          <a:noFill/>
+        </p:spPr>
+        <p:txBody>
+          <a:bodyPr wrap="square">
+            <a:spAutoFit/>
+          </a:bodyPr>
+          <a:lstStyle/>
+          <a:p>
+            <a:pPr algn="l"/>
+            <a:r>
+              <a:rPr lang="en-US" altLang="ko-KR" b="1" spc="100" dirty="0">
+                <a:solidFill>
+                  <a:srgbClr val="5E3960"/>
+                </a:solidFill>
+                <a:latin typeface="나눔고딕" pitchFamily="50" charset="-127"/>
+                <a:ea typeface="나눔고딕" pitchFamily="50" charset="-127"/>
+              </a:rPr>
+              <a:t>Sparse </a:t>
+            </a:r>
+            <a:r>
+              <a:rPr lang="en-US" altLang="ko-KR" b="1" spc="100" dirty="0" err="1">
+                <a:solidFill>
+                  <a:srgbClr val="5E3960"/>
+                </a:solidFill>
+                <a:latin typeface="나눔고딕" pitchFamily="50" charset="-127"/>
+                <a:ea typeface="나눔고딕" pitchFamily="50" charset="-127"/>
+              </a:rPr>
+              <a:t>Librimix</a:t>
+            </a:r>
+            <a:endParaRPr lang="en-US" altLang="ko-KR" sz="1800" b="1" spc="100" dirty="0">
+              <a:solidFill>
+                <a:srgbClr val="5E3960"/>
+              </a:solidFill>
+              <a:latin typeface="나눔고딕" pitchFamily="50" charset="-127"/>
+              <a:ea typeface="나눔고딕" pitchFamily="50" charset="-127"/>
+            </a:endParaRPr>
+          </a:p>
+        </p:txBody>
+      </p:sp>
+      <p:pic>
+        <p:nvPicPr>
+          <p:cNvPr id="3" name="그림 2">
+            <a:extLst>
+              <a:ext uri="{FF2B5EF4-FFF2-40B4-BE49-F238E27FC236}">
+                <a16:creationId xmlns:a16="http://schemas.microsoft.com/office/drawing/2014/main" id="{8957F6CC-2A46-6D6F-CF55-AF359CE58715}"/>
+              </a:ext>
+            </a:extLst>
+          </p:cNvPr>
+          <p:cNvPicPr>
+            <a:picLocks noChangeAspect="1"/>
+          </p:cNvPicPr>
+          <p:nvPr/>
+        </p:nvPicPr>
+        <p:blipFill>
+          <a:blip r:embed="rId10"/>
+          <a:stretch>
+            <a:fillRect/>
+          </a:stretch>
+        </p:blipFill>
+        <p:spPr>
+          <a:xfrm>
+            <a:off x="1109456" y="2516988"/>
+            <a:ext cx="3958580" cy="2299469"/>
+          </a:xfrm>
+          <a:prstGeom prst="rect">
+            <a:avLst/>
+          </a:prstGeom>
+        </p:spPr>
+      </p:pic>
+      <p:sp>
+        <p:nvSpPr>
+          <p:cNvPr id="4" name="TextBox 3">
+            <a:extLst>
+              <a:ext uri="{FF2B5EF4-FFF2-40B4-BE49-F238E27FC236}">
+                <a16:creationId xmlns:a16="http://schemas.microsoft.com/office/drawing/2014/main" id="{F695061A-B7D8-CA9D-75A6-15AAA5BA10D0}"/>
+              </a:ext>
+            </a:extLst>
+          </p:cNvPr>
+          <p:cNvSpPr txBox="1"/>
+          <p:nvPr/>
+        </p:nvSpPr>
+        <p:spPr>
+          <a:xfrm>
+            <a:off x="1110696" y="5190058"/>
+            <a:ext cx="7328528" cy="584775"/>
+          </a:xfrm>
+          <a:prstGeom prst="rect">
+            <a:avLst/>
+          </a:prstGeom>
+          <a:noFill/>
+        </p:spPr>
+        <p:txBody>
+          <a:bodyPr wrap="square" rtlCol="0">
+            <a:spAutoFit/>
+          </a:bodyPr>
+          <a:lstStyle/>
+          <a:p>
+            <a:r>
+              <a:rPr lang="en-US" altLang="ko-KR" sz="1400" b="0" i="0" dirty="0" err="1">
+                <a:effectLst/>
+                <a:latin typeface="AppleSDGothicNeo"/>
+              </a:rPr>
+              <a:t>LibriMix</a:t>
+            </a:r>
+            <a:r>
+              <a:rPr lang="en-US" altLang="ko-KR" sz="1400" b="0" i="0" dirty="0">
+                <a:effectLst/>
+                <a:latin typeface="AppleSDGothicNeo"/>
+              </a:rPr>
+              <a:t>: An Open-Source Dataset for Generalizable Speech Separation(</a:t>
+            </a:r>
+            <a:r>
+              <a:rPr lang="en-US" altLang="ko-KR" sz="1400" b="0" i="0" u="none" strike="noStrike" dirty="0">
+                <a:effectLst/>
+                <a:latin typeface="Lucida Grande"/>
+                <a:hlinkClick r:id="rId11"/>
+              </a:rPr>
+              <a:t>arXiv:2005.11262</a:t>
+            </a:r>
+            <a:r>
+              <a:rPr lang="en-US" altLang="ko-KR" sz="1400" b="0" i="0" u="none" strike="noStrike" dirty="0">
+                <a:effectLst/>
+                <a:latin typeface="Lucida Grande"/>
+              </a:rPr>
+              <a:t>)</a:t>
+            </a:r>
+            <a:endParaRPr lang="en-US" altLang="ko-KR" sz="1400" b="0" i="0" dirty="0">
+              <a:effectLst/>
+              <a:latin typeface="AppleSDGothicNeo"/>
+            </a:endParaRPr>
+          </a:p>
+          <a:p>
+            <a:endParaRPr lang="ko-KR" altLang="en-US" dirty="0"/>
+          </a:p>
+        </p:txBody>
+      </p:sp>
+    </p:spTree>
+    <p:extLst>
+      <p:ext uri="{BB962C8B-B14F-4D97-AF65-F5344CB8AC3E}">
+        <p14:creationId xmlns:p14="http://schemas.microsoft.com/office/powerpoint/2010/main" val="51083924"/>
+      </p:ext>
+    </p:extLst>
+  </p:cSld>
+  <p:clrMapOvr>
+    <a:masterClrMapping/>
+  </p:clrMapOvr>
+</p:sld>
+</file>
+
+<file path=ppt/slides/slide13.xml><?xml version="1.0" encoding="utf-8"?>
+<p:sld xmlns:a="http://schemas.openxmlformats.org/drawingml/2006/main" xmlns:r="http://schemas.openxmlformats.org/officeDocument/2006/relationships" xmlns:p="http://schemas.openxmlformats.org/presentationml/2006/main">
+  <p:cSld>
+    <p:spTree>
+      <p:nvGrpSpPr>
+        <p:cNvPr id="1" name=""/>
+        <p:cNvGrpSpPr/>
+        <p:nvPr/>
+      </p:nvGrpSpPr>
+      <p:grpSpPr>
+        <a:xfrm>
+          <a:off x="0" y="0"/>
+          <a:ext cx="0" cy="0"/>
+          <a:chOff x="0" y="0"/>
+          <a:chExt cx="0" cy="0"/>
+        </a:xfrm>
+      </p:grpSpPr>
+      <p:grpSp>
+        <p:nvGrpSpPr>
+          <p:cNvPr id="15" name="그룹 14"/>
+          <p:cNvGrpSpPr/>
+          <p:nvPr/>
+        </p:nvGrpSpPr>
+        <p:grpSpPr>
+          <a:xfrm>
+            <a:off x="-31006" y="417652"/>
+            <a:ext cx="9153144" cy="6318504"/>
+            <a:chOff x="28575" y="464884"/>
+            <a:chExt cx="9153144" cy="6318504"/>
+          </a:xfrm>
+        </p:grpSpPr>
+        <p:pic>
+          <p:nvPicPr>
+            <p:cNvPr id="1030" name="Picture 6" descr="C:\Users\Administrator\Desktop\인하대학교\05_템플릿\01_작업\확정\01\PNG\01_보드.png"/>
+            <p:cNvPicPr>
+              <a:picLocks noChangeAspect="1" noChangeArrowheads="1"/>
+            </p:cNvPicPr>
+            <p:nvPr/>
+          </p:nvPicPr>
+          <p:blipFill>
+            <a:blip r:embed="rId3"/>
+            <a:srcRect/>
+            <a:stretch>
+              <a:fillRect/>
+            </a:stretch>
+          </p:blipFill>
+          <p:spPr bwMode="auto">
+            <a:xfrm>
+              <a:off x="28575" y="464884"/>
+              <a:ext cx="9153144" cy="6318504"/>
+            </a:xfrm>
+            <a:prstGeom prst="rect">
+              <a:avLst/>
+            </a:prstGeom>
+            <a:noFill/>
+          </p:spPr>
+        </p:pic>
+        <p:grpSp>
+          <p:nvGrpSpPr>
+            <p:cNvPr id="14" name="그룹 13"/>
+            <p:cNvGrpSpPr/>
+            <p:nvPr/>
+          </p:nvGrpSpPr>
+          <p:grpSpPr>
+            <a:xfrm>
+              <a:off x="5851533" y="6177777"/>
+              <a:ext cx="3000388" cy="304800"/>
+              <a:chOff x="5851533" y="6177777"/>
+              <a:chExt cx="3000388" cy="304800"/>
+            </a:xfrm>
+          </p:grpSpPr>
+          <p:pic>
+            <p:nvPicPr>
+              <p:cNvPr id="12" name="Picture 3" descr="C:\Users\Administrator\Desktop\인하대학교\05_템플릿\01_작업\확정\PNG\13_copyright.png"/>
+              <p:cNvPicPr>
+                <a:picLocks noChangeAspect="1" noChangeArrowheads="1"/>
+              </p:cNvPicPr>
+              <p:nvPr/>
+            </p:nvPicPr>
+            <p:blipFill>
+              <a:blip r:embed="rId4"/>
+              <a:srcRect/>
+              <a:stretch>
+                <a:fillRect/>
+              </a:stretch>
+            </p:blipFill>
+            <p:spPr bwMode="auto">
+              <a:xfrm>
+                <a:off x="5851533" y="6396852"/>
+                <a:ext cx="1838325" cy="47625"/>
+              </a:xfrm>
+              <a:prstGeom prst="rect">
+                <a:avLst/>
+              </a:prstGeom>
+              <a:noFill/>
+            </p:spPr>
+          </p:pic>
+          <p:pic>
+            <p:nvPicPr>
+              <p:cNvPr id="13" name="Picture 5" descr="C:\Users\Administrator\Desktop\인하대학교\05_템플릿\01_작업\확정\PNG\12_로고.png"/>
+              <p:cNvPicPr>
+                <a:picLocks noChangeAspect="1" noChangeArrowheads="1"/>
+              </p:cNvPicPr>
+              <p:nvPr/>
+            </p:nvPicPr>
+            <p:blipFill>
+              <a:blip r:embed="rId5"/>
+              <a:srcRect/>
+              <a:stretch>
+                <a:fillRect/>
+              </a:stretch>
+            </p:blipFill>
+            <p:spPr bwMode="auto">
+              <a:xfrm>
+                <a:off x="7756546" y="6177777"/>
+                <a:ext cx="1095375" cy="304800"/>
+              </a:xfrm>
+              <a:prstGeom prst="rect">
+                <a:avLst/>
+              </a:prstGeom>
+              <a:noFill/>
+            </p:spPr>
+          </p:pic>
+        </p:grpSp>
+      </p:grpSp>
+      <p:pic>
+        <p:nvPicPr>
+          <p:cNvPr id="3074" name="Picture 2" descr="C:\Users\Administrator\Desktop\인하대학교\05_템플릿\01_작업\확정\01\PNG\04.png"/>
+          <p:cNvPicPr>
+            <a:picLocks noChangeAspect="1" noChangeArrowheads="1"/>
+          </p:cNvPicPr>
+          <p:nvPr/>
+        </p:nvPicPr>
+        <p:blipFill>
+          <a:blip r:embed="rId6"/>
+          <a:srcRect/>
+          <a:stretch>
+            <a:fillRect/>
+          </a:stretch>
+        </p:blipFill>
+        <p:spPr bwMode="auto">
+          <a:xfrm>
+            <a:off x="317470" y="634187"/>
+            <a:ext cx="8650224" cy="612648"/>
+          </a:xfrm>
+          <a:prstGeom prst="rect">
+            <a:avLst/>
+          </a:prstGeom>
+          <a:noFill/>
+        </p:spPr>
+      </p:pic>
+      <p:pic>
+        <p:nvPicPr>
+          <p:cNvPr id="2050" name="Picture 2" descr="C:\Users\Administrator\Desktop\인하대학교\05_템플릿\01_작업\확정\01\PNG\02.png"/>
+          <p:cNvPicPr>
+            <a:picLocks noChangeAspect="1" noChangeArrowheads="1"/>
+          </p:cNvPicPr>
+          <p:nvPr/>
+        </p:nvPicPr>
+        <p:blipFill>
+          <a:blip r:embed="rId7"/>
+          <a:srcRect t="-140000" b="-140000"/>
+          <a:stretch>
+            <a:fillRect/>
+          </a:stretch>
+        </p:blipFill>
+        <p:spPr bwMode="auto">
+          <a:xfrm>
+            <a:off x="479396" y="1800405"/>
+            <a:ext cx="8110728" cy="69494"/>
+          </a:xfrm>
+          <a:prstGeom prst="rect">
+            <a:avLst/>
+          </a:prstGeom>
+          <a:noFill/>
+        </p:spPr>
+      </p:pic>
+      <p:grpSp>
+        <p:nvGrpSpPr>
+          <p:cNvPr id="10" name="그룹 9"/>
+          <p:cNvGrpSpPr/>
+          <p:nvPr/>
+        </p:nvGrpSpPr>
+        <p:grpSpPr>
+          <a:xfrm>
+            <a:off x="193644" y="777637"/>
+            <a:ext cx="3035808" cy="356616"/>
+            <a:chOff x="193644" y="777637"/>
+            <a:chExt cx="3035808" cy="356616"/>
+          </a:xfrm>
+        </p:grpSpPr>
+        <p:pic>
+          <p:nvPicPr>
+            <p:cNvPr id="7" name="Picture 11" descr="C:\Users\Administrator\Desktop\인하대학교\05_템플릿\01_작업\확정\01\PNG\03.png"/>
+            <p:cNvPicPr>
+              <a:picLocks noChangeAspect="1" noChangeArrowheads="1"/>
+            </p:cNvPicPr>
+            <p:nvPr/>
+          </p:nvPicPr>
+          <p:blipFill>
+            <a:blip r:embed="rId8"/>
+            <a:srcRect/>
+            <a:stretch>
+              <a:fillRect/>
+            </a:stretch>
+          </p:blipFill>
+          <p:spPr bwMode="auto">
+            <a:xfrm>
+              <a:off x="193644" y="777637"/>
+              <a:ext cx="3035808" cy="356616"/>
+            </a:xfrm>
+            <a:prstGeom prst="rect">
+              <a:avLst/>
+            </a:prstGeom>
+            <a:noFill/>
+          </p:spPr>
+        </p:pic>
+        <p:sp>
+          <p:nvSpPr>
+            <p:cNvPr id="8" name="TextBox 7"/>
+            <p:cNvSpPr txBox="1"/>
+            <p:nvPr/>
+          </p:nvSpPr>
+          <p:spPr>
+            <a:xfrm>
+              <a:off x="550834" y="787162"/>
+              <a:ext cx="1473480" cy="338554"/>
+            </a:xfrm>
+            <a:prstGeom prst="rect">
+              <a:avLst/>
+            </a:prstGeom>
+            <a:noFill/>
+          </p:spPr>
+          <p:txBody>
+            <a:bodyPr wrap="none" rtlCol="0">
+              <a:spAutoFit/>
+            </a:bodyPr>
+            <a:lstStyle/>
+            <a:p>
+              <a:r>
+                <a:rPr lang="en-US" altLang="ko-KR" sz="1600" b="1" i="1" dirty="0">
+                  <a:solidFill>
+                    <a:schemeClr val="bg1"/>
+                  </a:solidFill>
+                  <a:latin typeface="나눔명조 ExtraBold" pitchFamily="18" charset="-127"/>
+                  <a:ea typeface="나눔명조 ExtraBold" pitchFamily="18" charset="-127"/>
+                </a:rPr>
+                <a:t>2</a:t>
+              </a:r>
+              <a:r>
+                <a:rPr lang="ko-KR" altLang="en-US" sz="1600" b="1" i="1" dirty="0">
+                  <a:solidFill>
+                    <a:schemeClr val="bg1"/>
+                  </a:solidFill>
+                  <a:latin typeface="나눔명조 ExtraBold" pitchFamily="18" charset="-127"/>
+                  <a:ea typeface="나눔명조 ExtraBold" pitchFamily="18" charset="-127"/>
+                </a:rPr>
+                <a:t>조 진행 현황</a:t>
+              </a:r>
+            </a:p>
+          </p:txBody>
+        </p:sp>
+      </p:grpSp>
+      <p:sp>
+        <p:nvSpPr>
+          <p:cNvPr id="9" name="TextBox 8"/>
+          <p:cNvSpPr txBox="1"/>
+          <p:nvPr/>
+        </p:nvSpPr>
+        <p:spPr>
+          <a:xfrm>
+            <a:off x="3461133" y="767538"/>
+            <a:ext cx="1749197" cy="430887"/>
+          </a:xfrm>
+          <a:prstGeom prst="rect">
+            <a:avLst/>
+          </a:prstGeom>
+          <a:noFill/>
+        </p:spPr>
+        <p:txBody>
+          <a:bodyPr wrap="none" rtlCol="0">
+            <a:spAutoFit/>
+          </a:bodyPr>
+          <a:lstStyle/>
+          <a:p>
+            <a:r>
+              <a:rPr lang="en-US" altLang="ko-KR" sz="2200" b="1" i="1" dirty="0">
+                <a:solidFill>
+                  <a:srgbClr val="1E5B86"/>
+                </a:solidFill>
+                <a:latin typeface="나눔명조 ExtraBold" pitchFamily="18" charset="-127"/>
+                <a:ea typeface="나눔명조 ExtraBold" pitchFamily="18" charset="-127"/>
+              </a:rPr>
+              <a:t>3. </a:t>
+            </a:r>
+            <a:r>
+              <a:rPr lang="ko-KR" altLang="en-US" sz="2200" b="1" i="1" dirty="0">
+                <a:solidFill>
+                  <a:srgbClr val="1E5B86"/>
+                </a:solidFill>
+                <a:latin typeface="나눔명조 ExtraBold" pitchFamily="18" charset="-127"/>
+                <a:ea typeface="나눔명조 ExtraBold" pitchFamily="18" charset="-127"/>
+              </a:rPr>
+              <a:t>세부 계획</a:t>
+            </a:r>
+          </a:p>
+        </p:txBody>
+      </p:sp>
+      <p:sp>
+        <p:nvSpPr>
+          <p:cNvPr id="11" name="TextBox 10"/>
+          <p:cNvSpPr txBox="1"/>
+          <p:nvPr/>
+        </p:nvSpPr>
+        <p:spPr>
+          <a:xfrm>
+            <a:off x="765148" y="1358092"/>
             <a:ext cx="2231701" cy="400110"/>
           </a:xfrm>
           <a:prstGeom prst="rect">
@@ -7003,7 +8227,7 @@
 </p:sld>
 </file>
 
-<file path=ppt/slides/slide13.xml><?xml version="1.0" encoding="utf-8"?>
+<file path=ppt/slides/slide14.xml><?xml version="1.0" encoding="utf-8"?>
 <p:sld xmlns:a="http://schemas.openxmlformats.org/drawingml/2006/main" xmlns:r="http://schemas.openxmlformats.org/officeDocument/2006/relationships" xmlns:p="http://schemas.openxmlformats.org/presentationml/2006/main">
   <p:cSld>
     <p:spTree>
@@ -7818,7 +9042,7 @@
 </p:sld>
 </file>
 
-<file path=ppt/slides/slide14.xml><?xml version="1.0" encoding="utf-8"?>
+<file path=ppt/slides/slide15.xml><?xml version="1.0" encoding="utf-8"?>
 <p:sld xmlns:a="http://schemas.openxmlformats.org/drawingml/2006/main" xmlns:r="http://schemas.openxmlformats.org/officeDocument/2006/relationships" xmlns:p="http://schemas.openxmlformats.org/presentationml/2006/main">
   <p:cSld>
     <p:spTree>
@@ -8411,7 +9635,7 @@
         </p:blipFill>
         <p:spPr>
           <a:xfrm>
-            <a:off x="1171831" y="3678223"/>
+            <a:off x="1171831" y="3708301"/>
             <a:ext cx="487363" cy="487362"/>
           </a:xfrm>
           <a:prstGeom prst="rect">
@@ -8480,7 +9704,7 @@
 </p:sld>
 </file>
 
-<file path=ppt/slides/slide2.xml><?xml version="1.0" encoding="utf-8"?>
+<file path=ppt/slides/slide16.xml><?xml version="1.0" encoding="utf-8"?>
 <p:sld xmlns:a="http://schemas.openxmlformats.org/drawingml/2006/main" xmlns:r="http://schemas.openxmlformats.org/officeDocument/2006/relationships" xmlns:p="http://schemas.openxmlformats.org/presentationml/2006/main">
   <p:cSld>
     <p:spTree>
@@ -8505,7 +9729,7 @@
         </p:nvGrpSpPr>
         <p:grpSpPr>
           <a:xfrm>
-            <a:off x="-41812" y="179909"/>
+            <a:off x="-41812" y="261017"/>
             <a:ext cx="9153144" cy="6318504"/>
             <a:chOff x="28575" y="464884"/>
             <a:chExt cx="9153144" cy="6318504"/>
@@ -8752,7 +9976,7 @@
         <p:spPr>
           <a:xfrm>
             <a:off x="3461133" y="767538"/>
-            <a:ext cx="2313454" cy="430887"/>
+            <a:ext cx="1749197" cy="430887"/>
           </a:xfrm>
           <a:prstGeom prst="rect">
             <a:avLst/>
@@ -8773,7 +9997,7 @@
                 <a:latin typeface="나눔명조 ExtraBold" pitchFamily="18" charset="-127"/>
                 <a:ea typeface="나눔명조 ExtraBold" pitchFamily="18" charset="-127"/>
               </a:rPr>
-              <a:t>1. </a:t>
+              <a:t>3. </a:t>
             </a:r>
             <a:r>
               <a:rPr lang="ko-KR" altLang="en-US" sz="2200" b="1" i="1" dirty="0">
@@ -8783,7 +10007,7 @@
                 <a:latin typeface="나눔명조 ExtraBold" pitchFamily="18" charset="-127"/>
                 <a:ea typeface="나눔명조 ExtraBold" pitchFamily="18" charset="-127"/>
               </a:rPr>
-              <a:t>지난주 문제점</a:t>
+              <a:t>세부 계획</a:t>
             </a:r>
           </a:p>
         </p:txBody>
@@ -8797,7 +10021,7 @@
         <p:spPr>
           <a:xfrm>
             <a:off x="765148" y="1358092"/>
-            <a:ext cx="1366080" cy="400110"/>
+            <a:ext cx="1678665" cy="400110"/>
           </a:xfrm>
           <a:prstGeom prst="rect">
             <a:avLst/>
@@ -8818,7 +10042,7 @@
                 <a:latin typeface="나눔고딕" pitchFamily="50" charset="-127"/>
                 <a:ea typeface="나눔고딕" pitchFamily="50" charset="-127"/>
               </a:rPr>
-              <a:t>1.1 </a:t>
+              <a:t>3.4 </a:t>
             </a:r>
             <a:r>
               <a:rPr lang="ko-KR" altLang="en-US" sz="2000" b="1" dirty="0">
@@ -8828,7 +10052,7 @@
                 <a:latin typeface="나눔고딕" pitchFamily="50" charset="-127"/>
                 <a:ea typeface="나눔고딕" pitchFamily="50" charset="-127"/>
               </a:rPr>
-              <a:t>한계점</a:t>
+              <a:t>개선 과제</a:t>
             </a:r>
           </a:p>
         </p:txBody>
@@ -8838,7 +10062,7 @@
           <p:cNvPr id="2" name="Picture 2" descr="C:\Users\Administrator\Desktop\인하대학교\05_템플릿\01_작업\확정\01\PNG\09.png">
             <a:extLst>
               <a:ext uri="{FF2B5EF4-FFF2-40B4-BE49-F238E27FC236}">
-                <a16:creationId xmlns:a16="http://schemas.microsoft.com/office/drawing/2014/main" id="{01C956C6-4DBE-1B03-B43B-51BE3CEEB105}"/>
+                <a16:creationId xmlns:a16="http://schemas.microsoft.com/office/drawing/2014/main" id="{3F5DDB54-A5D9-8486-1980-DF3EFA6A76FC}"/>
               </a:ext>
             </a:extLst>
           </p:cNvPr>
@@ -8867,10 +10091,10 @@
       </p:pic>
       <p:sp>
         <p:nvSpPr>
-          <p:cNvPr id="6" name="TextBox 5">
+          <p:cNvPr id="4" name="TextBox 3">
             <a:extLst>
               <a:ext uri="{FF2B5EF4-FFF2-40B4-BE49-F238E27FC236}">
-                <a16:creationId xmlns:a16="http://schemas.microsoft.com/office/drawing/2014/main" id="{FD905168-04F8-5DBA-436D-C382C0D7C2C2}"/>
+                <a16:creationId xmlns:a16="http://schemas.microsoft.com/office/drawing/2014/main" id="{18F0501F-24EC-C55D-F29F-A12282B442AB}"/>
               </a:ext>
             </a:extLst>
           </p:cNvPr>
@@ -8880,174 +10104,6 @@
         <p:spPr>
           <a:xfrm>
             <a:off x="1137133" y="2025905"/>
-            <a:ext cx="286393" cy="369332"/>
-          </a:xfrm>
-          <a:prstGeom prst="rect">
-            <a:avLst/>
-          </a:prstGeom>
-          <a:noFill/>
-        </p:spPr>
-        <p:txBody>
-          <a:bodyPr wrap="square">
-            <a:spAutoFit/>
-          </a:bodyPr>
-          <a:lstStyle/>
-          <a:p>
-            <a:pPr algn="ctr"/>
-            <a:r>
-              <a:rPr lang="en-US" altLang="ko-KR" sz="1800" b="1" dirty="0">
-                <a:solidFill>
-                  <a:srgbClr val="5B4058"/>
-                </a:solidFill>
-                <a:latin typeface="나눔고딕" pitchFamily="50" charset="-127"/>
-                <a:ea typeface="나눔고딕" pitchFamily="50" charset="-127"/>
-              </a:rPr>
-              <a:t>1</a:t>
-            </a:r>
-          </a:p>
-        </p:txBody>
-      </p:sp>
-      <p:sp>
-        <p:nvSpPr>
-          <p:cNvPr id="19" name="TextBox 18">
-            <a:extLst>
-              <a:ext uri="{FF2B5EF4-FFF2-40B4-BE49-F238E27FC236}">
-                <a16:creationId xmlns:a16="http://schemas.microsoft.com/office/drawing/2014/main" id="{4B1C32E0-5C8D-3F7F-9E9B-2DEE25DA672A}"/>
-              </a:ext>
-            </a:extLst>
-          </p:cNvPr>
-          <p:cNvSpPr txBox="1"/>
-          <p:nvPr/>
-        </p:nvSpPr>
-        <p:spPr>
-          <a:xfrm>
-            <a:off x="1500610" y="2018654"/>
-            <a:ext cx="6722589" cy="369332"/>
-          </a:xfrm>
-          <a:prstGeom prst="rect">
-            <a:avLst/>
-          </a:prstGeom>
-          <a:noFill/>
-        </p:spPr>
-        <p:txBody>
-          <a:bodyPr wrap="square">
-            <a:spAutoFit/>
-          </a:bodyPr>
-          <a:lstStyle/>
-          <a:p>
-            <a:pPr algn="l"/>
-            <a:r>
-              <a:rPr lang="en-US" altLang="ko-KR" sz="1800" b="1" spc="100" dirty="0">
-                <a:solidFill>
-                  <a:srgbClr val="5E3960"/>
-                </a:solidFill>
-                <a:latin typeface="나눔고딕" pitchFamily="50" charset="-127"/>
-                <a:ea typeface="나눔고딕" pitchFamily="50" charset="-127"/>
-              </a:rPr>
-              <a:t>General</a:t>
-            </a:r>
-            <a:r>
-              <a:rPr lang="ko-KR" altLang="en-US" sz="1800" b="1" spc="100" dirty="0">
-                <a:solidFill>
-                  <a:srgbClr val="5E3960"/>
-                </a:solidFill>
-                <a:latin typeface="나눔고딕" pitchFamily="50" charset="-127"/>
-                <a:ea typeface="나눔고딕" pitchFamily="50" charset="-127"/>
-              </a:rPr>
-              <a:t>하지 못한 시스템</a:t>
-            </a:r>
-            <a:endParaRPr lang="en-US" altLang="ko-KR" sz="1800" b="1" spc="100" dirty="0">
-              <a:solidFill>
-                <a:srgbClr val="5E3960"/>
-              </a:solidFill>
-              <a:latin typeface="나눔고딕" pitchFamily="50" charset="-127"/>
-              <a:ea typeface="나눔고딕" pitchFamily="50" charset="-127"/>
-            </a:endParaRPr>
-          </a:p>
-        </p:txBody>
-      </p:sp>
-      <p:sp>
-        <p:nvSpPr>
-          <p:cNvPr id="5" name="TextBox 4">
-            <a:extLst>
-              <a:ext uri="{FF2B5EF4-FFF2-40B4-BE49-F238E27FC236}">
-                <a16:creationId xmlns:a16="http://schemas.microsoft.com/office/drawing/2014/main" id="{4808E1B1-1425-4C61-B1D1-A9A910D67372}"/>
-              </a:ext>
-            </a:extLst>
-          </p:cNvPr>
-          <p:cNvSpPr txBox="1"/>
-          <p:nvPr/>
-        </p:nvSpPr>
-        <p:spPr>
-          <a:xfrm>
-            <a:off x="1330752" y="2593339"/>
-            <a:ext cx="6172368" cy="646331"/>
-          </a:xfrm>
-          <a:prstGeom prst="rect">
-            <a:avLst/>
-          </a:prstGeom>
-          <a:noFill/>
-        </p:spPr>
-        <p:txBody>
-          <a:bodyPr wrap="square" rtlCol="0">
-            <a:spAutoFit/>
-          </a:bodyPr>
-          <a:lstStyle/>
-          <a:p>
-            <a:r>
-              <a:rPr lang="ko-KR" altLang="en-US" dirty="0"/>
-              <a:t>특정 상황에서만 사용 가능한 시스템 보다 일반적인 상황에서 사용 가능한 시스템을 목표로 해야함</a:t>
-            </a:r>
-          </a:p>
-        </p:txBody>
-      </p:sp>
-      <p:pic>
-        <p:nvPicPr>
-          <p:cNvPr id="4" name="Picture 2" descr="C:\Users\Administrator\Desktop\인하대학교\05_템플릿\01_작업\확정\01\PNG\09.png">
-            <a:extLst>
-              <a:ext uri="{FF2B5EF4-FFF2-40B4-BE49-F238E27FC236}">
-                <a16:creationId xmlns:a16="http://schemas.microsoft.com/office/drawing/2014/main" id="{830A7913-7FC4-463F-CCDD-2F638FE2888A}"/>
-              </a:ext>
-            </a:extLst>
-          </p:cNvPr>
-          <p:cNvPicPr>
-            <a:picLocks noChangeAspect="1" noChangeArrowheads="1"/>
-          </p:cNvPicPr>
-          <p:nvPr/>
-        </p:nvPicPr>
-        <p:blipFill>
-          <a:blip r:embed="rId9"/>
-          <a:srcRect/>
-          <a:stretch>
-            <a:fillRect/>
-          </a:stretch>
-        </p:blipFill>
-        <p:spPr bwMode="auto">
-          <a:xfrm>
-            <a:off x="1109456" y="3636434"/>
-            <a:ext cx="356235" cy="396716"/>
-          </a:xfrm>
-          <a:prstGeom prst="rect">
-            <a:avLst/>
-          </a:prstGeom>
-          <a:noFill/>
-        </p:spPr>
-      </p:pic>
-      <p:sp>
-        <p:nvSpPr>
-          <p:cNvPr id="16" name="TextBox 15">
-            <a:extLst>
-              <a:ext uri="{FF2B5EF4-FFF2-40B4-BE49-F238E27FC236}">
-                <a16:creationId xmlns:a16="http://schemas.microsoft.com/office/drawing/2014/main" id="{22727EAD-A8EB-7CFE-6535-41E1880C5974}"/>
-              </a:ext>
-            </a:extLst>
-          </p:cNvPr>
-          <p:cNvSpPr txBox="1"/>
-          <p:nvPr/>
-        </p:nvSpPr>
-        <p:spPr>
-          <a:xfrm>
-            <a:off x="1161795" y="3637342"/>
             <a:ext cx="286393" cy="369332"/>
           </a:xfrm>
           <a:prstGeom prst="rect">
@@ -9080,7 +10136,7 @@
           <p:cNvPr id="17" name="TextBox 16">
             <a:extLst>
               <a:ext uri="{FF2B5EF4-FFF2-40B4-BE49-F238E27FC236}">
-                <a16:creationId xmlns:a16="http://schemas.microsoft.com/office/drawing/2014/main" id="{FDDF2B4B-F616-50D8-8961-5C2DAB106A06}"/>
+                <a16:creationId xmlns:a16="http://schemas.microsoft.com/office/drawing/2014/main" id="{DAC90648-5CFF-7D4F-42D9-7CF538E888B5}"/>
               </a:ext>
             </a:extLst>
           </p:cNvPr>
@@ -9089,8 +10145,8 @@
         </p:nvSpPr>
         <p:spPr>
           <a:xfrm>
-            <a:off x="1543790" y="3586396"/>
-            <a:ext cx="6722589" cy="369332"/>
+            <a:off x="1598464" y="2025905"/>
+            <a:ext cx="6768752" cy="369332"/>
           </a:xfrm>
           <a:prstGeom prst="rect">
             <a:avLst/>
@@ -9098,33 +10154,78 @@
           <a:noFill/>
         </p:spPr>
         <p:txBody>
-          <a:bodyPr wrap="square">
+          <a:bodyPr wrap="square" rtlCol="0">
             <a:spAutoFit/>
           </a:bodyPr>
           <a:lstStyle/>
           <a:p>
-            <a:pPr algn="l"/>
-            <a:r>
-              <a:rPr lang="ko-KR" altLang="en-US" sz="1800" b="1" spc="100" dirty="0">
-                <a:solidFill>
-                  <a:srgbClr val="5E3960"/>
-                </a:solidFill>
-                <a:latin typeface="나눔고딕" pitchFamily="50" charset="-127"/>
-                <a:ea typeface="나눔고딕" pitchFamily="50" charset="-127"/>
-              </a:rPr>
-              <a:t>화자 분리를 하지 않는 모델과 성능 비교 불필요</a:t>
-            </a:r>
-            <a:endParaRPr lang="en-US" altLang="ko-KR" sz="1800" b="1" spc="100" dirty="0">
-              <a:solidFill>
-                <a:srgbClr val="5E3960"/>
-              </a:solidFill>
-              <a:latin typeface="나눔고딕" pitchFamily="50" charset="-127"/>
-              <a:ea typeface="나눔고딕" pitchFamily="50" charset="-127"/>
-            </a:endParaRPr>
+            <a:r>
+              <a:rPr lang="ko-KR" altLang="en-US" dirty="0"/>
+              <a:t>개선 방법</a:t>
+            </a:r>
+          </a:p>
+        </p:txBody>
+      </p:sp>
+      <p:sp>
+        <p:nvSpPr>
+          <p:cNvPr id="20" name="TextBox 19">
+            <a:extLst>
+              <a:ext uri="{FF2B5EF4-FFF2-40B4-BE49-F238E27FC236}">
+                <a16:creationId xmlns:a16="http://schemas.microsoft.com/office/drawing/2014/main" id="{7796A2F1-2502-4C98-AC74-78B4BEC9BDF6}"/>
+              </a:ext>
+            </a:extLst>
+          </p:cNvPr>
+          <p:cNvSpPr txBox="1"/>
+          <p:nvPr/>
+        </p:nvSpPr>
+        <p:spPr>
+          <a:xfrm>
+            <a:off x="1137133" y="2556173"/>
+            <a:ext cx="7086067" cy="1200329"/>
+          </a:xfrm>
+          <a:prstGeom prst="rect">
+            <a:avLst/>
+          </a:prstGeom>
+          <a:noFill/>
+        </p:spPr>
+        <p:txBody>
+          <a:bodyPr wrap="square" rtlCol="0">
+            <a:spAutoFit/>
+          </a:bodyPr>
+          <a:lstStyle/>
+          <a:p>
+            <a:pPr marL="342900" indent="-342900">
+              <a:buAutoNum type="arabicParenR"/>
+            </a:pPr>
+            <a:r>
+              <a:rPr lang="ko-KR" altLang="en-US" dirty="0"/>
+              <a:t>화자 분리된 음성 신호에서 특징을 추출 후 유사도 계산 후 동일 화자라고 판단 되면 음성 신호 다시 결합</a:t>
+            </a:r>
+            <a:endParaRPr lang="en-US" altLang="ko-KR" dirty="0"/>
+          </a:p>
+          <a:p>
+            <a:pPr marL="342900" indent="-342900">
+              <a:buAutoNum type="arabicParenR"/>
+            </a:pPr>
+            <a:endParaRPr lang="en-US" altLang="ko-KR" dirty="0"/>
+          </a:p>
+          <a:p>
+            <a:pPr marL="342900" indent="-342900">
+              <a:buAutoNum type="arabicParenR"/>
+            </a:pPr>
+            <a:r>
+              <a:rPr lang="ko-KR" altLang="en-US" dirty="0"/>
+              <a:t>인위적으로 작은 노이즈 삽입</a:t>
+            </a:r>
           </a:p>
         </p:txBody>
       </p:sp>
     </p:spTree>
+    <p:extLst>
+      <p:ext uri="{BB962C8B-B14F-4D97-AF65-F5344CB8AC3E}">
+        <p14:creationId xmlns:p14="http://schemas.microsoft.com/office/powerpoint/2010/main" val="3406374758"/>
+      </p:ext>
+    </p:extLst>
   </p:cSld>
   <p:clrMapOvr>
     <a:masterClrMapping/>
@@ -9132,7 +10233,7 @@
 </p:sld>
 </file>
 
-<file path=ppt/slides/slide3.xml><?xml version="1.0" encoding="utf-8"?>
+<file path=ppt/slides/slide2.xml><?xml version="1.0" encoding="utf-8"?>
 <p:sld xmlns:a="http://schemas.openxmlformats.org/drawingml/2006/main" xmlns:r="http://schemas.openxmlformats.org/officeDocument/2006/relationships" xmlns:p="http://schemas.openxmlformats.org/presentationml/2006/main">
   <p:cSld>
     <p:spTree>
@@ -9157,7 +10258,7 @@
         </p:nvGrpSpPr>
         <p:grpSpPr>
           <a:xfrm>
-            <a:off x="-47927" y="261017"/>
+            <a:off x="-41812" y="179909"/>
             <a:ext cx="9153144" cy="6318504"/>
             <a:chOff x="28575" y="464884"/>
             <a:chExt cx="9153144" cy="6318504"/>
@@ -9283,32 +10384,6 @@
           <a:noFill/>
         </p:spPr>
       </p:pic>
-      <p:pic>
-        <p:nvPicPr>
-          <p:cNvPr id="2050" name="Picture 2" descr="C:\Users\Administrator\Desktop\인하대학교\05_템플릿\01_작업\확정\01\PNG\02.png"/>
-          <p:cNvPicPr>
-            <a:picLocks noChangeAspect="1" noChangeArrowheads="1"/>
-          </p:cNvPicPr>
-          <p:nvPr/>
-        </p:nvPicPr>
-        <p:blipFill>
-          <a:blip r:embed="rId7"/>
-          <a:srcRect t="-140000" b="-140000"/>
-          <a:stretch>
-            <a:fillRect/>
-          </a:stretch>
-        </p:blipFill>
-        <p:spPr bwMode="auto">
-          <a:xfrm>
-            <a:off x="479396" y="1800405"/>
-            <a:ext cx="8110728" cy="69494"/>
-          </a:xfrm>
-          <a:prstGeom prst="rect">
-            <a:avLst/>
-          </a:prstGeom>
-          <a:noFill/>
-        </p:spPr>
-      </p:pic>
       <p:grpSp>
         <p:nvGrpSpPr>
           <p:cNvPr id="10" name="그룹 9"/>
@@ -9332,7 +10407,7 @@
             <p:nvPr/>
           </p:nvPicPr>
           <p:blipFill>
-            <a:blip r:embed="rId8"/>
+            <a:blip r:embed="rId7"/>
             <a:srcRect/>
             <a:stretch>
               <a:fillRect/>
@@ -9404,7 +10479,7 @@
         <p:spPr>
           <a:xfrm>
             <a:off x="3461133" y="767538"/>
-            <a:ext cx="2313454" cy="430887"/>
+            <a:ext cx="2412840" cy="430887"/>
           </a:xfrm>
           <a:prstGeom prst="rect">
             <a:avLst/>
@@ -9425,7 +10500,7 @@
                 <a:latin typeface="나눔명조 ExtraBold" pitchFamily="18" charset="-127"/>
                 <a:ea typeface="나눔명조 ExtraBold" pitchFamily="18" charset="-127"/>
               </a:rPr>
-              <a:t>1. </a:t>
+              <a:t>0. </a:t>
             </a:r>
             <a:r>
               <a:rPr lang="ko-KR" altLang="en-US" sz="2200" b="1" i="1" dirty="0">
@@ -9435,60 +10510,8 @@
                 <a:latin typeface="나눔명조 ExtraBold" pitchFamily="18" charset="-127"/>
                 <a:ea typeface="나눔명조 ExtraBold" pitchFamily="18" charset="-127"/>
               </a:rPr>
-              <a:t>지난주 문제점</a:t>
-            </a:r>
-          </a:p>
-        </p:txBody>
-      </p:sp>
-      <p:sp>
-        <p:nvSpPr>
-          <p:cNvPr id="11" name="TextBox 10"/>
-          <p:cNvSpPr txBox="1"/>
-          <p:nvPr/>
-        </p:nvSpPr>
-        <p:spPr>
-          <a:xfrm>
-            <a:off x="765148" y="1358092"/>
-            <a:ext cx="1750800" cy="400110"/>
-          </a:xfrm>
-          <a:prstGeom prst="rect">
-            <a:avLst/>
-          </a:prstGeom>
-          <a:noFill/>
-        </p:spPr>
-        <p:txBody>
-          <a:bodyPr wrap="none" rtlCol="0">
-            <a:spAutoFit/>
-          </a:bodyPr>
-          <a:lstStyle/>
-          <a:p>
-            <a:r>
-              <a:rPr lang="en-US" altLang="ko-KR" sz="2000" b="1" dirty="0">
-                <a:solidFill>
-                  <a:srgbClr val="5C431E"/>
-                </a:solidFill>
-                <a:latin typeface="나눔고딕" pitchFamily="50" charset="-127"/>
-                <a:ea typeface="나눔고딕" pitchFamily="50" charset="-127"/>
-              </a:rPr>
-              <a:t>1.2 </a:t>
-            </a:r>
-            <a:r>
-              <a:rPr lang="ko-KR" altLang="en-US" sz="2000" b="1" dirty="0">
-                <a:solidFill>
-                  <a:srgbClr val="5C431E"/>
-                </a:solidFill>
-                <a:latin typeface="나눔고딕" pitchFamily="50" charset="-127"/>
-                <a:ea typeface="나눔고딕" pitchFamily="50" charset="-127"/>
-              </a:rPr>
-              <a:t>추가 사항 </a:t>
-            </a:r>
-            <a:endParaRPr lang="en-US" altLang="ko-KR" sz="2000" b="0" i="0" dirty="0">
-              <a:solidFill>
-                <a:srgbClr val="222222"/>
-              </a:solidFill>
-              <a:effectLst/>
-              <a:latin typeface="Noto Sans DemiLight"/>
-            </a:endParaRPr>
+              <a:t>팀원 역할 분담</a:t>
+            </a:r>
           </a:p>
         </p:txBody>
       </p:sp>
@@ -9507,7 +10530,7 @@
           <p:nvPr/>
         </p:nvPicPr>
         <p:blipFill>
-          <a:blip r:embed="rId9"/>
+          <a:blip r:embed="rId8"/>
           <a:srcRect/>
           <a:stretch>
             <a:fillRect/>
@@ -9538,7 +10561,7 @@
         </p:nvSpPr>
         <p:spPr>
           <a:xfrm>
-            <a:off x="1144376" y="2054137"/>
+            <a:off x="1137133" y="2025905"/>
             <a:ext cx="286393" cy="369332"/>
           </a:xfrm>
           <a:prstGeom prst="rect">
@@ -9554,7 +10577,7 @@
           <a:p>
             <a:pPr algn="ctr"/>
             <a:r>
-              <a:rPr lang="en-US" altLang="ko-KR" b="1" dirty="0">
+              <a:rPr lang="en-US" altLang="ko-KR" sz="1800" b="1" dirty="0">
                 <a:solidFill>
                   <a:srgbClr val="5B4058"/>
                 </a:solidFill>
@@ -9563,22 +10586,15 @@
               </a:rPr>
               <a:t>1</a:t>
             </a:r>
-            <a:endParaRPr lang="en-US" altLang="ko-KR" sz="1800" b="1" dirty="0">
-              <a:solidFill>
-                <a:srgbClr val="5B4058"/>
-              </a:solidFill>
-              <a:latin typeface="나눔고딕" pitchFamily="50" charset="-127"/>
-              <a:ea typeface="나눔고딕" pitchFamily="50" charset="-127"/>
-            </a:endParaRPr>
-          </a:p>
-        </p:txBody>
-      </p:sp>
-      <p:sp>
-        <p:nvSpPr>
-          <p:cNvPr id="3" name="TextBox 2">
+          </a:p>
+        </p:txBody>
+      </p:sp>
+      <p:sp>
+        <p:nvSpPr>
+          <p:cNvPr id="19" name="TextBox 18">
             <a:extLst>
               <a:ext uri="{FF2B5EF4-FFF2-40B4-BE49-F238E27FC236}">
-                <a16:creationId xmlns:a16="http://schemas.microsoft.com/office/drawing/2014/main" id="{F347F30C-3049-608A-E91E-83FDEC8D66A9}"/>
+                <a16:creationId xmlns:a16="http://schemas.microsoft.com/office/drawing/2014/main" id="{4B1C32E0-5C8D-3F7F-9E9B-2DEE25DA672A}"/>
               </a:ext>
             </a:extLst>
           </p:cNvPr>
@@ -9587,8 +10603,8 @@
         </p:nvSpPr>
         <p:spPr>
           <a:xfrm>
-            <a:off x="1500611" y="2039769"/>
-            <a:ext cx="5413353" cy="369332"/>
+            <a:off x="1500610" y="2018654"/>
+            <a:ext cx="6722589" cy="369332"/>
           </a:xfrm>
           <a:prstGeom prst="rect">
             <a:avLst/>
@@ -9596,30 +10612,77 @@
           <a:noFill/>
         </p:spPr>
         <p:txBody>
-          <a:bodyPr wrap="square" rtlCol="0">
+          <a:bodyPr wrap="square">
             <a:spAutoFit/>
           </a:bodyPr>
           <a:lstStyle/>
           <a:p>
-            <a:r>
-              <a:rPr lang="ko-KR" altLang="en-US" b="1" spc="100" dirty="0">
+            <a:pPr algn="l"/>
+            <a:r>
+              <a:rPr lang="ko-KR" altLang="en-US" b="1" spc="100" dirty="0" err="1">
                 <a:solidFill>
                   <a:srgbClr val="5E3960"/>
                 </a:solidFill>
                 <a:latin typeface="나눔고딕" pitchFamily="50" charset="-127"/>
                 <a:ea typeface="나눔고딕" pitchFamily="50" charset="-127"/>
               </a:rPr>
-              <a:t>음성 구간 분리 시 시간 제한</a:t>
+              <a:t>나현희</a:t>
+            </a:r>
+            <a:endParaRPr lang="en-US" altLang="ko-KR" sz="1800" b="1" spc="100" dirty="0">
+              <a:solidFill>
+                <a:srgbClr val="5E3960"/>
+              </a:solidFill>
+              <a:latin typeface="나눔고딕" pitchFamily="50" charset="-127"/>
+              <a:ea typeface="나눔고딕" pitchFamily="50" charset="-127"/>
+            </a:endParaRPr>
+          </a:p>
+        </p:txBody>
+      </p:sp>
+      <p:sp>
+        <p:nvSpPr>
+          <p:cNvPr id="5" name="TextBox 4">
+            <a:extLst>
+              <a:ext uri="{FF2B5EF4-FFF2-40B4-BE49-F238E27FC236}">
+                <a16:creationId xmlns:a16="http://schemas.microsoft.com/office/drawing/2014/main" id="{4808E1B1-1425-4C61-B1D1-A9A910D67372}"/>
+              </a:ext>
+            </a:extLst>
+          </p:cNvPr>
+          <p:cNvSpPr txBox="1"/>
+          <p:nvPr/>
+        </p:nvSpPr>
+        <p:spPr>
+          <a:xfrm>
+            <a:off x="1330752" y="2593339"/>
+            <a:ext cx="6172368" cy="369332"/>
+          </a:xfrm>
+          <a:prstGeom prst="rect">
+            <a:avLst/>
+          </a:prstGeom>
+          <a:noFill/>
+        </p:spPr>
+        <p:txBody>
+          <a:bodyPr wrap="square" rtlCol="0">
+            <a:spAutoFit/>
+          </a:bodyPr>
+          <a:lstStyle/>
+          <a:p>
+            <a:r>
+              <a:rPr lang="en-US" altLang="ko-KR" dirty="0"/>
+              <a:t>STT </a:t>
+            </a:r>
+            <a:r>
+              <a:rPr lang="ko-KR" altLang="en-US" dirty="0"/>
+              <a:t>데이터 및 모델 학습</a:t>
             </a:r>
           </a:p>
         </p:txBody>
       </p:sp>
       <p:pic>
         <p:nvPicPr>
-          <p:cNvPr id="5" name="Picture 2" descr="C:\Users\Administrator\Desktop\인하대학교\05_템플릿\01_작업\확정\01\PNG\09.png">
+          <p:cNvPr id="4" name="Picture 2" descr="C:\Users\Administrator\Desktop\인하대학교\05_템플릿\01_작업\확정\01\PNG\09.png">
             <a:extLst>
               <a:ext uri="{FF2B5EF4-FFF2-40B4-BE49-F238E27FC236}">
-                <a16:creationId xmlns:a16="http://schemas.microsoft.com/office/drawing/2014/main" id="{CD5AA9A9-1DEE-C65D-E9B0-ED1E96B7393C}"/>
+                <a16:creationId xmlns:a16="http://schemas.microsoft.com/office/drawing/2014/main" id="{830A7913-7FC4-463F-CCDD-2F638FE2888A}"/>
               </a:ext>
             </a:extLst>
           </p:cNvPr>
@@ -9629,7 +10692,7 @@
           <p:nvPr/>
         </p:nvPicPr>
         <p:blipFill>
-          <a:blip r:embed="rId9"/>
+          <a:blip r:embed="rId8"/>
           <a:srcRect/>
           <a:stretch>
             <a:fillRect/>
@@ -9637,7 +10700,7 @@
         </p:blipFill>
         <p:spPr bwMode="auto">
           <a:xfrm>
-            <a:off x="1109456" y="3749567"/>
+            <a:off x="1109456" y="3636434"/>
             <a:ext cx="356235" cy="396716"/>
           </a:xfrm>
           <a:prstGeom prst="rect">
@@ -9651,7 +10714,7 @@
           <p:cNvPr id="16" name="TextBox 15">
             <a:extLst>
               <a:ext uri="{FF2B5EF4-FFF2-40B4-BE49-F238E27FC236}">
-                <a16:creationId xmlns:a16="http://schemas.microsoft.com/office/drawing/2014/main" id="{803965C0-C632-A7CA-0C83-D62E0CC40658}"/>
+                <a16:creationId xmlns:a16="http://schemas.microsoft.com/office/drawing/2014/main" id="{22727EAD-A8EB-7CFE-6535-41E1880C5974}"/>
               </a:ext>
             </a:extLst>
           </p:cNvPr>
@@ -9660,7 +10723,7 @@
         </p:nvSpPr>
         <p:spPr>
           <a:xfrm>
-            <a:off x="1144376" y="3752920"/>
+            <a:off x="1161795" y="3637342"/>
             <a:ext cx="286393" cy="369332"/>
           </a:xfrm>
           <a:prstGeom prst="rect">
@@ -9676,7 +10739,7 @@
           <a:p>
             <a:pPr algn="ctr"/>
             <a:r>
-              <a:rPr lang="en-US" altLang="ko-KR" b="1" dirty="0">
+              <a:rPr lang="en-US" altLang="ko-KR" sz="1800" b="1" dirty="0">
                 <a:solidFill>
                   <a:srgbClr val="5B4058"/>
                 </a:solidFill>
@@ -9685,13 +10748,6 @@
               </a:rPr>
               <a:t>2</a:t>
             </a:r>
-            <a:endParaRPr lang="en-US" altLang="ko-KR" sz="1800" b="1" dirty="0">
-              <a:solidFill>
-                <a:srgbClr val="5B4058"/>
-              </a:solidFill>
-              <a:latin typeface="나눔고딕" pitchFamily="50" charset="-127"/>
-              <a:ea typeface="나눔고딕" pitchFamily="50" charset="-127"/>
-            </a:endParaRPr>
           </a:p>
         </p:txBody>
       </p:sp>
@@ -9700,7 +10756,7 @@
           <p:cNvPr id="17" name="TextBox 16">
             <a:extLst>
               <a:ext uri="{FF2B5EF4-FFF2-40B4-BE49-F238E27FC236}">
-                <a16:creationId xmlns:a16="http://schemas.microsoft.com/office/drawing/2014/main" id="{D610E0F6-82F3-96BB-5B65-098E59FE5F68}"/>
+                <a16:creationId xmlns:a16="http://schemas.microsoft.com/office/drawing/2014/main" id="{FDDF2B4B-F616-50D8-8961-5C2DAB106A06}"/>
               </a:ext>
             </a:extLst>
           </p:cNvPr>
@@ -9709,8 +10765,8 @@
         </p:nvSpPr>
         <p:spPr>
           <a:xfrm>
-            <a:off x="1532377" y="3752920"/>
-            <a:ext cx="5413353" cy="369332"/>
+            <a:off x="1543790" y="3586396"/>
+            <a:ext cx="6722589" cy="369332"/>
           </a:xfrm>
           <a:prstGeom prst="rect">
             <a:avLst/>
@@ -9718,50 +10774,63 @@
           <a:noFill/>
         </p:spPr>
         <p:txBody>
-          <a:bodyPr wrap="square" rtlCol="0">
+          <a:bodyPr wrap="square">
             <a:spAutoFit/>
           </a:bodyPr>
           <a:lstStyle/>
           <a:p>
-            <a:r>
-              <a:rPr lang="en-US" altLang="ko-KR" b="1" spc="100" dirty="0">
+            <a:pPr algn="l"/>
+            <a:r>
+              <a:rPr lang="ko-KR" altLang="en-US" sz="1800" b="1" spc="100" dirty="0">
                 <a:solidFill>
                   <a:srgbClr val="5E3960"/>
                 </a:solidFill>
                 <a:latin typeface="나눔고딕" pitchFamily="50" charset="-127"/>
                 <a:ea typeface="나눔고딕" pitchFamily="50" charset="-127"/>
               </a:rPr>
-              <a:t>3</a:t>
-            </a:r>
-            <a:r>
-              <a:rPr lang="ko-KR" altLang="en-US" b="1" spc="100" dirty="0">
-                <a:solidFill>
-                  <a:srgbClr val="5E3960"/>
-                </a:solidFill>
-                <a:latin typeface="나눔고딕" pitchFamily="50" charset="-127"/>
-                <a:ea typeface="나눔고딕" pitchFamily="50" charset="-127"/>
-              </a:rPr>
-              <a:t> </a:t>
-            </a:r>
-            <a:r>
-              <a:rPr lang="en-US" altLang="ko-KR" b="1" spc="100" dirty="0">
-                <a:solidFill>
-                  <a:srgbClr val="5E3960"/>
-                </a:solidFill>
-                <a:latin typeface="나눔고딕" pitchFamily="50" charset="-127"/>
-                <a:ea typeface="나눔고딕" pitchFamily="50" charset="-127"/>
-              </a:rPr>
-              <a:t>mixed dataset</a:t>
-            </a:r>
-            <a:r>
-              <a:rPr lang="ko-KR" altLang="en-US" b="1" spc="100" dirty="0">
-                <a:solidFill>
-                  <a:srgbClr val="5E3960"/>
-                </a:solidFill>
-                <a:latin typeface="나눔고딕" pitchFamily="50" charset="-127"/>
-                <a:ea typeface="나눔고딕" pitchFamily="50" charset="-127"/>
-              </a:rPr>
-              <a:t>으로 학습된 모델 사용</a:t>
+              <a:t>신원철</a:t>
+            </a:r>
+            <a:endParaRPr lang="en-US" altLang="ko-KR" sz="1800" b="1" spc="100" dirty="0">
+              <a:solidFill>
+                <a:srgbClr val="5E3960"/>
+              </a:solidFill>
+              <a:latin typeface="나눔고딕" pitchFamily="50" charset="-127"/>
+              <a:ea typeface="나눔고딕" pitchFamily="50" charset="-127"/>
+            </a:endParaRPr>
+          </a:p>
+        </p:txBody>
+      </p:sp>
+      <p:sp>
+        <p:nvSpPr>
+          <p:cNvPr id="3" name="TextBox 2">
+            <a:extLst>
+              <a:ext uri="{FF2B5EF4-FFF2-40B4-BE49-F238E27FC236}">
+                <a16:creationId xmlns:a16="http://schemas.microsoft.com/office/drawing/2014/main" id="{04DA996F-89F6-DAF3-5180-1C32F049DFA5}"/>
+              </a:ext>
+            </a:extLst>
+          </p:cNvPr>
+          <p:cNvSpPr txBox="1"/>
+          <p:nvPr/>
+        </p:nvSpPr>
+        <p:spPr>
+          <a:xfrm>
+            <a:off x="1330752" y="4182054"/>
+            <a:ext cx="6172368" cy="369332"/>
+          </a:xfrm>
+          <a:prstGeom prst="rect">
+            <a:avLst/>
+          </a:prstGeom>
+          <a:noFill/>
+        </p:spPr>
+        <p:txBody>
+          <a:bodyPr wrap="square" rtlCol="0">
+            <a:spAutoFit/>
+          </a:bodyPr>
+          <a:lstStyle/>
+          <a:p>
+            <a:r>
+              <a:rPr lang="ko-KR" altLang="en-US" dirty="0"/>
+              <a:t>화자 분리 데이터 및 모델 학습</a:t>
             </a:r>
           </a:p>
         </p:txBody>
@@ -9769,7 +10838,7 @@
     </p:spTree>
     <p:extLst>
       <p:ext uri="{BB962C8B-B14F-4D97-AF65-F5344CB8AC3E}">
-        <p14:creationId xmlns:p14="http://schemas.microsoft.com/office/powerpoint/2010/main" val="3736645018"/>
+        <p14:creationId xmlns:p14="http://schemas.microsoft.com/office/powerpoint/2010/main" val="2365361777"/>
       </p:ext>
     </p:extLst>
   </p:cSld>
@@ -9779,7 +10848,7 @@
 </p:sld>
 </file>
 
-<file path=ppt/slides/slide4.xml><?xml version="1.0" encoding="utf-8"?>
+<file path=ppt/slides/slide3.xml><?xml version="1.0" encoding="utf-8"?>
 <p:sld xmlns:a="http://schemas.openxmlformats.org/drawingml/2006/main" xmlns:r="http://schemas.openxmlformats.org/officeDocument/2006/relationships" xmlns:p="http://schemas.openxmlformats.org/presentationml/2006/main">
   <p:cSld>
     <p:spTree>
@@ -9804,7 +10873,7 @@
         </p:nvGrpSpPr>
         <p:grpSpPr>
           <a:xfrm>
-            <a:off x="0" y="261017"/>
+            <a:off x="-41812" y="179909"/>
             <a:ext cx="9153144" cy="6318504"/>
             <a:chOff x="28575" y="464884"/>
             <a:chExt cx="9153144" cy="6318504"/>
@@ -9930,6 +10999,32 @@
           <a:noFill/>
         </p:spPr>
       </p:pic>
+      <p:pic>
+        <p:nvPicPr>
+          <p:cNvPr id="2050" name="Picture 2" descr="C:\Users\Administrator\Desktop\인하대학교\05_템플릿\01_작업\확정\01\PNG\02.png"/>
+          <p:cNvPicPr>
+            <a:picLocks noChangeAspect="1" noChangeArrowheads="1"/>
+          </p:cNvPicPr>
+          <p:nvPr/>
+        </p:nvPicPr>
+        <p:blipFill>
+          <a:blip r:embed="rId7"/>
+          <a:srcRect t="-140000" b="-140000"/>
+          <a:stretch>
+            <a:fillRect/>
+          </a:stretch>
+        </p:blipFill>
+        <p:spPr bwMode="auto">
+          <a:xfrm>
+            <a:off x="479396" y="1800405"/>
+            <a:ext cx="8110728" cy="69494"/>
+          </a:xfrm>
+          <a:prstGeom prst="rect">
+            <a:avLst/>
+          </a:prstGeom>
+          <a:noFill/>
+        </p:spPr>
+      </p:pic>
       <p:grpSp>
         <p:nvGrpSpPr>
           <p:cNvPr id="10" name="그룹 9"/>
@@ -9953,7 +11048,7 @@
             <p:nvPr/>
           </p:nvPicPr>
           <p:blipFill>
-            <a:blip r:embed="rId7"/>
+            <a:blip r:embed="rId8"/>
             <a:srcRect/>
             <a:stretch>
               <a:fillRect/>
@@ -10025,7 +11120,7 @@
         <p:spPr>
           <a:xfrm>
             <a:off x="3461133" y="767538"/>
-            <a:ext cx="2595582" cy="430887"/>
+            <a:ext cx="2313454" cy="430887"/>
           </a:xfrm>
           <a:prstGeom prst="rect">
             <a:avLst/>
@@ -10046,7 +11141,7 @@
                 <a:latin typeface="나눔명조 ExtraBold" pitchFamily="18" charset="-127"/>
                 <a:ea typeface="나눔명조 ExtraBold" pitchFamily="18" charset="-127"/>
               </a:rPr>
-              <a:t>2. </a:t>
+              <a:t>1. </a:t>
             </a:r>
             <a:r>
               <a:rPr lang="ko-KR" altLang="en-US" sz="2200" b="1" i="1" dirty="0">
@@ -10056,47 +11151,94 @@
                 <a:latin typeface="나눔명조 ExtraBold" pitchFamily="18" charset="-127"/>
                 <a:ea typeface="나눔명조 ExtraBold" pitchFamily="18" charset="-127"/>
               </a:rPr>
-              <a:t>프로젝트 진행도</a:t>
+              <a:t>지난주 문제점</a:t>
+            </a:r>
+          </a:p>
+        </p:txBody>
+      </p:sp>
+      <p:sp>
+        <p:nvSpPr>
+          <p:cNvPr id="11" name="TextBox 10"/>
+          <p:cNvSpPr txBox="1"/>
+          <p:nvPr/>
+        </p:nvSpPr>
+        <p:spPr>
+          <a:xfrm>
+            <a:off x="765148" y="1358092"/>
+            <a:ext cx="1366080" cy="400110"/>
+          </a:xfrm>
+          <a:prstGeom prst="rect">
+            <a:avLst/>
+          </a:prstGeom>
+          <a:noFill/>
+        </p:spPr>
+        <p:txBody>
+          <a:bodyPr wrap="none" rtlCol="0">
+            <a:spAutoFit/>
+          </a:bodyPr>
+          <a:lstStyle/>
+          <a:p>
+            <a:r>
+              <a:rPr lang="en-US" altLang="ko-KR" sz="2000" b="1" dirty="0">
+                <a:solidFill>
+                  <a:srgbClr val="5C431E"/>
+                </a:solidFill>
+                <a:latin typeface="나눔고딕" pitchFamily="50" charset="-127"/>
+                <a:ea typeface="나눔고딕" pitchFamily="50" charset="-127"/>
+              </a:rPr>
+              <a:t>1.1 </a:t>
+            </a:r>
+            <a:r>
+              <a:rPr lang="ko-KR" altLang="en-US" sz="2000" b="1" dirty="0">
+                <a:solidFill>
+                  <a:srgbClr val="5C431E"/>
+                </a:solidFill>
+                <a:latin typeface="나눔고딕" pitchFamily="50" charset="-127"/>
+                <a:ea typeface="나눔고딕" pitchFamily="50" charset="-127"/>
+              </a:rPr>
+              <a:t>한계점</a:t>
             </a:r>
           </a:p>
         </p:txBody>
       </p:sp>
       <p:pic>
         <p:nvPicPr>
-          <p:cNvPr id="4" name="그림 3">
+          <p:cNvPr id="2" name="Picture 2" descr="C:\Users\Administrator\Desktop\인하대학교\05_템플릿\01_작업\확정\01\PNG\09.png">
             <a:extLst>
               <a:ext uri="{FF2B5EF4-FFF2-40B4-BE49-F238E27FC236}">
-                <a16:creationId xmlns:a16="http://schemas.microsoft.com/office/drawing/2014/main" id="{68995E8B-12D1-ECE6-E97A-AEE1298476FD}"/>
+                <a16:creationId xmlns:a16="http://schemas.microsoft.com/office/drawing/2014/main" id="{01C956C6-4DBE-1B03-B43B-51BE3CEEB105}"/>
               </a:ext>
             </a:extLst>
           </p:cNvPr>
           <p:cNvPicPr>
-            <a:picLocks noChangeAspect="1"/>
+            <a:picLocks noChangeAspect="1" noChangeArrowheads="1"/>
           </p:cNvPicPr>
           <p:nvPr/>
         </p:nvPicPr>
         <p:blipFill>
-          <a:blip r:embed="rId8"/>
+          <a:blip r:embed="rId9"/>
+          <a:srcRect/>
           <a:stretch>
             <a:fillRect/>
           </a:stretch>
         </p:blipFill>
-        <p:spPr>
-          <a:xfrm>
-            <a:off x="912812" y="2258219"/>
-            <a:ext cx="7419975" cy="2324100"/>
+        <p:spPr bwMode="auto">
+          <a:xfrm>
+            <a:off x="1109456" y="2026753"/>
+            <a:ext cx="356235" cy="396716"/>
           </a:xfrm>
           <a:prstGeom prst="rect">
             <a:avLst/>
           </a:prstGeom>
+          <a:noFill/>
         </p:spPr>
       </p:pic>
       <p:sp>
         <p:nvSpPr>
-          <p:cNvPr id="2" name="TextBox 1">
+          <p:cNvPr id="6" name="TextBox 5">
             <a:extLst>
               <a:ext uri="{FF2B5EF4-FFF2-40B4-BE49-F238E27FC236}">
-                <a16:creationId xmlns:a16="http://schemas.microsoft.com/office/drawing/2014/main" id="{EFB49472-90E6-0E59-8080-AFF6D141361D}"/>
+                <a16:creationId xmlns:a16="http://schemas.microsoft.com/office/drawing/2014/main" id="{FD905168-04F8-5DBA-436D-C382C0D7C2C2}"/>
               </a:ext>
             </a:extLst>
           </p:cNvPr>
@@ -10105,8 +11247,8 @@
         </p:nvSpPr>
         <p:spPr>
           <a:xfrm>
-            <a:off x="4046736" y="2857501"/>
-            <a:ext cx="1919020" cy="338554"/>
+            <a:off x="1137133" y="2025905"/>
+            <a:ext cx="286393" cy="369332"/>
           </a:xfrm>
           <a:prstGeom prst="rect">
             <a:avLst/>
@@ -10114,25 +11256,243 @@
           <a:noFill/>
         </p:spPr>
         <p:txBody>
+          <a:bodyPr wrap="square">
+            <a:spAutoFit/>
+          </a:bodyPr>
+          <a:lstStyle/>
+          <a:p>
+            <a:pPr algn="ctr"/>
+            <a:r>
+              <a:rPr lang="en-US" altLang="ko-KR" sz="1800" b="1" dirty="0">
+                <a:solidFill>
+                  <a:srgbClr val="5B4058"/>
+                </a:solidFill>
+                <a:latin typeface="나눔고딕" pitchFamily="50" charset="-127"/>
+                <a:ea typeface="나눔고딕" pitchFamily="50" charset="-127"/>
+              </a:rPr>
+              <a:t>1</a:t>
+            </a:r>
+          </a:p>
+        </p:txBody>
+      </p:sp>
+      <p:sp>
+        <p:nvSpPr>
+          <p:cNvPr id="19" name="TextBox 18">
+            <a:extLst>
+              <a:ext uri="{FF2B5EF4-FFF2-40B4-BE49-F238E27FC236}">
+                <a16:creationId xmlns:a16="http://schemas.microsoft.com/office/drawing/2014/main" id="{4B1C32E0-5C8D-3F7F-9E9B-2DEE25DA672A}"/>
+              </a:ext>
+            </a:extLst>
+          </p:cNvPr>
+          <p:cNvSpPr txBox="1"/>
+          <p:nvPr/>
+        </p:nvSpPr>
+        <p:spPr>
+          <a:xfrm>
+            <a:off x="1500610" y="2018654"/>
+            <a:ext cx="6722589" cy="369332"/>
+          </a:xfrm>
+          <a:prstGeom prst="rect">
+            <a:avLst/>
+          </a:prstGeom>
+          <a:noFill/>
+        </p:spPr>
+        <p:txBody>
+          <a:bodyPr wrap="square">
+            <a:spAutoFit/>
+          </a:bodyPr>
+          <a:lstStyle/>
+          <a:p>
+            <a:pPr algn="l"/>
+            <a:r>
+              <a:rPr lang="en-US" altLang="ko-KR" sz="1800" b="1" spc="100" dirty="0">
+                <a:solidFill>
+                  <a:srgbClr val="5E3960"/>
+                </a:solidFill>
+                <a:latin typeface="나눔고딕" pitchFamily="50" charset="-127"/>
+                <a:ea typeface="나눔고딕" pitchFamily="50" charset="-127"/>
+              </a:rPr>
+              <a:t>General</a:t>
+            </a:r>
+            <a:r>
+              <a:rPr lang="ko-KR" altLang="en-US" sz="1800" b="1" spc="100" dirty="0">
+                <a:solidFill>
+                  <a:srgbClr val="5E3960"/>
+                </a:solidFill>
+                <a:latin typeface="나눔고딕" pitchFamily="50" charset="-127"/>
+                <a:ea typeface="나눔고딕" pitchFamily="50" charset="-127"/>
+              </a:rPr>
+              <a:t>하지 못한 시스템</a:t>
+            </a:r>
+            <a:endParaRPr lang="en-US" altLang="ko-KR" sz="1800" b="1" spc="100" dirty="0">
+              <a:solidFill>
+                <a:srgbClr val="5E3960"/>
+              </a:solidFill>
+              <a:latin typeface="나눔고딕" pitchFamily="50" charset="-127"/>
+              <a:ea typeface="나눔고딕" pitchFamily="50" charset="-127"/>
+            </a:endParaRPr>
+          </a:p>
+        </p:txBody>
+      </p:sp>
+      <p:sp>
+        <p:nvSpPr>
+          <p:cNvPr id="5" name="TextBox 4">
+            <a:extLst>
+              <a:ext uri="{FF2B5EF4-FFF2-40B4-BE49-F238E27FC236}">
+                <a16:creationId xmlns:a16="http://schemas.microsoft.com/office/drawing/2014/main" id="{4808E1B1-1425-4C61-B1D1-A9A910D67372}"/>
+              </a:ext>
+            </a:extLst>
+          </p:cNvPr>
+          <p:cNvSpPr txBox="1"/>
+          <p:nvPr/>
+        </p:nvSpPr>
+        <p:spPr>
+          <a:xfrm>
+            <a:off x="1330752" y="2593339"/>
+            <a:ext cx="6172368" cy="646331"/>
+          </a:xfrm>
+          <a:prstGeom prst="rect">
+            <a:avLst/>
+          </a:prstGeom>
+          <a:noFill/>
+        </p:spPr>
+        <p:txBody>
           <a:bodyPr wrap="square" rtlCol="0">
             <a:spAutoFit/>
           </a:bodyPr>
           <a:lstStyle/>
           <a:p>
             <a:r>
-              <a:rPr lang="en-US" altLang="ko-KR" sz="1600" b="1" dirty="0" err="1"/>
-              <a:t>sepformer</a:t>
-            </a:r>
-            <a:endParaRPr lang="ko-KR" altLang="en-US" sz="1600" b="1" dirty="0"/>
+              <a:rPr lang="ko-KR" altLang="en-US" dirty="0"/>
+              <a:t>특정 상황에서만 사용 가능한 시스템 보다 일반적인 상황에서 사용 가능한 시스템을 목표로 해야함</a:t>
+            </a:r>
+          </a:p>
+        </p:txBody>
+      </p:sp>
+      <p:pic>
+        <p:nvPicPr>
+          <p:cNvPr id="4" name="Picture 2" descr="C:\Users\Administrator\Desktop\인하대학교\05_템플릿\01_작업\확정\01\PNG\09.png">
+            <a:extLst>
+              <a:ext uri="{FF2B5EF4-FFF2-40B4-BE49-F238E27FC236}">
+                <a16:creationId xmlns:a16="http://schemas.microsoft.com/office/drawing/2014/main" id="{830A7913-7FC4-463F-CCDD-2F638FE2888A}"/>
+              </a:ext>
+            </a:extLst>
+          </p:cNvPr>
+          <p:cNvPicPr>
+            <a:picLocks noChangeAspect="1" noChangeArrowheads="1"/>
+          </p:cNvPicPr>
+          <p:nvPr/>
+        </p:nvPicPr>
+        <p:blipFill>
+          <a:blip r:embed="rId9"/>
+          <a:srcRect/>
+          <a:stretch>
+            <a:fillRect/>
+          </a:stretch>
+        </p:blipFill>
+        <p:spPr bwMode="auto">
+          <a:xfrm>
+            <a:off x="1109456" y="3636434"/>
+            <a:ext cx="356235" cy="396716"/>
+          </a:xfrm>
+          <a:prstGeom prst="rect">
+            <a:avLst/>
+          </a:prstGeom>
+          <a:noFill/>
+        </p:spPr>
+      </p:pic>
+      <p:sp>
+        <p:nvSpPr>
+          <p:cNvPr id="16" name="TextBox 15">
+            <a:extLst>
+              <a:ext uri="{FF2B5EF4-FFF2-40B4-BE49-F238E27FC236}">
+                <a16:creationId xmlns:a16="http://schemas.microsoft.com/office/drawing/2014/main" id="{22727EAD-A8EB-7CFE-6535-41E1880C5974}"/>
+              </a:ext>
+            </a:extLst>
+          </p:cNvPr>
+          <p:cNvSpPr txBox="1"/>
+          <p:nvPr/>
+        </p:nvSpPr>
+        <p:spPr>
+          <a:xfrm>
+            <a:off x="1161795" y="3637342"/>
+            <a:ext cx="286393" cy="369332"/>
+          </a:xfrm>
+          <a:prstGeom prst="rect">
+            <a:avLst/>
+          </a:prstGeom>
+          <a:noFill/>
+        </p:spPr>
+        <p:txBody>
+          <a:bodyPr wrap="square">
+            <a:spAutoFit/>
+          </a:bodyPr>
+          <a:lstStyle/>
+          <a:p>
+            <a:pPr algn="ctr"/>
+            <a:r>
+              <a:rPr lang="en-US" altLang="ko-KR" sz="1800" b="1" dirty="0">
+                <a:solidFill>
+                  <a:srgbClr val="5B4058"/>
+                </a:solidFill>
+                <a:latin typeface="나눔고딕" pitchFamily="50" charset="-127"/>
+                <a:ea typeface="나눔고딕" pitchFamily="50" charset="-127"/>
+              </a:rPr>
+              <a:t>2</a:t>
+            </a:r>
+          </a:p>
+        </p:txBody>
+      </p:sp>
+      <p:sp>
+        <p:nvSpPr>
+          <p:cNvPr id="17" name="TextBox 16">
+            <a:extLst>
+              <a:ext uri="{FF2B5EF4-FFF2-40B4-BE49-F238E27FC236}">
+                <a16:creationId xmlns:a16="http://schemas.microsoft.com/office/drawing/2014/main" id="{FDDF2B4B-F616-50D8-8961-5C2DAB106A06}"/>
+              </a:ext>
+            </a:extLst>
+          </p:cNvPr>
+          <p:cNvSpPr txBox="1"/>
+          <p:nvPr/>
+        </p:nvSpPr>
+        <p:spPr>
+          <a:xfrm>
+            <a:off x="1543790" y="3586396"/>
+            <a:ext cx="6722589" cy="369332"/>
+          </a:xfrm>
+          <a:prstGeom prst="rect">
+            <a:avLst/>
+          </a:prstGeom>
+          <a:noFill/>
+        </p:spPr>
+        <p:txBody>
+          <a:bodyPr wrap="square">
+            <a:spAutoFit/>
+          </a:bodyPr>
+          <a:lstStyle/>
+          <a:p>
+            <a:pPr algn="l"/>
+            <a:r>
+              <a:rPr lang="ko-KR" altLang="en-US" sz="1800" b="1" spc="100" dirty="0">
+                <a:solidFill>
+                  <a:srgbClr val="5E3960"/>
+                </a:solidFill>
+                <a:latin typeface="나눔고딕" pitchFamily="50" charset="-127"/>
+                <a:ea typeface="나눔고딕" pitchFamily="50" charset="-127"/>
+              </a:rPr>
+              <a:t>화자 분리를 하지 않는 모델과 성능 비교 불필요</a:t>
+            </a:r>
+            <a:endParaRPr lang="en-US" altLang="ko-KR" sz="1800" b="1" spc="100" dirty="0">
+              <a:solidFill>
+                <a:srgbClr val="5E3960"/>
+              </a:solidFill>
+              <a:latin typeface="나눔고딕" pitchFamily="50" charset="-127"/>
+              <a:ea typeface="나눔고딕" pitchFamily="50" charset="-127"/>
+            </a:endParaRPr>
           </a:p>
         </p:txBody>
       </p:sp>
     </p:spTree>
-    <p:extLst>
-      <p:ext uri="{BB962C8B-B14F-4D97-AF65-F5344CB8AC3E}">
-        <p14:creationId xmlns:p14="http://schemas.microsoft.com/office/powerpoint/2010/main" val="435922157"/>
-      </p:ext>
-    </p:extLst>
   </p:cSld>
   <p:clrMapOvr>
     <a:masterClrMapping/>
@@ -10140,7 +11500,7 @@
 </p:sld>
 </file>
 
-<file path=ppt/slides/slide5.xml><?xml version="1.0" encoding="utf-8"?>
+<file path=ppt/slides/slide4.xml><?xml version="1.0" encoding="utf-8"?>
 <p:sld xmlns:a="http://schemas.openxmlformats.org/drawingml/2006/main" xmlns:r="http://schemas.openxmlformats.org/officeDocument/2006/relationships" xmlns:p="http://schemas.openxmlformats.org/presentationml/2006/main">
   <p:cSld>
     <p:spTree>
@@ -10165,7 +11525,7 @@
         </p:nvGrpSpPr>
         <p:grpSpPr>
           <a:xfrm>
-            <a:off x="-41812" y="179909"/>
+            <a:off x="-47927" y="261017"/>
             <a:ext cx="9153144" cy="6318504"/>
             <a:chOff x="28575" y="464884"/>
             <a:chExt cx="9153144" cy="6318504"/>
@@ -10412,7 +11772,7 @@
         <p:spPr>
           <a:xfrm>
             <a:off x="3461133" y="767538"/>
-            <a:ext cx="1749197" cy="430887"/>
+            <a:ext cx="2313454" cy="430887"/>
           </a:xfrm>
           <a:prstGeom prst="rect">
             <a:avLst/>
@@ -10433,7 +11793,7 @@
                 <a:latin typeface="나눔명조 ExtraBold" pitchFamily="18" charset="-127"/>
                 <a:ea typeface="나눔명조 ExtraBold" pitchFamily="18" charset="-127"/>
               </a:rPr>
-              <a:t>3. </a:t>
+              <a:t>1. </a:t>
             </a:r>
             <a:r>
               <a:rPr lang="ko-KR" altLang="en-US" sz="2200" b="1" i="1" dirty="0">
@@ -10443,7 +11803,7 @@
                 <a:latin typeface="나눔명조 ExtraBold" pitchFamily="18" charset="-127"/>
                 <a:ea typeface="나눔명조 ExtraBold" pitchFamily="18" charset="-127"/>
               </a:rPr>
-              <a:t>세부 계획</a:t>
+              <a:t>지난주 문제점</a:t>
             </a:r>
           </a:p>
         </p:txBody>
@@ -10457,7 +11817,7 @@
         <p:spPr>
           <a:xfrm>
             <a:off x="765148" y="1358092"/>
-            <a:ext cx="2544286" cy="400110"/>
+            <a:ext cx="1750800" cy="400110"/>
           </a:xfrm>
           <a:prstGeom prst="rect">
             <a:avLst/>
@@ -10478,7 +11838,7 @@
                 <a:latin typeface="나눔고딕" pitchFamily="50" charset="-127"/>
                 <a:ea typeface="나눔고딕" pitchFamily="50" charset="-127"/>
               </a:rPr>
-              <a:t>3.1 </a:t>
+              <a:t>1.2 </a:t>
             </a:r>
             <a:r>
               <a:rPr lang="ko-KR" altLang="en-US" sz="2000" b="1" dirty="0">
@@ -10488,8 +11848,15 @@
                 <a:latin typeface="나눔고딕" pitchFamily="50" charset="-127"/>
                 <a:ea typeface="나눔고딕" pitchFamily="50" charset="-127"/>
               </a:rPr>
-              <a:t>음성 신호 전 처리</a:t>
-            </a:r>
+              <a:t>추가 사항 </a:t>
+            </a:r>
+            <a:endParaRPr lang="en-US" altLang="ko-KR" sz="2000" b="0" i="0" dirty="0">
+              <a:solidFill>
+                <a:srgbClr val="222222"/>
+              </a:solidFill>
+              <a:effectLst/>
+              <a:latin typeface="Noto Sans DemiLight"/>
+            </a:endParaRPr>
           </a:p>
         </p:txBody>
       </p:sp>
@@ -10539,7 +11906,7 @@
         </p:nvSpPr>
         <p:spPr>
           <a:xfrm>
-            <a:off x="1137133" y="2025905"/>
+            <a:off x="1144376" y="2054137"/>
             <a:ext cx="286393" cy="369332"/>
           </a:xfrm>
           <a:prstGeom prst="rect">
@@ -10555,7 +11922,7 @@
           <a:p>
             <a:pPr algn="ctr"/>
             <a:r>
-              <a:rPr lang="en-US" altLang="ko-KR" sz="1800" b="1" dirty="0">
+              <a:rPr lang="en-US" altLang="ko-KR" b="1" dirty="0">
                 <a:solidFill>
                   <a:srgbClr val="5B4058"/>
                 </a:solidFill>
@@ -10564,15 +11931,22 @@
               </a:rPr>
               <a:t>1</a:t>
             </a:r>
-          </a:p>
-        </p:txBody>
-      </p:sp>
-      <p:sp>
-        <p:nvSpPr>
-          <p:cNvPr id="19" name="TextBox 18">
+            <a:endParaRPr lang="en-US" altLang="ko-KR" sz="1800" b="1" dirty="0">
+              <a:solidFill>
+                <a:srgbClr val="5B4058"/>
+              </a:solidFill>
+              <a:latin typeface="나눔고딕" pitchFamily="50" charset="-127"/>
+              <a:ea typeface="나눔고딕" pitchFamily="50" charset="-127"/>
+            </a:endParaRPr>
+          </a:p>
+        </p:txBody>
+      </p:sp>
+      <p:sp>
+        <p:nvSpPr>
+          <p:cNvPr id="3" name="TextBox 2">
             <a:extLst>
               <a:ext uri="{FF2B5EF4-FFF2-40B4-BE49-F238E27FC236}">
-                <a16:creationId xmlns:a16="http://schemas.microsoft.com/office/drawing/2014/main" id="{4B1C32E0-5C8D-3F7F-9E9B-2DEE25DA672A}"/>
+                <a16:creationId xmlns:a16="http://schemas.microsoft.com/office/drawing/2014/main" id="{F347F30C-3049-608A-E91E-83FDEC8D66A9}"/>
               </a:ext>
             </a:extLst>
           </p:cNvPr>
@@ -10581,8 +11955,8 @@
         </p:nvSpPr>
         <p:spPr>
           <a:xfrm>
-            <a:off x="1500610" y="2018654"/>
-            <a:ext cx="6722589" cy="369332"/>
+            <a:off x="1500611" y="2039769"/>
+            <a:ext cx="5413353" cy="369332"/>
           </a:xfrm>
           <a:prstGeom prst="rect">
             <a:avLst/>
@@ -10590,25 +11964,98 @@
           <a:noFill/>
         </p:spPr>
         <p:txBody>
-          <a:bodyPr wrap="square">
+          <a:bodyPr wrap="square" rtlCol="0">
             <a:spAutoFit/>
           </a:bodyPr>
           <a:lstStyle/>
           <a:p>
-            <a:pPr algn="l"/>
-            <a:r>
-              <a:rPr lang="ko-KR" altLang="en-US" sz="1800" b="1" spc="100" dirty="0">
+            <a:r>
+              <a:rPr lang="ko-KR" altLang="en-US" b="1" spc="100" dirty="0">
                 <a:solidFill>
                   <a:srgbClr val="5E3960"/>
                 </a:solidFill>
                 <a:latin typeface="나눔고딕" pitchFamily="50" charset="-127"/>
                 <a:ea typeface="나눔고딕" pitchFamily="50" charset="-127"/>
               </a:rPr>
-              <a:t>기존 음성 신호 전 처리 방식의 문제점</a:t>
-            </a:r>
-            <a:endParaRPr lang="en-US" altLang="ko-KR" sz="1800" b="1" spc="100" dirty="0">
+              <a:t>음성 구간 분리 시 시간 제한</a:t>
+            </a:r>
+          </a:p>
+        </p:txBody>
+      </p:sp>
+      <p:pic>
+        <p:nvPicPr>
+          <p:cNvPr id="5" name="Picture 2" descr="C:\Users\Administrator\Desktop\인하대학교\05_템플릿\01_작업\확정\01\PNG\09.png">
+            <a:extLst>
+              <a:ext uri="{FF2B5EF4-FFF2-40B4-BE49-F238E27FC236}">
+                <a16:creationId xmlns:a16="http://schemas.microsoft.com/office/drawing/2014/main" id="{CD5AA9A9-1DEE-C65D-E9B0-ED1E96B7393C}"/>
+              </a:ext>
+            </a:extLst>
+          </p:cNvPr>
+          <p:cNvPicPr>
+            <a:picLocks noChangeAspect="1" noChangeArrowheads="1"/>
+          </p:cNvPicPr>
+          <p:nvPr/>
+        </p:nvPicPr>
+        <p:blipFill>
+          <a:blip r:embed="rId9"/>
+          <a:srcRect/>
+          <a:stretch>
+            <a:fillRect/>
+          </a:stretch>
+        </p:blipFill>
+        <p:spPr bwMode="auto">
+          <a:xfrm>
+            <a:off x="1109456" y="3749567"/>
+            <a:ext cx="356235" cy="396716"/>
+          </a:xfrm>
+          <a:prstGeom prst="rect">
+            <a:avLst/>
+          </a:prstGeom>
+          <a:noFill/>
+        </p:spPr>
+      </p:pic>
+      <p:sp>
+        <p:nvSpPr>
+          <p:cNvPr id="16" name="TextBox 15">
+            <a:extLst>
+              <a:ext uri="{FF2B5EF4-FFF2-40B4-BE49-F238E27FC236}">
+                <a16:creationId xmlns:a16="http://schemas.microsoft.com/office/drawing/2014/main" id="{803965C0-C632-A7CA-0C83-D62E0CC40658}"/>
+              </a:ext>
+            </a:extLst>
+          </p:cNvPr>
+          <p:cNvSpPr txBox="1"/>
+          <p:nvPr/>
+        </p:nvSpPr>
+        <p:spPr>
+          <a:xfrm>
+            <a:off x="1144376" y="3752920"/>
+            <a:ext cx="286393" cy="369332"/>
+          </a:xfrm>
+          <a:prstGeom prst="rect">
+            <a:avLst/>
+          </a:prstGeom>
+          <a:noFill/>
+        </p:spPr>
+        <p:txBody>
+          <a:bodyPr wrap="square">
+            <a:spAutoFit/>
+          </a:bodyPr>
+          <a:lstStyle/>
+          <a:p>
+            <a:pPr algn="ctr"/>
+            <a:r>
+              <a:rPr lang="en-US" altLang="ko-KR" b="1" dirty="0">
+                <a:solidFill>
+                  <a:srgbClr val="5B4058"/>
+                </a:solidFill>
+                <a:latin typeface="나눔고딕" pitchFamily="50" charset="-127"/>
+                <a:ea typeface="나눔고딕" pitchFamily="50" charset="-127"/>
+              </a:rPr>
+              <a:t>2</a:t>
+            </a:r>
+            <a:endParaRPr lang="en-US" altLang="ko-KR" sz="1800" b="1" dirty="0">
               <a:solidFill>
-                <a:srgbClr val="5E3960"/>
+                <a:srgbClr val="5B4058"/>
               </a:solidFill>
               <a:latin typeface="나눔고딕" pitchFamily="50" charset="-127"/>
               <a:ea typeface="나눔고딕" pitchFamily="50" charset="-127"/>
@@ -10618,10 +12065,10 @@
       </p:sp>
       <p:sp>
         <p:nvSpPr>
-          <p:cNvPr id="5" name="TextBox 4">
+          <p:cNvPr id="17" name="TextBox 16">
             <a:extLst>
               <a:ext uri="{FF2B5EF4-FFF2-40B4-BE49-F238E27FC236}">
-                <a16:creationId xmlns:a16="http://schemas.microsoft.com/office/drawing/2014/main" id="{4808E1B1-1425-4C61-B1D1-A9A910D67372}"/>
+                <a16:creationId xmlns:a16="http://schemas.microsoft.com/office/drawing/2014/main" id="{D610E0F6-82F3-96BB-5B65-098E59FE5F68}"/>
               </a:ext>
             </a:extLst>
           </p:cNvPr>
@@ -10630,8 +12077,8 @@
         </p:nvSpPr>
         <p:spPr>
           <a:xfrm>
-            <a:off x="1330751" y="2593339"/>
-            <a:ext cx="7036465" cy="1200329"/>
+            <a:off x="1532377" y="3752920"/>
+            <a:ext cx="5413353" cy="369332"/>
           </a:xfrm>
           <a:prstGeom prst="rect">
             <a:avLst/>
@@ -10644,41 +12091,53 @@
           </a:bodyPr>
           <a:lstStyle/>
           <a:p>
-            <a:pPr marL="342900" indent="-342900">
-              <a:buAutoNum type="arabicPeriod"/>
-            </a:pPr>
-            <a:r>
-              <a:rPr lang="en-US" altLang="ko-KR" dirty="0"/>
-              <a:t>VAD</a:t>
-            </a:r>
-            <a:r>
-              <a:rPr lang="ko-KR" altLang="en-US" dirty="0"/>
-              <a:t>알고리즘 만으로 음성 분리 시 음성 신호의 구간이 길어 질 수 있음</a:t>
-            </a:r>
-            <a:endParaRPr lang="en-US" altLang="ko-KR" dirty="0"/>
-          </a:p>
-          <a:p>
-            <a:pPr marL="342900" indent="-342900">
-              <a:buAutoNum type="arabicPeriod"/>
-            </a:pPr>
-            <a:endParaRPr lang="en-US" altLang="ko-KR" dirty="0"/>
-          </a:p>
-          <a:p>
-            <a:pPr marL="342900" indent="-342900">
-              <a:buAutoNum type="arabicPeriod"/>
-            </a:pPr>
-            <a:r>
-              <a:rPr lang="ko-KR" altLang="en-US" dirty="0"/>
-              <a:t>음성 신호 구간 내에 화자의 수가 증가할 수 있음</a:t>
-            </a:r>
-            <a:endParaRPr lang="en-US" altLang="ko-KR" dirty="0"/>
+            <a:r>
+              <a:rPr lang="en-US" altLang="ko-KR" b="1" spc="100" dirty="0">
+                <a:solidFill>
+                  <a:srgbClr val="5E3960"/>
+                </a:solidFill>
+                <a:latin typeface="나눔고딕" pitchFamily="50" charset="-127"/>
+                <a:ea typeface="나눔고딕" pitchFamily="50" charset="-127"/>
+              </a:rPr>
+              <a:t>3</a:t>
+            </a:r>
+            <a:r>
+              <a:rPr lang="ko-KR" altLang="en-US" b="1" spc="100" dirty="0">
+                <a:solidFill>
+                  <a:srgbClr val="5E3960"/>
+                </a:solidFill>
+                <a:latin typeface="나눔고딕" pitchFamily="50" charset="-127"/>
+                <a:ea typeface="나눔고딕" pitchFamily="50" charset="-127"/>
+              </a:rPr>
+              <a:t> </a:t>
+            </a:r>
+            <a:r>
+              <a:rPr lang="en-US" altLang="ko-KR" b="1" spc="100" dirty="0">
+                <a:solidFill>
+                  <a:srgbClr val="5E3960"/>
+                </a:solidFill>
+                <a:latin typeface="나눔고딕" pitchFamily="50" charset="-127"/>
+                <a:ea typeface="나눔고딕" pitchFamily="50" charset="-127"/>
+              </a:rPr>
+              <a:t>mixed dataset</a:t>
+            </a:r>
+            <a:r>
+              <a:rPr lang="ko-KR" altLang="en-US" b="1" spc="100" dirty="0">
+                <a:solidFill>
+                  <a:srgbClr val="5E3960"/>
+                </a:solidFill>
+                <a:latin typeface="나눔고딕" pitchFamily="50" charset="-127"/>
+                <a:ea typeface="나눔고딕" pitchFamily="50" charset="-127"/>
+              </a:rPr>
+              <a:t>으로 학습된 모델 사용</a:t>
+            </a:r>
           </a:p>
         </p:txBody>
       </p:sp>
     </p:spTree>
     <p:extLst>
       <p:ext uri="{BB962C8B-B14F-4D97-AF65-F5344CB8AC3E}">
-        <p14:creationId xmlns:p14="http://schemas.microsoft.com/office/powerpoint/2010/main" val="2586682192"/>
+        <p14:creationId xmlns:p14="http://schemas.microsoft.com/office/powerpoint/2010/main" val="3736645018"/>
       </p:ext>
     </p:extLst>
   </p:cSld>
@@ -10688,7 +12147,7 @@
 </p:sld>
 </file>
 
-<file path=ppt/slides/slide6.xml><?xml version="1.0" encoding="utf-8"?>
+<file path=ppt/slides/slide5.xml><?xml version="1.0" encoding="utf-8"?>
 <p:sld xmlns:a="http://schemas.openxmlformats.org/drawingml/2006/main" xmlns:r="http://schemas.openxmlformats.org/officeDocument/2006/relationships" xmlns:p="http://schemas.openxmlformats.org/presentationml/2006/main">
   <p:cSld>
     <p:spTree>
@@ -10713,7 +12172,7 @@
         </p:nvGrpSpPr>
         <p:grpSpPr>
           <a:xfrm>
-            <a:off x="-41812" y="179909"/>
+            <a:off x="0" y="261017"/>
             <a:ext cx="9153144" cy="6318504"/>
             <a:chOff x="28575" y="464884"/>
             <a:chExt cx="9153144" cy="6318504"/>
@@ -10839,6 +12298,367 @@
           <a:noFill/>
         </p:spPr>
       </p:pic>
+      <p:grpSp>
+        <p:nvGrpSpPr>
+          <p:cNvPr id="10" name="그룹 9"/>
+          <p:cNvGrpSpPr/>
+          <p:nvPr/>
+        </p:nvGrpSpPr>
+        <p:grpSpPr>
+          <a:xfrm>
+            <a:off x="193644" y="777637"/>
+            <a:ext cx="3035808" cy="356616"/>
+            <a:chOff x="193644" y="777637"/>
+            <a:chExt cx="3035808" cy="356616"/>
+          </a:xfrm>
+        </p:grpSpPr>
+        <p:pic>
+          <p:nvPicPr>
+            <p:cNvPr id="7" name="Picture 11" descr="C:\Users\Administrator\Desktop\인하대학교\05_템플릿\01_작업\확정\01\PNG\03.png"/>
+            <p:cNvPicPr>
+              <a:picLocks noChangeAspect="1" noChangeArrowheads="1"/>
+            </p:cNvPicPr>
+            <p:nvPr/>
+          </p:nvPicPr>
+          <p:blipFill>
+            <a:blip r:embed="rId7"/>
+            <a:srcRect/>
+            <a:stretch>
+              <a:fillRect/>
+            </a:stretch>
+          </p:blipFill>
+          <p:spPr bwMode="auto">
+            <a:xfrm>
+              <a:off x="193644" y="777637"/>
+              <a:ext cx="3035808" cy="356616"/>
+            </a:xfrm>
+            <a:prstGeom prst="rect">
+              <a:avLst/>
+            </a:prstGeom>
+            <a:noFill/>
+          </p:spPr>
+        </p:pic>
+        <p:sp>
+          <p:nvSpPr>
+            <p:cNvPr id="8" name="TextBox 7"/>
+            <p:cNvSpPr txBox="1"/>
+            <p:nvPr/>
+          </p:nvSpPr>
+          <p:spPr>
+            <a:xfrm>
+              <a:off x="550834" y="787162"/>
+              <a:ext cx="1473480" cy="338554"/>
+            </a:xfrm>
+            <a:prstGeom prst="rect">
+              <a:avLst/>
+            </a:prstGeom>
+            <a:noFill/>
+          </p:spPr>
+          <p:txBody>
+            <a:bodyPr wrap="none" rtlCol="0">
+              <a:spAutoFit/>
+            </a:bodyPr>
+            <a:lstStyle/>
+            <a:p>
+              <a:r>
+                <a:rPr lang="en-US" altLang="ko-KR" sz="1600" b="1" i="1" dirty="0">
+                  <a:solidFill>
+                    <a:schemeClr val="bg1"/>
+                  </a:solidFill>
+                  <a:latin typeface="나눔명조 ExtraBold" pitchFamily="18" charset="-127"/>
+                  <a:ea typeface="나눔명조 ExtraBold" pitchFamily="18" charset="-127"/>
+                </a:rPr>
+                <a:t>2</a:t>
+              </a:r>
+              <a:r>
+                <a:rPr lang="ko-KR" altLang="en-US" sz="1600" b="1" i="1" dirty="0">
+                  <a:solidFill>
+                    <a:schemeClr val="bg1"/>
+                  </a:solidFill>
+                  <a:latin typeface="나눔명조 ExtraBold" pitchFamily="18" charset="-127"/>
+                  <a:ea typeface="나눔명조 ExtraBold" pitchFamily="18" charset="-127"/>
+                </a:rPr>
+                <a:t>조 진행 현황</a:t>
+              </a:r>
+            </a:p>
+          </p:txBody>
+        </p:sp>
+      </p:grpSp>
+      <p:sp>
+        <p:nvSpPr>
+          <p:cNvPr id="9" name="TextBox 8"/>
+          <p:cNvSpPr txBox="1"/>
+          <p:nvPr/>
+        </p:nvSpPr>
+        <p:spPr>
+          <a:xfrm>
+            <a:off x="3461133" y="767538"/>
+            <a:ext cx="2595582" cy="430887"/>
+          </a:xfrm>
+          <a:prstGeom prst="rect">
+            <a:avLst/>
+          </a:prstGeom>
+          <a:noFill/>
+        </p:spPr>
+        <p:txBody>
+          <a:bodyPr wrap="none" rtlCol="0">
+            <a:spAutoFit/>
+          </a:bodyPr>
+          <a:lstStyle/>
+          <a:p>
+            <a:r>
+              <a:rPr lang="en-US" altLang="ko-KR" sz="2200" b="1" i="1" dirty="0">
+                <a:solidFill>
+                  <a:srgbClr val="1E5B86"/>
+                </a:solidFill>
+                <a:latin typeface="나눔명조 ExtraBold" pitchFamily="18" charset="-127"/>
+                <a:ea typeface="나눔명조 ExtraBold" pitchFamily="18" charset="-127"/>
+              </a:rPr>
+              <a:t>2. </a:t>
+            </a:r>
+            <a:r>
+              <a:rPr lang="ko-KR" altLang="en-US" sz="2200" b="1" i="1" dirty="0">
+                <a:solidFill>
+                  <a:srgbClr val="1E5B86"/>
+                </a:solidFill>
+                <a:latin typeface="나눔명조 ExtraBold" pitchFamily="18" charset="-127"/>
+                <a:ea typeface="나눔명조 ExtraBold" pitchFamily="18" charset="-127"/>
+              </a:rPr>
+              <a:t>프로젝트 진행도</a:t>
+            </a:r>
+          </a:p>
+        </p:txBody>
+      </p:sp>
+      <p:pic>
+        <p:nvPicPr>
+          <p:cNvPr id="4" name="그림 3">
+            <a:extLst>
+              <a:ext uri="{FF2B5EF4-FFF2-40B4-BE49-F238E27FC236}">
+                <a16:creationId xmlns:a16="http://schemas.microsoft.com/office/drawing/2014/main" id="{68995E8B-12D1-ECE6-E97A-AEE1298476FD}"/>
+              </a:ext>
+            </a:extLst>
+          </p:cNvPr>
+          <p:cNvPicPr>
+            <a:picLocks noChangeAspect="1"/>
+          </p:cNvPicPr>
+          <p:nvPr/>
+        </p:nvPicPr>
+        <p:blipFill>
+          <a:blip r:embed="rId8"/>
+          <a:stretch>
+            <a:fillRect/>
+          </a:stretch>
+        </p:blipFill>
+        <p:spPr>
+          <a:xfrm>
+            <a:off x="912812" y="2258219"/>
+            <a:ext cx="7419975" cy="2324100"/>
+          </a:xfrm>
+          <a:prstGeom prst="rect">
+            <a:avLst/>
+          </a:prstGeom>
+        </p:spPr>
+      </p:pic>
+      <p:sp>
+        <p:nvSpPr>
+          <p:cNvPr id="2" name="TextBox 1">
+            <a:extLst>
+              <a:ext uri="{FF2B5EF4-FFF2-40B4-BE49-F238E27FC236}">
+                <a16:creationId xmlns:a16="http://schemas.microsoft.com/office/drawing/2014/main" id="{EFB49472-90E6-0E59-8080-AFF6D141361D}"/>
+              </a:ext>
+            </a:extLst>
+          </p:cNvPr>
+          <p:cNvSpPr txBox="1"/>
+          <p:nvPr/>
+        </p:nvSpPr>
+        <p:spPr>
+          <a:xfrm>
+            <a:off x="4046736" y="2857501"/>
+            <a:ext cx="1919020" cy="338554"/>
+          </a:xfrm>
+          <a:prstGeom prst="rect">
+            <a:avLst/>
+          </a:prstGeom>
+          <a:noFill/>
+        </p:spPr>
+        <p:txBody>
+          <a:bodyPr wrap="square" rtlCol="0">
+            <a:spAutoFit/>
+          </a:bodyPr>
+          <a:lstStyle/>
+          <a:p>
+            <a:r>
+              <a:rPr lang="en-US" altLang="ko-KR" sz="1600" b="1" dirty="0" err="1"/>
+              <a:t>sepformer</a:t>
+            </a:r>
+            <a:endParaRPr lang="ko-KR" altLang="en-US" sz="1600" b="1" dirty="0"/>
+          </a:p>
+        </p:txBody>
+      </p:sp>
+    </p:spTree>
+    <p:extLst>
+      <p:ext uri="{BB962C8B-B14F-4D97-AF65-F5344CB8AC3E}">
+        <p14:creationId xmlns:p14="http://schemas.microsoft.com/office/powerpoint/2010/main" val="435922157"/>
+      </p:ext>
+    </p:extLst>
+  </p:cSld>
+  <p:clrMapOvr>
+    <a:masterClrMapping/>
+  </p:clrMapOvr>
+</p:sld>
+</file>
+
+<file path=ppt/slides/slide6.xml><?xml version="1.0" encoding="utf-8"?>
+<p:sld xmlns:a="http://schemas.openxmlformats.org/drawingml/2006/main" xmlns:r="http://schemas.openxmlformats.org/officeDocument/2006/relationships" xmlns:p="http://schemas.openxmlformats.org/presentationml/2006/main">
+  <p:cSld>
+    <p:spTree>
+      <p:nvGrpSpPr>
+        <p:cNvPr id="1" name=""/>
+        <p:cNvGrpSpPr/>
+        <p:nvPr/>
+      </p:nvGrpSpPr>
+      <p:grpSpPr>
+        <a:xfrm>
+          <a:off x="0" y="0"/>
+          <a:ext cx="0" cy="0"/>
+          <a:chOff x="0" y="0"/>
+          <a:chExt cx="0" cy="0"/>
+        </a:xfrm>
+      </p:grpSpPr>
+      <p:grpSp>
+        <p:nvGrpSpPr>
+          <p:cNvPr id="15" name="그룹 14"/>
+          <p:cNvGrpSpPr/>
+          <p:nvPr/>
+        </p:nvGrpSpPr>
+        <p:grpSpPr>
+          <a:xfrm>
+            <a:off x="-41812" y="179909"/>
+            <a:ext cx="9153144" cy="6318504"/>
+            <a:chOff x="28575" y="464884"/>
+            <a:chExt cx="9153144" cy="6318504"/>
+          </a:xfrm>
+        </p:grpSpPr>
+        <p:pic>
+          <p:nvPicPr>
+            <p:cNvPr id="1030" name="Picture 6" descr="C:\Users\Administrator\Desktop\인하대학교\05_템플릿\01_작업\확정\01\PNG\01_보드.png"/>
+            <p:cNvPicPr>
+              <a:picLocks noChangeAspect="1" noChangeArrowheads="1"/>
+            </p:cNvPicPr>
+            <p:nvPr/>
+          </p:nvPicPr>
+          <p:blipFill>
+            <a:blip r:embed="rId3"/>
+            <a:srcRect/>
+            <a:stretch>
+              <a:fillRect/>
+            </a:stretch>
+          </p:blipFill>
+          <p:spPr bwMode="auto">
+            <a:xfrm>
+              <a:off x="28575" y="464884"/>
+              <a:ext cx="9153144" cy="6318504"/>
+            </a:xfrm>
+            <a:prstGeom prst="rect">
+              <a:avLst/>
+            </a:prstGeom>
+            <a:noFill/>
+          </p:spPr>
+        </p:pic>
+        <p:grpSp>
+          <p:nvGrpSpPr>
+            <p:cNvPr id="14" name="그룹 13"/>
+            <p:cNvGrpSpPr/>
+            <p:nvPr/>
+          </p:nvGrpSpPr>
+          <p:grpSpPr>
+            <a:xfrm>
+              <a:off x="5851533" y="6177777"/>
+              <a:ext cx="3000388" cy="304800"/>
+              <a:chOff x="5851533" y="6177777"/>
+              <a:chExt cx="3000388" cy="304800"/>
+            </a:xfrm>
+          </p:grpSpPr>
+          <p:pic>
+            <p:nvPicPr>
+              <p:cNvPr id="12" name="Picture 3" descr="C:\Users\Administrator\Desktop\인하대학교\05_템플릿\01_작업\확정\PNG\13_copyright.png"/>
+              <p:cNvPicPr>
+                <a:picLocks noChangeAspect="1" noChangeArrowheads="1"/>
+              </p:cNvPicPr>
+              <p:nvPr/>
+            </p:nvPicPr>
+            <p:blipFill>
+              <a:blip r:embed="rId4"/>
+              <a:srcRect/>
+              <a:stretch>
+                <a:fillRect/>
+              </a:stretch>
+            </p:blipFill>
+            <p:spPr bwMode="auto">
+              <a:xfrm>
+                <a:off x="5851533" y="6396852"/>
+                <a:ext cx="1838325" cy="47625"/>
+              </a:xfrm>
+              <a:prstGeom prst="rect">
+                <a:avLst/>
+              </a:prstGeom>
+              <a:noFill/>
+            </p:spPr>
+          </p:pic>
+          <p:pic>
+            <p:nvPicPr>
+              <p:cNvPr id="13" name="Picture 5" descr="C:\Users\Administrator\Desktop\인하대학교\05_템플릿\01_작업\확정\PNG\12_로고.png"/>
+              <p:cNvPicPr>
+                <a:picLocks noChangeAspect="1" noChangeArrowheads="1"/>
+              </p:cNvPicPr>
+              <p:nvPr/>
+            </p:nvPicPr>
+            <p:blipFill>
+              <a:blip r:embed="rId5"/>
+              <a:srcRect/>
+              <a:stretch>
+                <a:fillRect/>
+              </a:stretch>
+            </p:blipFill>
+            <p:spPr bwMode="auto">
+              <a:xfrm>
+                <a:off x="7756546" y="6177777"/>
+                <a:ext cx="1095375" cy="304800"/>
+              </a:xfrm>
+              <a:prstGeom prst="rect">
+                <a:avLst/>
+              </a:prstGeom>
+              <a:noFill/>
+            </p:spPr>
+          </p:pic>
+        </p:grpSp>
+      </p:grpSp>
+      <p:pic>
+        <p:nvPicPr>
+          <p:cNvPr id="3074" name="Picture 2" descr="C:\Users\Administrator\Desktop\인하대학교\05_템플릿\01_작업\확정\01\PNG\04.png"/>
+          <p:cNvPicPr>
+            <a:picLocks noChangeAspect="1" noChangeArrowheads="1"/>
+          </p:cNvPicPr>
+          <p:nvPr/>
+        </p:nvPicPr>
+        <p:blipFill>
+          <a:blip r:embed="rId6"/>
+          <a:srcRect/>
+          <a:stretch>
+            <a:fillRect/>
+          </a:stretch>
+        </p:blipFill>
+        <p:spPr bwMode="auto">
+          <a:xfrm>
+            <a:off x="317470" y="634187"/>
+            <a:ext cx="8650224" cy="612648"/>
+          </a:xfrm>
+          <a:prstGeom prst="rect">
+            <a:avLst/>
+          </a:prstGeom>
+          <a:noFill/>
+        </p:spPr>
+      </p:pic>
       <p:pic>
         <p:nvPicPr>
           <p:cNvPr id="2050" name="Picture 2" descr="C:\Users\Administrator\Desktop\인하대학교\05_템플릿\01_작업\확정\01\PNG\02.png"/>
@@ -11164,6 +12984,554 @@
           </a:p>
         </p:txBody>
       </p:sp>
+      <p:sp>
+        <p:nvSpPr>
+          <p:cNvPr id="5" name="TextBox 4">
+            <a:extLst>
+              <a:ext uri="{FF2B5EF4-FFF2-40B4-BE49-F238E27FC236}">
+                <a16:creationId xmlns:a16="http://schemas.microsoft.com/office/drawing/2014/main" id="{4808E1B1-1425-4C61-B1D1-A9A910D67372}"/>
+              </a:ext>
+            </a:extLst>
+          </p:cNvPr>
+          <p:cNvSpPr txBox="1"/>
+          <p:nvPr/>
+        </p:nvSpPr>
+        <p:spPr>
+          <a:xfrm>
+            <a:off x="1330751" y="2593339"/>
+            <a:ext cx="7036465" cy="1200329"/>
+          </a:xfrm>
+          <a:prstGeom prst="rect">
+            <a:avLst/>
+          </a:prstGeom>
+          <a:noFill/>
+        </p:spPr>
+        <p:txBody>
+          <a:bodyPr wrap="square" rtlCol="0">
+            <a:spAutoFit/>
+          </a:bodyPr>
+          <a:lstStyle/>
+          <a:p>
+            <a:pPr marL="342900" indent="-342900">
+              <a:buAutoNum type="arabicPeriod"/>
+            </a:pPr>
+            <a:r>
+              <a:rPr lang="en-US" altLang="ko-KR" dirty="0"/>
+              <a:t>VAD</a:t>
+            </a:r>
+            <a:r>
+              <a:rPr lang="ko-KR" altLang="en-US" dirty="0"/>
+              <a:t>알고리즘 만으로 음성 분리 시 음성 신호의 구간이 길어 질 수 있음</a:t>
+            </a:r>
+            <a:endParaRPr lang="en-US" altLang="ko-KR" dirty="0"/>
+          </a:p>
+          <a:p>
+            <a:pPr marL="342900" indent="-342900">
+              <a:buAutoNum type="arabicPeriod"/>
+            </a:pPr>
+            <a:endParaRPr lang="en-US" altLang="ko-KR" dirty="0"/>
+          </a:p>
+          <a:p>
+            <a:pPr marL="342900" indent="-342900">
+              <a:buAutoNum type="arabicPeriod"/>
+            </a:pPr>
+            <a:r>
+              <a:rPr lang="ko-KR" altLang="en-US" dirty="0"/>
+              <a:t>음성 신호 구간 내에 화자의 수가 증가할 수 있음</a:t>
+            </a:r>
+            <a:endParaRPr lang="en-US" altLang="ko-KR" dirty="0"/>
+          </a:p>
+        </p:txBody>
+      </p:sp>
+    </p:spTree>
+    <p:extLst>
+      <p:ext uri="{BB962C8B-B14F-4D97-AF65-F5344CB8AC3E}">
+        <p14:creationId xmlns:p14="http://schemas.microsoft.com/office/powerpoint/2010/main" val="2586682192"/>
+      </p:ext>
+    </p:extLst>
+  </p:cSld>
+  <p:clrMapOvr>
+    <a:masterClrMapping/>
+  </p:clrMapOvr>
+</p:sld>
+</file>
+
+<file path=ppt/slides/slide7.xml><?xml version="1.0" encoding="utf-8"?>
+<p:sld xmlns:a="http://schemas.openxmlformats.org/drawingml/2006/main" xmlns:r="http://schemas.openxmlformats.org/officeDocument/2006/relationships" xmlns:p="http://schemas.openxmlformats.org/presentationml/2006/main">
+  <p:cSld>
+    <p:spTree>
+      <p:nvGrpSpPr>
+        <p:cNvPr id="1" name=""/>
+        <p:cNvGrpSpPr/>
+        <p:nvPr/>
+      </p:nvGrpSpPr>
+      <p:grpSpPr>
+        <a:xfrm>
+          <a:off x="0" y="0"/>
+          <a:ext cx="0" cy="0"/>
+          <a:chOff x="0" y="0"/>
+          <a:chExt cx="0" cy="0"/>
+        </a:xfrm>
+      </p:grpSpPr>
+      <p:grpSp>
+        <p:nvGrpSpPr>
+          <p:cNvPr id="15" name="그룹 14"/>
+          <p:cNvGrpSpPr/>
+          <p:nvPr/>
+        </p:nvGrpSpPr>
+        <p:grpSpPr>
+          <a:xfrm>
+            <a:off x="-41812" y="179909"/>
+            <a:ext cx="9153144" cy="6318504"/>
+            <a:chOff x="28575" y="464884"/>
+            <a:chExt cx="9153144" cy="6318504"/>
+          </a:xfrm>
+        </p:grpSpPr>
+        <p:pic>
+          <p:nvPicPr>
+            <p:cNvPr id="1030" name="Picture 6" descr="C:\Users\Administrator\Desktop\인하대학교\05_템플릿\01_작업\확정\01\PNG\01_보드.png"/>
+            <p:cNvPicPr>
+              <a:picLocks noChangeAspect="1" noChangeArrowheads="1"/>
+            </p:cNvPicPr>
+            <p:nvPr/>
+          </p:nvPicPr>
+          <p:blipFill>
+            <a:blip r:embed="rId3"/>
+            <a:srcRect/>
+            <a:stretch>
+              <a:fillRect/>
+            </a:stretch>
+          </p:blipFill>
+          <p:spPr bwMode="auto">
+            <a:xfrm>
+              <a:off x="28575" y="464884"/>
+              <a:ext cx="9153144" cy="6318504"/>
+            </a:xfrm>
+            <a:prstGeom prst="rect">
+              <a:avLst/>
+            </a:prstGeom>
+            <a:noFill/>
+          </p:spPr>
+        </p:pic>
+        <p:grpSp>
+          <p:nvGrpSpPr>
+            <p:cNvPr id="14" name="그룹 13"/>
+            <p:cNvGrpSpPr/>
+            <p:nvPr/>
+          </p:nvGrpSpPr>
+          <p:grpSpPr>
+            <a:xfrm>
+              <a:off x="5851533" y="6177777"/>
+              <a:ext cx="3000388" cy="304800"/>
+              <a:chOff x="5851533" y="6177777"/>
+              <a:chExt cx="3000388" cy="304800"/>
+            </a:xfrm>
+          </p:grpSpPr>
+          <p:pic>
+            <p:nvPicPr>
+              <p:cNvPr id="12" name="Picture 3" descr="C:\Users\Administrator\Desktop\인하대학교\05_템플릿\01_작업\확정\PNG\13_copyright.png"/>
+              <p:cNvPicPr>
+                <a:picLocks noChangeAspect="1" noChangeArrowheads="1"/>
+              </p:cNvPicPr>
+              <p:nvPr/>
+            </p:nvPicPr>
+            <p:blipFill>
+              <a:blip r:embed="rId4"/>
+              <a:srcRect/>
+              <a:stretch>
+                <a:fillRect/>
+              </a:stretch>
+            </p:blipFill>
+            <p:spPr bwMode="auto">
+              <a:xfrm>
+                <a:off x="5851533" y="6396852"/>
+                <a:ext cx="1838325" cy="47625"/>
+              </a:xfrm>
+              <a:prstGeom prst="rect">
+                <a:avLst/>
+              </a:prstGeom>
+              <a:noFill/>
+            </p:spPr>
+          </p:pic>
+          <p:pic>
+            <p:nvPicPr>
+              <p:cNvPr id="13" name="Picture 5" descr="C:\Users\Administrator\Desktop\인하대학교\05_템플릿\01_작업\확정\PNG\12_로고.png"/>
+              <p:cNvPicPr>
+                <a:picLocks noChangeAspect="1" noChangeArrowheads="1"/>
+              </p:cNvPicPr>
+              <p:nvPr/>
+            </p:nvPicPr>
+            <p:blipFill>
+              <a:blip r:embed="rId5"/>
+              <a:srcRect/>
+              <a:stretch>
+                <a:fillRect/>
+              </a:stretch>
+            </p:blipFill>
+            <p:spPr bwMode="auto">
+              <a:xfrm>
+                <a:off x="7756546" y="6177777"/>
+                <a:ext cx="1095375" cy="304800"/>
+              </a:xfrm>
+              <a:prstGeom prst="rect">
+                <a:avLst/>
+              </a:prstGeom>
+              <a:noFill/>
+            </p:spPr>
+          </p:pic>
+        </p:grpSp>
+      </p:grpSp>
+      <p:pic>
+        <p:nvPicPr>
+          <p:cNvPr id="3074" name="Picture 2" descr="C:\Users\Administrator\Desktop\인하대학교\05_템플릿\01_작업\확정\01\PNG\04.png"/>
+          <p:cNvPicPr>
+            <a:picLocks noChangeAspect="1" noChangeArrowheads="1"/>
+          </p:cNvPicPr>
+          <p:nvPr/>
+        </p:nvPicPr>
+        <p:blipFill>
+          <a:blip r:embed="rId6"/>
+          <a:srcRect/>
+          <a:stretch>
+            <a:fillRect/>
+          </a:stretch>
+        </p:blipFill>
+        <p:spPr bwMode="auto">
+          <a:xfrm>
+            <a:off x="317470" y="634187"/>
+            <a:ext cx="8650224" cy="612648"/>
+          </a:xfrm>
+          <a:prstGeom prst="rect">
+            <a:avLst/>
+          </a:prstGeom>
+          <a:noFill/>
+        </p:spPr>
+      </p:pic>
+      <p:pic>
+        <p:nvPicPr>
+          <p:cNvPr id="2050" name="Picture 2" descr="C:\Users\Administrator\Desktop\인하대학교\05_템플릿\01_작업\확정\01\PNG\02.png"/>
+          <p:cNvPicPr>
+            <a:picLocks noChangeAspect="1" noChangeArrowheads="1"/>
+          </p:cNvPicPr>
+          <p:nvPr/>
+        </p:nvPicPr>
+        <p:blipFill>
+          <a:blip r:embed="rId7"/>
+          <a:srcRect t="-140000" b="-140000"/>
+          <a:stretch>
+            <a:fillRect/>
+          </a:stretch>
+        </p:blipFill>
+        <p:spPr bwMode="auto">
+          <a:xfrm>
+            <a:off x="479396" y="1800405"/>
+            <a:ext cx="8110728" cy="69494"/>
+          </a:xfrm>
+          <a:prstGeom prst="rect">
+            <a:avLst/>
+          </a:prstGeom>
+          <a:noFill/>
+        </p:spPr>
+      </p:pic>
+      <p:grpSp>
+        <p:nvGrpSpPr>
+          <p:cNvPr id="10" name="그룹 9"/>
+          <p:cNvGrpSpPr/>
+          <p:nvPr/>
+        </p:nvGrpSpPr>
+        <p:grpSpPr>
+          <a:xfrm>
+            <a:off x="193644" y="777637"/>
+            <a:ext cx="3035808" cy="356616"/>
+            <a:chOff x="193644" y="777637"/>
+            <a:chExt cx="3035808" cy="356616"/>
+          </a:xfrm>
+        </p:grpSpPr>
+        <p:pic>
+          <p:nvPicPr>
+            <p:cNvPr id="7" name="Picture 11" descr="C:\Users\Administrator\Desktop\인하대학교\05_템플릿\01_작업\확정\01\PNG\03.png"/>
+            <p:cNvPicPr>
+              <a:picLocks noChangeAspect="1" noChangeArrowheads="1"/>
+            </p:cNvPicPr>
+            <p:nvPr/>
+          </p:nvPicPr>
+          <p:blipFill>
+            <a:blip r:embed="rId8"/>
+            <a:srcRect/>
+            <a:stretch>
+              <a:fillRect/>
+            </a:stretch>
+          </p:blipFill>
+          <p:spPr bwMode="auto">
+            <a:xfrm>
+              <a:off x="193644" y="777637"/>
+              <a:ext cx="3035808" cy="356616"/>
+            </a:xfrm>
+            <a:prstGeom prst="rect">
+              <a:avLst/>
+            </a:prstGeom>
+            <a:noFill/>
+          </p:spPr>
+        </p:pic>
+        <p:sp>
+          <p:nvSpPr>
+            <p:cNvPr id="8" name="TextBox 7"/>
+            <p:cNvSpPr txBox="1"/>
+            <p:nvPr/>
+          </p:nvSpPr>
+          <p:spPr>
+            <a:xfrm>
+              <a:off x="550834" y="787162"/>
+              <a:ext cx="1473480" cy="338554"/>
+            </a:xfrm>
+            <a:prstGeom prst="rect">
+              <a:avLst/>
+            </a:prstGeom>
+            <a:noFill/>
+          </p:spPr>
+          <p:txBody>
+            <a:bodyPr wrap="none" rtlCol="0">
+              <a:spAutoFit/>
+            </a:bodyPr>
+            <a:lstStyle/>
+            <a:p>
+              <a:r>
+                <a:rPr lang="en-US" altLang="ko-KR" sz="1600" b="1" i="1" dirty="0">
+                  <a:solidFill>
+                    <a:schemeClr val="bg1"/>
+                  </a:solidFill>
+                  <a:latin typeface="나눔명조 ExtraBold" pitchFamily="18" charset="-127"/>
+                  <a:ea typeface="나눔명조 ExtraBold" pitchFamily="18" charset="-127"/>
+                </a:rPr>
+                <a:t>2</a:t>
+              </a:r>
+              <a:r>
+                <a:rPr lang="ko-KR" altLang="en-US" sz="1600" b="1" i="1" dirty="0">
+                  <a:solidFill>
+                    <a:schemeClr val="bg1"/>
+                  </a:solidFill>
+                  <a:latin typeface="나눔명조 ExtraBold" pitchFamily="18" charset="-127"/>
+                  <a:ea typeface="나눔명조 ExtraBold" pitchFamily="18" charset="-127"/>
+                </a:rPr>
+                <a:t>조 진행 현황</a:t>
+              </a:r>
+            </a:p>
+          </p:txBody>
+        </p:sp>
+      </p:grpSp>
+      <p:sp>
+        <p:nvSpPr>
+          <p:cNvPr id="9" name="TextBox 8"/>
+          <p:cNvSpPr txBox="1"/>
+          <p:nvPr/>
+        </p:nvSpPr>
+        <p:spPr>
+          <a:xfrm>
+            <a:off x="3461133" y="767538"/>
+            <a:ext cx="1749197" cy="430887"/>
+          </a:xfrm>
+          <a:prstGeom prst="rect">
+            <a:avLst/>
+          </a:prstGeom>
+          <a:noFill/>
+        </p:spPr>
+        <p:txBody>
+          <a:bodyPr wrap="none" rtlCol="0">
+            <a:spAutoFit/>
+          </a:bodyPr>
+          <a:lstStyle/>
+          <a:p>
+            <a:r>
+              <a:rPr lang="en-US" altLang="ko-KR" sz="2200" b="1" i="1" dirty="0">
+                <a:solidFill>
+                  <a:srgbClr val="1E5B86"/>
+                </a:solidFill>
+                <a:latin typeface="나눔명조 ExtraBold" pitchFamily="18" charset="-127"/>
+                <a:ea typeface="나눔명조 ExtraBold" pitchFamily="18" charset="-127"/>
+              </a:rPr>
+              <a:t>3. </a:t>
+            </a:r>
+            <a:r>
+              <a:rPr lang="ko-KR" altLang="en-US" sz="2200" b="1" i="1" dirty="0">
+                <a:solidFill>
+                  <a:srgbClr val="1E5B86"/>
+                </a:solidFill>
+                <a:latin typeface="나눔명조 ExtraBold" pitchFamily="18" charset="-127"/>
+                <a:ea typeface="나눔명조 ExtraBold" pitchFamily="18" charset="-127"/>
+              </a:rPr>
+              <a:t>세부 계획</a:t>
+            </a:r>
+          </a:p>
+        </p:txBody>
+      </p:sp>
+      <p:sp>
+        <p:nvSpPr>
+          <p:cNvPr id="11" name="TextBox 10"/>
+          <p:cNvSpPr txBox="1"/>
+          <p:nvPr/>
+        </p:nvSpPr>
+        <p:spPr>
+          <a:xfrm>
+            <a:off x="765148" y="1358092"/>
+            <a:ext cx="2544286" cy="400110"/>
+          </a:xfrm>
+          <a:prstGeom prst="rect">
+            <a:avLst/>
+          </a:prstGeom>
+          <a:noFill/>
+        </p:spPr>
+        <p:txBody>
+          <a:bodyPr wrap="none" rtlCol="0">
+            <a:spAutoFit/>
+          </a:bodyPr>
+          <a:lstStyle/>
+          <a:p>
+            <a:r>
+              <a:rPr lang="en-US" altLang="ko-KR" sz="2000" b="1" dirty="0">
+                <a:solidFill>
+                  <a:srgbClr val="5C431E"/>
+                </a:solidFill>
+                <a:latin typeface="나눔고딕" pitchFamily="50" charset="-127"/>
+                <a:ea typeface="나눔고딕" pitchFamily="50" charset="-127"/>
+              </a:rPr>
+              <a:t>3.1 </a:t>
+            </a:r>
+            <a:r>
+              <a:rPr lang="ko-KR" altLang="en-US" sz="2000" b="1" dirty="0">
+                <a:solidFill>
+                  <a:srgbClr val="5C431E"/>
+                </a:solidFill>
+                <a:latin typeface="나눔고딕" pitchFamily="50" charset="-127"/>
+                <a:ea typeface="나눔고딕" pitchFamily="50" charset="-127"/>
+              </a:rPr>
+              <a:t>음성 신호 전 처리</a:t>
+            </a:r>
+          </a:p>
+        </p:txBody>
+      </p:sp>
+      <p:pic>
+        <p:nvPicPr>
+          <p:cNvPr id="2" name="Picture 2" descr="C:\Users\Administrator\Desktop\인하대학교\05_템플릿\01_작업\확정\01\PNG\09.png">
+            <a:extLst>
+              <a:ext uri="{FF2B5EF4-FFF2-40B4-BE49-F238E27FC236}">
+                <a16:creationId xmlns:a16="http://schemas.microsoft.com/office/drawing/2014/main" id="{01C956C6-4DBE-1B03-B43B-51BE3CEEB105}"/>
+              </a:ext>
+            </a:extLst>
+          </p:cNvPr>
+          <p:cNvPicPr>
+            <a:picLocks noChangeAspect="1" noChangeArrowheads="1"/>
+          </p:cNvPicPr>
+          <p:nvPr/>
+        </p:nvPicPr>
+        <p:blipFill>
+          <a:blip r:embed="rId9"/>
+          <a:srcRect/>
+          <a:stretch>
+            <a:fillRect/>
+          </a:stretch>
+        </p:blipFill>
+        <p:spPr bwMode="auto">
+          <a:xfrm>
+            <a:off x="1109456" y="2026753"/>
+            <a:ext cx="356235" cy="396716"/>
+          </a:xfrm>
+          <a:prstGeom prst="rect">
+            <a:avLst/>
+          </a:prstGeom>
+          <a:noFill/>
+        </p:spPr>
+      </p:pic>
+      <p:sp>
+        <p:nvSpPr>
+          <p:cNvPr id="6" name="TextBox 5">
+            <a:extLst>
+              <a:ext uri="{FF2B5EF4-FFF2-40B4-BE49-F238E27FC236}">
+                <a16:creationId xmlns:a16="http://schemas.microsoft.com/office/drawing/2014/main" id="{FD905168-04F8-5DBA-436D-C382C0D7C2C2}"/>
+              </a:ext>
+            </a:extLst>
+          </p:cNvPr>
+          <p:cNvSpPr txBox="1"/>
+          <p:nvPr/>
+        </p:nvSpPr>
+        <p:spPr>
+          <a:xfrm>
+            <a:off x="1137133" y="2025905"/>
+            <a:ext cx="286393" cy="369332"/>
+          </a:xfrm>
+          <a:prstGeom prst="rect">
+            <a:avLst/>
+          </a:prstGeom>
+          <a:noFill/>
+        </p:spPr>
+        <p:txBody>
+          <a:bodyPr wrap="square">
+            <a:spAutoFit/>
+          </a:bodyPr>
+          <a:lstStyle/>
+          <a:p>
+            <a:pPr algn="ctr"/>
+            <a:r>
+              <a:rPr lang="en-US" altLang="ko-KR" sz="1800" b="1" dirty="0">
+                <a:solidFill>
+                  <a:srgbClr val="5B4058"/>
+                </a:solidFill>
+                <a:latin typeface="나눔고딕" pitchFamily="50" charset="-127"/>
+                <a:ea typeface="나눔고딕" pitchFamily="50" charset="-127"/>
+              </a:rPr>
+              <a:t>1</a:t>
+            </a:r>
+          </a:p>
+        </p:txBody>
+      </p:sp>
+      <p:sp>
+        <p:nvSpPr>
+          <p:cNvPr id="19" name="TextBox 18">
+            <a:extLst>
+              <a:ext uri="{FF2B5EF4-FFF2-40B4-BE49-F238E27FC236}">
+                <a16:creationId xmlns:a16="http://schemas.microsoft.com/office/drawing/2014/main" id="{4B1C32E0-5C8D-3F7F-9E9B-2DEE25DA672A}"/>
+              </a:ext>
+            </a:extLst>
+          </p:cNvPr>
+          <p:cNvSpPr txBox="1"/>
+          <p:nvPr/>
+        </p:nvSpPr>
+        <p:spPr>
+          <a:xfrm>
+            <a:off x="1500610" y="2018654"/>
+            <a:ext cx="6722589" cy="369332"/>
+          </a:xfrm>
+          <a:prstGeom prst="rect">
+            <a:avLst/>
+          </a:prstGeom>
+          <a:noFill/>
+        </p:spPr>
+        <p:txBody>
+          <a:bodyPr wrap="square">
+            <a:spAutoFit/>
+          </a:bodyPr>
+          <a:lstStyle/>
+          <a:p>
+            <a:pPr algn="l"/>
+            <a:r>
+              <a:rPr lang="ko-KR" altLang="en-US" sz="1800" b="1" spc="100" dirty="0">
+                <a:solidFill>
+                  <a:srgbClr val="5E3960"/>
+                </a:solidFill>
+                <a:latin typeface="나눔고딕" pitchFamily="50" charset="-127"/>
+                <a:ea typeface="나눔고딕" pitchFamily="50" charset="-127"/>
+              </a:rPr>
+              <a:t>기존 음성 신호 전 처리 방식의 문제점</a:t>
+            </a:r>
+            <a:endParaRPr lang="en-US" altLang="ko-KR" sz="1800" b="1" spc="100" dirty="0">
+              <a:solidFill>
+                <a:srgbClr val="5E3960"/>
+              </a:solidFill>
+              <a:latin typeface="나눔고딕" pitchFamily="50" charset="-127"/>
+              <a:ea typeface="나눔고딕" pitchFamily="50" charset="-127"/>
+            </a:endParaRPr>
+          </a:p>
+        </p:txBody>
+      </p:sp>
       <p:pic>
         <p:nvPicPr>
           <p:cNvPr id="4" name="그림 3">
@@ -11207,7 +13575,7 @@
 </p:sld>
 </file>
 
-<file path=ppt/slides/slide7.xml><?xml version="1.0" encoding="utf-8"?>
+<file path=ppt/slides/slide8.xml><?xml version="1.0" encoding="utf-8"?>
 <p:sld xmlns:a="http://schemas.openxmlformats.org/drawingml/2006/main" xmlns:r="http://schemas.openxmlformats.org/officeDocument/2006/relationships" xmlns:p="http://schemas.openxmlformats.org/presentationml/2006/main">
   <p:cSld>
     <p:spTree>
@@ -12072,7 +14440,7 @@
 </p:sld>
 </file>
 
-<file path=ppt/slides/slide8.xml><?xml version="1.0" encoding="utf-8"?>
+<file path=ppt/slides/slide9.xml><?xml version="1.0" encoding="utf-8"?>
 <p:sld xmlns:a="http://schemas.openxmlformats.org/drawingml/2006/main" xmlns:r="http://schemas.openxmlformats.org/officeDocument/2006/relationships" xmlns:p="http://schemas.openxmlformats.org/presentationml/2006/main">
   <p:cSld>
     <p:spTree>
@@ -12768,542 +15136,6 @@
     <p:extLst>
       <p:ext uri="{BB962C8B-B14F-4D97-AF65-F5344CB8AC3E}">
         <p14:creationId xmlns:p14="http://schemas.microsoft.com/office/powerpoint/2010/main" val="3416302631"/>
-      </p:ext>
-    </p:extLst>
-  </p:cSld>
-  <p:clrMapOvr>
-    <a:masterClrMapping/>
-  </p:clrMapOvr>
-</p:sld>
-</file>
-
-<file path=ppt/slides/slide9.xml><?xml version="1.0" encoding="utf-8"?>
-<p:sld xmlns:a="http://schemas.openxmlformats.org/drawingml/2006/main" xmlns:r="http://schemas.openxmlformats.org/officeDocument/2006/relationships" xmlns:p="http://schemas.openxmlformats.org/presentationml/2006/main">
-  <p:cSld>
-    <p:spTree>
-      <p:nvGrpSpPr>
-        <p:cNvPr id="1" name=""/>
-        <p:cNvGrpSpPr/>
-        <p:nvPr/>
-      </p:nvGrpSpPr>
-      <p:grpSpPr>
-        <a:xfrm>
-          <a:off x="0" y="0"/>
-          <a:ext cx="0" cy="0"/>
-          <a:chOff x="0" y="0"/>
-          <a:chExt cx="0" cy="0"/>
-        </a:xfrm>
-      </p:grpSpPr>
-      <p:grpSp>
-        <p:nvGrpSpPr>
-          <p:cNvPr id="15" name="그룹 14"/>
-          <p:cNvGrpSpPr/>
-          <p:nvPr/>
-        </p:nvGrpSpPr>
-        <p:grpSpPr>
-          <a:xfrm>
-            <a:off x="-41812" y="179909"/>
-            <a:ext cx="9153144" cy="6318504"/>
-            <a:chOff x="28575" y="464884"/>
-            <a:chExt cx="9153144" cy="6318504"/>
-          </a:xfrm>
-        </p:grpSpPr>
-        <p:pic>
-          <p:nvPicPr>
-            <p:cNvPr id="1030" name="Picture 6" descr="C:\Users\Administrator\Desktop\인하대학교\05_템플릿\01_작업\확정\01\PNG\01_보드.png"/>
-            <p:cNvPicPr>
-              <a:picLocks noChangeAspect="1" noChangeArrowheads="1"/>
-            </p:cNvPicPr>
-            <p:nvPr/>
-          </p:nvPicPr>
-          <p:blipFill>
-            <a:blip r:embed="rId3"/>
-            <a:srcRect/>
-            <a:stretch>
-              <a:fillRect/>
-            </a:stretch>
-          </p:blipFill>
-          <p:spPr bwMode="auto">
-            <a:xfrm>
-              <a:off x="28575" y="464884"/>
-              <a:ext cx="9153144" cy="6318504"/>
-            </a:xfrm>
-            <a:prstGeom prst="rect">
-              <a:avLst/>
-            </a:prstGeom>
-            <a:noFill/>
-          </p:spPr>
-        </p:pic>
-        <p:grpSp>
-          <p:nvGrpSpPr>
-            <p:cNvPr id="14" name="그룹 13"/>
-            <p:cNvGrpSpPr/>
-            <p:nvPr/>
-          </p:nvGrpSpPr>
-          <p:grpSpPr>
-            <a:xfrm>
-              <a:off x="5851533" y="6177777"/>
-              <a:ext cx="3000388" cy="304800"/>
-              <a:chOff x="5851533" y="6177777"/>
-              <a:chExt cx="3000388" cy="304800"/>
-            </a:xfrm>
-          </p:grpSpPr>
-          <p:pic>
-            <p:nvPicPr>
-              <p:cNvPr id="12" name="Picture 3" descr="C:\Users\Administrator\Desktop\인하대학교\05_템플릿\01_작업\확정\PNG\13_copyright.png"/>
-              <p:cNvPicPr>
-                <a:picLocks noChangeAspect="1" noChangeArrowheads="1"/>
-              </p:cNvPicPr>
-              <p:nvPr/>
-            </p:nvPicPr>
-            <p:blipFill>
-              <a:blip r:embed="rId4"/>
-              <a:srcRect/>
-              <a:stretch>
-                <a:fillRect/>
-              </a:stretch>
-            </p:blipFill>
-            <p:spPr bwMode="auto">
-              <a:xfrm>
-                <a:off x="5851533" y="6396852"/>
-                <a:ext cx="1838325" cy="47625"/>
-              </a:xfrm>
-              <a:prstGeom prst="rect">
-                <a:avLst/>
-              </a:prstGeom>
-              <a:noFill/>
-            </p:spPr>
-          </p:pic>
-          <p:pic>
-            <p:nvPicPr>
-              <p:cNvPr id="13" name="Picture 5" descr="C:\Users\Administrator\Desktop\인하대학교\05_템플릿\01_작업\확정\PNG\12_로고.png"/>
-              <p:cNvPicPr>
-                <a:picLocks noChangeAspect="1" noChangeArrowheads="1"/>
-              </p:cNvPicPr>
-              <p:nvPr/>
-            </p:nvPicPr>
-            <p:blipFill>
-              <a:blip r:embed="rId5"/>
-              <a:srcRect/>
-              <a:stretch>
-                <a:fillRect/>
-              </a:stretch>
-            </p:blipFill>
-            <p:spPr bwMode="auto">
-              <a:xfrm>
-                <a:off x="7756546" y="6177777"/>
-                <a:ext cx="1095375" cy="304800"/>
-              </a:xfrm>
-              <a:prstGeom prst="rect">
-                <a:avLst/>
-              </a:prstGeom>
-              <a:noFill/>
-            </p:spPr>
-          </p:pic>
-        </p:grpSp>
-      </p:grpSp>
-      <p:pic>
-        <p:nvPicPr>
-          <p:cNvPr id="3074" name="Picture 2" descr="C:\Users\Administrator\Desktop\인하대학교\05_템플릿\01_작업\확정\01\PNG\04.png"/>
-          <p:cNvPicPr>
-            <a:picLocks noChangeAspect="1" noChangeArrowheads="1"/>
-          </p:cNvPicPr>
-          <p:nvPr/>
-        </p:nvPicPr>
-        <p:blipFill>
-          <a:blip r:embed="rId6"/>
-          <a:srcRect/>
-          <a:stretch>
-            <a:fillRect/>
-          </a:stretch>
-        </p:blipFill>
-        <p:spPr bwMode="auto">
-          <a:xfrm>
-            <a:off x="317470" y="634187"/>
-            <a:ext cx="8650224" cy="612648"/>
-          </a:xfrm>
-          <a:prstGeom prst="rect">
-            <a:avLst/>
-          </a:prstGeom>
-          <a:noFill/>
-        </p:spPr>
-      </p:pic>
-      <p:pic>
-        <p:nvPicPr>
-          <p:cNvPr id="2050" name="Picture 2" descr="C:\Users\Administrator\Desktop\인하대학교\05_템플릿\01_작업\확정\01\PNG\02.png"/>
-          <p:cNvPicPr>
-            <a:picLocks noChangeAspect="1" noChangeArrowheads="1"/>
-          </p:cNvPicPr>
-          <p:nvPr/>
-        </p:nvPicPr>
-        <p:blipFill>
-          <a:blip r:embed="rId7"/>
-          <a:srcRect t="-140000" b="-140000"/>
-          <a:stretch>
-            <a:fillRect/>
-          </a:stretch>
-        </p:blipFill>
-        <p:spPr bwMode="auto">
-          <a:xfrm>
-            <a:off x="479396" y="1800405"/>
-            <a:ext cx="8110728" cy="69494"/>
-          </a:xfrm>
-          <a:prstGeom prst="rect">
-            <a:avLst/>
-          </a:prstGeom>
-          <a:noFill/>
-        </p:spPr>
-      </p:pic>
-      <p:grpSp>
-        <p:nvGrpSpPr>
-          <p:cNvPr id="10" name="그룹 9"/>
-          <p:cNvGrpSpPr/>
-          <p:nvPr/>
-        </p:nvGrpSpPr>
-        <p:grpSpPr>
-          <a:xfrm>
-            <a:off x="193644" y="777637"/>
-            <a:ext cx="3035808" cy="356616"/>
-            <a:chOff x="193644" y="777637"/>
-            <a:chExt cx="3035808" cy="356616"/>
-          </a:xfrm>
-        </p:grpSpPr>
-        <p:pic>
-          <p:nvPicPr>
-            <p:cNvPr id="7" name="Picture 11" descr="C:\Users\Administrator\Desktop\인하대학교\05_템플릿\01_작업\확정\01\PNG\03.png"/>
-            <p:cNvPicPr>
-              <a:picLocks noChangeAspect="1" noChangeArrowheads="1"/>
-            </p:cNvPicPr>
-            <p:nvPr/>
-          </p:nvPicPr>
-          <p:blipFill>
-            <a:blip r:embed="rId8"/>
-            <a:srcRect/>
-            <a:stretch>
-              <a:fillRect/>
-            </a:stretch>
-          </p:blipFill>
-          <p:spPr bwMode="auto">
-            <a:xfrm>
-              <a:off x="193644" y="777637"/>
-              <a:ext cx="3035808" cy="356616"/>
-            </a:xfrm>
-            <a:prstGeom prst="rect">
-              <a:avLst/>
-            </a:prstGeom>
-            <a:noFill/>
-          </p:spPr>
-        </p:pic>
-        <p:sp>
-          <p:nvSpPr>
-            <p:cNvPr id="8" name="TextBox 7"/>
-            <p:cNvSpPr txBox="1"/>
-            <p:nvPr/>
-          </p:nvSpPr>
-          <p:spPr>
-            <a:xfrm>
-              <a:off x="550834" y="787162"/>
-              <a:ext cx="1473480" cy="338554"/>
-            </a:xfrm>
-            <a:prstGeom prst="rect">
-              <a:avLst/>
-            </a:prstGeom>
-            <a:noFill/>
-          </p:spPr>
-          <p:txBody>
-            <a:bodyPr wrap="none" rtlCol="0">
-              <a:spAutoFit/>
-            </a:bodyPr>
-            <a:lstStyle/>
-            <a:p>
-              <a:r>
-                <a:rPr lang="en-US" altLang="ko-KR" sz="1600" b="1" i="1" dirty="0">
-                  <a:solidFill>
-                    <a:schemeClr val="bg1"/>
-                  </a:solidFill>
-                  <a:latin typeface="나눔명조 ExtraBold" pitchFamily="18" charset="-127"/>
-                  <a:ea typeface="나눔명조 ExtraBold" pitchFamily="18" charset="-127"/>
-                </a:rPr>
-                <a:t>2</a:t>
-              </a:r>
-              <a:r>
-                <a:rPr lang="ko-KR" altLang="en-US" sz="1600" b="1" i="1" dirty="0">
-                  <a:solidFill>
-                    <a:schemeClr val="bg1"/>
-                  </a:solidFill>
-                  <a:latin typeface="나눔명조 ExtraBold" pitchFamily="18" charset="-127"/>
-                  <a:ea typeface="나눔명조 ExtraBold" pitchFamily="18" charset="-127"/>
-                </a:rPr>
-                <a:t>조 진행 현황</a:t>
-              </a:r>
-            </a:p>
-          </p:txBody>
-        </p:sp>
-      </p:grpSp>
-      <p:sp>
-        <p:nvSpPr>
-          <p:cNvPr id="9" name="TextBox 8"/>
-          <p:cNvSpPr txBox="1"/>
-          <p:nvPr/>
-        </p:nvSpPr>
-        <p:spPr>
-          <a:xfrm>
-            <a:off x="3461133" y="767538"/>
-            <a:ext cx="1749197" cy="430887"/>
-          </a:xfrm>
-          <a:prstGeom prst="rect">
-            <a:avLst/>
-          </a:prstGeom>
-          <a:noFill/>
-        </p:spPr>
-        <p:txBody>
-          <a:bodyPr wrap="none" rtlCol="0">
-            <a:spAutoFit/>
-          </a:bodyPr>
-          <a:lstStyle/>
-          <a:p>
-            <a:r>
-              <a:rPr lang="en-US" altLang="ko-KR" sz="2200" b="1" i="1" dirty="0">
-                <a:solidFill>
-                  <a:srgbClr val="1E5B86"/>
-                </a:solidFill>
-                <a:latin typeface="나눔명조 ExtraBold" pitchFamily="18" charset="-127"/>
-                <a:ea typeface="나눔명조 ExtraBold" pitchFamily="18" charset="-127"/>
-              </a:rPr>
-              <a:t>3. </a:t>
-            </a:r>
-            <a:r>
-              <a:rPr lang="ko-KR" altLang="en-US" sz="2200" b="1" i="1" dirty="0">
-                <a:solidFill>
-                  <a:srgbClr val="1E5B86"/>
-                </a:solidFill>
-                <a:latin typeface="나눔명조 ExtraBold" pitchFamily="18" charset="-127"/>
-                <a:ea typeface="나눔명조 ExtraBold" pitchFamily="18" charset="-127"/>
-              </a:rPr>
-              <a:t>세부 계획</a:t>
-            </a:r>
-          </a:p>
-        </p:txBody>
-      </p:sp>
-      <p:sp>
-        <p:nvSpPr>
-          <p:cNvPr id="11" name="TextBox 10"/>
-          <p:cNvSpPr txBox="1"/>
-          <p:nvPr/>
-        </p:nvSpPr>
-        <p:spPr>
-          <a:xfrm>
-            <a:off x="765148" y="1358092"/>
-            <a:ext cx="2544286" cy="400110"/>
-          </a:xfrm>
-          <a:prstGeom prst="rect">
-            <a:avLst/>
-          </a:prstGeom>
-          <a:noFill/>
-        </p:spPr>
-        <p:txBody>
-          <a:bodyPr wrap="none" rtlCol="0">
-            <a:spAutoFit/>
-          </a:bodyPr>
-          <a:lstStyle/>
-          <a:p>
-            <a:r>
-              <a:rPr lang="en-US" altLang="ko-KR" sz="2000" b="1" dirty="0">
-                <a:solidFill>
-                  <a:srgbClr val="5C431E"/>
-                </a:solidFill>
-                <a:latin typeface="나눔고딕" pitchFamily="50" charset="-127"/>
-                <a:ea typeface="나눔고딕" pitchFamily="50" charset="-127"/>
-              </a:rPr>
-              <a:t>3.1 </a:t>
-            </a:r>
-            <a:r>
-              <a:rPr lang="ko-KR" altLang="en-US" sz="2000" b="1" dirty="0">
-                <a:solidFill>
-                  <a:srgbClr val="5C431E"/>
-                </a:solidFill>
-                <a:latin typeface="나눔고딕" pitchFamily="50" charset="-127"/>
-                <a:ea typeface="나눔고딕" pitchFamily="50" charset="-127"/>
-              </a:rPr>
-              <a:t>음성 신호 전 처리</a:t>
-            </a:r>
-          </a:p>
-        </p:txBody>
-      </p:sp>
-      <p:pic>
-        <p:nvPicPr>
-          <p:cNvPr id="2" name="Picture 2" descr="C:\Users\Administrator\Desktop\인하대학교\05_템플릿\01_작업\확정\01\PNG\09.png">
-            <a:extLst>
-              <a:ext uri="{FF2B5EF4-FFF2-40B4-BE49-F238E27FC236}">
-                <a16:creationId xmlns:a16="http://schemas.microsoft.com/office/drawing/2014/main" id="{01C956C6-4DBE-1B03-B43B-51BE3CEEB105}"/>
-              </a:ext>
-            </a:extLst>
-          </p:cNvPr>
-          <p:cNvPicPr>
-            <a:picLocks noChangeAspect="1" noChangeArrowheads="1"/>
-          </p:cNvPicPr>
-          <p:nvPr/>
-        </p:nvPicPr>
-        <p:blipFill>
-          <a:blip r:embed="rId9"/>
-          <a:srcRect/>
-          <a:stretch>
-            <a:fillRect/>
-          </a:stretch>
-        </p:blipFill>
-        <p:spPr bwMode="auto">
-          <a:xfrm>
-            <a:off x="1109456" y="2026753"/>
-            <a:ext cx="356235" cy="396716"/>
-          </a:xfrm>
-          <a:prstGeom prst="rect">
-            <a:avLst/>
-          </a:prstGeom>
-          <a:noFill/>
-        </p:spPr>
-      </p:pic>
-      <p:sp>
-        <p:nvSpPr>
-          <p:cNvPr id="6" name="TextBox 5">
-            <a:extLst>
-              <a:ext uri="{FF2B5EF4-FFF2-40B4-BE49-F238E27FC236}">
-                <a16:creationId xmlns:a16="http://schemas.microsoft.com/office/drawing/2014/main" id="{FD905168-04F8-5DBA-436D-C382C0D7C2C2}"/>
-              </a:ext>
-            </a:extLst>
-          </p:cNvPr>
-          <p:cNvSpPr txBox="1"/>
-          <p:nvPr/>
-        </p:nvSpPr>
-        <p:spPr>
-          <a:xfrm>
-            <a:off x="1137133" y="2025905"/>
-            <a:ext cx="286393" cy="369332"/>
-          </a:xfrm>
-          <a:prstGeom prst="rect">
-            <a:avLst/>
-          </a:prstGeom>
-          <a:noFill/>
-        </p:spPr>
-        <p:txBody>
-          <a:bodyPr wrap="square">
-            <a:spAutoFit/>
-          </a:bodyPr>
-          <a:lstStyle/>
-          <a:p>
-            <a:pPr algn="ctr"/>
-            <a:r>
-              <a:rPr lang="en-US" altLang="ko-KR" b="1" dirty="0">
-                <a:solidFill>
-                  <a:srgbClr val="5B4058"/>
-                </a:solidFill>
-                <a:latin typeface="나눔고딕" pitchFamily="50" charset="-127"/>
-                <a:ea typeface="나눔고딕" pitchFamily="50" charset="-127"/>
-              </a:rPr>
-              <a:t>2</a:t>
-            </a:r>
-            <a:endParaRPr lang="en-US" altLang="ko-KR" sz="1800" b="1" dirty="0">
-              <a:solidFill>
-                <a:srgbClr val="5B4058"/>
-              </a:solidFill>
-              <a:latin typeface="나눔고딕" pitchFamily="50" charset="-127"/>
-              <a:ea typeface="나눔고딕" pitchFamily="50" charset="-127"/>
-            </a:endParaRPr>
-          </a:p>
-        </p:txBody>
-      </p:sp>
-      <p:sp>
-        <p:nvSpPr>
-          <p:cNvPr id="19" name="TextBox 18">
-            <a:extLst>
-              <a:ext uri="{FF2B5EF4-FFF2-40B4-BE49-F238E27FC236}">
-                <a16:creationId xmlns:a16="http://schemas.microsoft.com/office/drawing/2014/main" id="{4B1C32E0-5C8D-3F7F-9E9B-2DEE25DA672A}"/>
-              </a:ext>
-            </a:extLst>
-          </p:cNvPr>
-          <p:cNvSpPr txBox="1"/>
-          <p:nvPr/>
-        </p:nvSpPr>
-        <p:spPr>
-          <a:xfrm>
-            <a:off x="1500610" y="2018654"/>
-            <a:ext cx="6722589" cy="369332"/>
-          </a:xfrm>
-          <a:prstGeom prst="rect">
-            <a:avLst/>
-          </a:prstGeom>
-          <a:noFill/>
-        </p:spPr>
-        <p:txBody>
-          <a:bodyPr wrap="square">
-            <a:spAutoFit/>
-          </a:bodyPr>
-          <a:lstStyle/>
-          <a:p>
-            <a:pPr algn="l"/>
-            <a:r>
-              <a:rPr lang="ko-KR" altLang="en-US" sz="1800" b="1" spc="100" dirty="0">
-                <a:solidFill>
-                  <a:srgbClr val="5E3960"/>
-                </a:solidFill>
-                <a:latin typeface="나눔고딕" pitchFamily="50" charset="-127"/>
-                <a:ea typeface="나눔고딕" pitchFamily="50" charset="-127"/>
-              </a:rPr>
-              <a:t>기존 음성 신호 전 처리 방식 </a:t>
-            </a:r>
-            <a:r>
-              <a:rPr lang="ko-KR" altLang="en-US" b="1" spc="100" dirty="0">
-                <a:solidFill>
-                  <a:srgbClr val="5E3960"/>
-                </a:solidFill>
-                <a:latin typeface="나눔고딕" pitchFamily="50" charset="-127"/>
-                <a:ea typeface="나눔고딕" pitchFamily="50" charset="-127"/>
-              </a:rPr>
-              <a:t>개선안</a:t>
-            </a:r>
-            <a:endParaRPr lang="en-US" altLang="ko-KR" sz="1800" b="1" spc="100" dirty="0">
-              <a:solidFill>
-                <a:srgbClr val="5E3960"/>
-              </a:solidFill>
-              <a:latin typeface="나눔고딕" pitchFamily="50" charset="-127"/>
-              <a:ea typeface="나눔고딕" pitchFamily="50" charset="-127"/>
-            </a:endParaRPr>
-          </a:p>
-        </p:txBody>
-      </p:sp>
-      <p:pic>
-        <p:nvPicPr>
-          <p:cNvPr id="4" name="그림 3">
-            <a:extLst>
-              <a:ext uri="{FF2B5EF4-FFF2-40B4-BE49-F238E27FC236}">
-                <a16:creationId xmlns:a16="http://schemas.microsoft.com/office/drawing/2014/main" id="{D1F1C609-595C-6502-3D29-7117271F1A59}"/>
-              </a:ext>
-            </a:extLst>
-          </p:cNvPr>
-          <p:cNvPicPr>
-            <a:picLocks noChangeAspect="1"/>
-          </p:cNvPicPr>
-          <p:nvPr/>
-        </p:nvPicPr>
-        <p:blipFill>
-          <a:blip r:embed="rId10"/>
-          <a:stretch>
-            <a:fillRect/>
-          </a:stretch>
-        </p:blipFill>
-        <p:spPr>
-          <a:xfrm>
-            <a:off x="1109456" y="2686064"/>
-            <a:ext cx="6247055" cy="2167178"/>
-          </a:xfrm>
-          <a:prstGeom prst="rect">
-            <a:avLst/>
-          </a:prstGeom>
-        </p:spPr>
-      </p:pic>
-    </p:spTree>
-    <p:extLst>
-      <p:ext uri="{BB962C8B-B14F-4D97-AF65-F5344CB8AC3E}">
-        <p14:creationId xmlns:p14="http://schemas.microsoft.com/office/powerpoint/2010/main" val="3117088550"/>
       </p:ext>
     </p:extLst>
   </p:cSld>

--- a/ppt/0310_2조_나현희_신원철.pptx
+++ b/ppt/0310_2조_나현희_신원철.pptx
@@ -233,7 +233,7 @@
             <a:fld id="{01015650-063C-455C-8B59-3D8A2C6803D6}" type="datetimeFigureOut">
               <a:rPr lang="ko-KR" altLang="en-US" smtClean="0"/>
               <a:pPr/>
-              <a:t>2023-03-10</a:t>
+              <a:t>2023-03-23</a:t>
             </a:fld>
             <a:endParaRPr lang="ko-KR" altLang="en-US"/>
           </a:p>
@@ -862,6 +862,57 @@
               <a:tabLst/>
               <a:defRPr/>
             </a:pPr>
+            <a:endParaRPr lang="en-US" altLang="ko-KR" dirty="0"/>
+          </a:p>
+          <a:p>
+            <a:pPr marL="0" marR="0" lvl="0" indent="0" algn="l" defTabSz="914400" rtl="0" eaLnBrk="1" fontAlgn="auto" latinLnBrk="1" hangingPunct="1">
+              <a:lnSpc>
+                <a:spcPct val="100000"/>
+              </a:lnSpc>
+              <a:spcBef>
+                <a:spcPts val="0"/>
+              </a:spcBef>
+              <a:spcAft>
+                <a:spcPts val="0"/>
+              </a:spcAft>
+              <a:buClrTx/>
+              <a:buSzTx/>
+              <a:buFontTx/>
+              <a:buNone/>
+              <a:tabLst/>
+              <a:defRPr/>
+            </a:pPr>
+            <a:r>
+              <a:rPr lang="en-US" altLang="ko-KR" dirty="0"/>
+              <a:t>&lt;</a:t>
+            </a:r>
+            <a:r>
+              <a:rPr lang="en-US" altLang="ko-KR" dirty="0" err="1"/>
+              <a:t>librimix</a:t>
+            </a:r>
+            <a:r>
+              <a:rPr lang="en-US" altLang="ko-KR" dirty="0"/>
+              <a:t>&gt;</a:t>
+            </a:r>
+          </a:p>
+          <a:p>
+            <a:pPr marL="0" marR="0" lvl="0" indent="0" algn="l" defTabSz="914400" rtl="0" eaLnBrk="1" fontAlgn="auto" latinLnBrk="1" hangingPunct="1">
+              <a:lnSpc>
+                <a:spcPct val="100000"/>
+              </a:lnSpc>
+              <a:spcBef>
+                <a:spcPts val="0"/>
+              </a:spcBef>
+              <a:spcAft>
+                <a:spcPts val="0"/>
+              </a:spcAft>
+              <a:buClrTx/>
+              <a:buSzTx/>
+              <a:buFontTx/>
+              <a:buNone/>
+              <a:tabLst/>
+              <a:defRPr/>
+            </a:pPr>
             <a:r>
               <a:rPr lang="en-US" altLang="ko-KR" dirty="0" err="1"/>
               <a:t>Interspeech</a:t>
@@ -2785,7 +2836,7 @@
             <a:fld id="{7C350D00-E9DF-4C32-8EF9-982D014E2409}" type="datetimeFigureOut">
               <a:rPr lang="ko-KR" altLang="en-US" smtClean="0"/>
               <a:pPr/>
-              <a:t>2023-03-10</a:t>
+              <a:t>2023-03-23</a:t>
             </a:fld>
             <a:endParaRPr lang="ko-KR" altLang="en-US"/>
           </a:p>
@@ -2950,7 +3001,7 @@
             <a:fld id="{7C350D00-E9DF-4C32-8EF9-982D014E2409}" type="datetimeFigureOut">
               <a:rPr lang="ko-KR" altLang="en-US" smtClean="0"/>
               <a:pPr/>
-              <a:t>2023-03-10</a:t>
+              <a:t>2023-03-23</a:t>
             </a:fld>
             <a:endParaRPr lang="ko-KR" altLang="en-US"/>
           </a:p>
@@ -3125,7 +3176,7 @@
             <a:fld id="{7C350D00-E9DF-4C32-8EF9-982D014E2409}" type="datetimeFigureOut">
               <a:rPr lang="ko-KR" altLang="en-US" smtClean="0"/>
               <a:pPr/>
-              <a:t>2023-03-10</a:t>
+              <a:t>2023-03-23</a:t>
             </a:fld>
             <a:endParaRPr lang="ko-KR" altLang="en-US"/>
           </a:p>
@@ -3290,7 +3341,7 @@
             <a:fld id="{7C350D00-E9DF-4C32-8EF9-982D014E2409}" type="datetimeFigureOut">
               <a:rPr lang="ko-KR" altLang="en-US" smtClean="0"/>
               <a:pPr/>
-              <a:t>2023-03-10</a:t>
+              <a:t>2023-03-23</a:t>
             </a:fld>
             <a:endParaRPr lang="ko-KR" altLang="en-US"/>
           </a:p>
@@ -3532,7 +3583,7 @@
             <a:fld id="{7C350D00-E9DF-4C32-8EF9-982D014E2409}" type="datetimeFigureOut">
               <a:rPr lang="ko-KR" altLang="en-US" smtClean="0"/>
               <a:pPr/>
-              <a:t>2023-03-10</a:t>
+              <a:t>2023-03-23</a:t>
             </a:fld>
             <a:endParaRPr lang="ko-KR" altLang="en-US"/>
           </a:p>
@@ -3814,7 +3865,7 @@
             <a:fld id="{7C350D00-E9DF-4C32-8EF9-982D014E2409}" type="datetimeFigureOut">
               <a:rPr lang="ko-KR" altLang="en-US" smtClean="0"/>
               <a:pPr/>
-              <a:t>2023-03-10</a:t>
+              <a:t>2023-03-23</a:t>
             </a:fld>
             <a:endParaRPr lang="ko-KR" altLang="en-US"/>
           </a:p>
@@ -4235,7 +4286,7 @@
             <a:fld id="{7C350D00-E9DF-4C32-8EF9-982D014E2409}" type="datetimeFigureOut">
               <a:rPr lang="ko-KR" altLang="en-US" smtClean="0"/>
               <a:pPr/>
-              <a:t>2023-03-10</a:t>
+              <a:t>2023-03-23</a:t>
             </a:fld>
             <a:endParaRPr lang="ko-KR" altLang="en-US"/>
           </a:p>
@@ -4349,7 +4400,7 @@
             <a:fld id="{7C350D00-E9DF-4C32-8EF9-982D014E2409}" type="datetimeFigureOut">
               <a:rPr lang="ko-KR" altLang="en-US" smtClean="0"/>
               <a:pPr/>
-              <a:t>2023-03-10</a:t>
+              <a:t>2023-03-23</a:t>
             </a:fld>
             <a:endParaRPr lang="ko-KR" altLang="en-US"/>
           </a:p>
@@ -4441,7 +4492,7 @@
             <a:fld id="{7C350D00-E9DF-4C32-8EF9-982D014E2409}" type="datetimeFigureOut">
               <a:rPr lang="ko-KR" altLang="en-US" smtClean="0"/>
               <a:pPr/>
-              <a:t>2023-03-10</a:t>
+              <a:t>2023-03-23</a:t>
             </a:fld>
             <a:endParaRPr lang="ko-KR" altLang="en-US"/>
           </a:p>
@@ -4713,7 +4764,7 @@
             <a:fld id="{7C350D00-E9DF-4C32-8EF9-982D014E2409}" type="datetimeFigureOut">
               <a:rPr lang="ko-KR" altLang="en-US" smtClean="0"/>
               <a:pPr/>
-              <a:t>2023-03-10</a:t>
+              <a:t>2023-03-23</a:t>
             </a:fld>
             <a:endParaRPr lang="ko-KR" altLang="en-US"/>
           </a:p>
@@ -4962,7 +5013,7 @@
             <a:fld id="{7C350D00-E9DF-4C32-8EF9-982D014E2409}" type="datetimeFigureOut">
               <a:rPr lang="ko-KR" altLang="en-US" smtClean="0"/>
               <a:pPr/>
-              <a:t>2023-03-10</a:t>
+              <a:t>2023-03-23</a:t>
             </a:fld>
             <a:endParaRPr lang="ko-KR" altLang="en-US"/>
           </a:p>
@@ -5170,7 +5221,7 @@
             <a:fld id="{7C350D00-E9DF-4C32-8EF9-982D014E2409}" type="datetimeFigureOut">
               <a:rPr lang="ko-KR" altLang="en-US" smtClean="0"/>
               <a:pPr/>
-              <a:t>2023-03-10</a:t>
+              <a:t>2023-03-23</a:t>
             </a:fld>
             <a:endParaRPr lang="ko-KR" altLang="en-US"/>
           </a:p>
